--- a/images/Restaurant Sales.pptx
+++ b/images/Restaurant Sales.pptx
@@ -8,14 +8,20 @@
     <p:sldId id="256" r:id="rId2"/>
     <p:sldId id="262" r:id="rId3"/>
     <p:sldId id="259" r:id="rId4"/>
-    <p:sldId id="260" r:id="rId5"/>
-    <p:sldId id="261" r:id="rId6"/>
-    <p:sldId id="263" r:id="rId7"/>
-    <p:sldId id="264" r:id="rId8"/>
-    <p:sldId id="265" r:id="rId9"/>
-    <p:sldId id="266" r:id="rId10"/>
-    <p:sldId id="267" r:id="rId11"/>
-    <p:sldId id="268" r:id="rId12"/>
+    <p:sldId id="269" r:id="rId5"/>
+    <p:sldId id="260" r:id="rId6"/>
+    <p:sldId id="270" r:id="rId7"/>
+    <p:sldId id="261" r:id="rId8"/>
+    <p:sldId id="263" r:id="rId9"/>
+    <p:sldId id="264" r:id="rId10"/>
+    <p:sldId id="271" r:id="rId11"/>
+    <p:sldId id="265" r:id="rId12"/>
+    <p:sldId id="272" r:id="rId13"/>
+    <p:sldId id="266" r:id="rId14"/>
+    <p:sldId id="273" r:id="rId15"/>
+    <p:sldId id="267" r:id="rId16"/>
+    <p:sldId id="274" r:id="rId17"/>
+    <p:sldId id="268" r:id="rId18"/>
   </p:sldIdLst>
   <p:sldSz cx="12192000" cy="6858000"/>
   <p:notesSz cx="6858000" cy="9144000"/>
@@ -114,7 +120,2820 @@
       </a:defRPr>
     </a:lvl9pPr>
   </p:defaultTextStyle>
+  <p:extLst>
+    <p:ext uri="{EFAFB233-063F-42B5-8137-9DF3F51BA10A}">
+      <p15:sldGuideLst xmlns:p15="http://schemas.microsoft.com/office/powerpoint/2012/main"/>
+    </p:ext>
+  </p:extLst>
 </p:presentation>
+</file>
+
+<file path=ppt/revisionInfo.xml><?xml version="1.0" encoding="utf-8"?>
+<p1510:revInfo xmlns:a="http://schemas.openxmlformats.org/drawingml/2006/main" xmlns:r="http://schemas.openxmlformats.org/officeDocument/2006/relationships" xmlns:p1510="http://schemas.microsoft.com/office/powerpoint/2015/10/main">
+  <p1510:revLst>
+    <p1510:client id="{62DC6F10-91A0-4946-82C7-534205155A14}" v="20" dt="2025-07-15T11:06:27.801"/>
+  </p1510:revLst>
+</p1510:revInfo>
+</file>
+
+<file path=ppt/changesInfos/changesInfo1.xml><?xml version="1.0" encoding="utf-8"?>
+<pc:chgInfo xmlns:a="http://schemas.openxmlformats.org/drawingml/2006/main" xmlns:r="http://schemas.openxmlformats.org/officeDocument/2006/relationships" xmlns:ac="http://schemas.microsoft.com/office/drawing/2013/main/command" xmlns:pc="http://schemas.microsoft.com/office/powerpoint/2013/main/command">
+  <pc:docChgLst>
+    <pc:chgData name="Shalini Kupparaju" userId="f2abd47b8b13236a" providerId="LiveId" clId="{62DC6F10-91A0-4946-82C7-534205155A14}"/>
+    <pc:docChg chg="undo custSel addSld delSld modSld modMainMaster">
+      <pc:chgData name="Shalini Kupparaju" userId="f2abd47b8b13236a" providerId="LiveId" clId="{62DC6F10-91A0-4946-82C7-534205155A14}" dt="2025-07-15T11:06:52.205" v="118" actId="14100"/>
+      <pc:docMkLst>
+        <pc:docMk/>
+      </pc:docMkLst>
+      <pc:sldChg chg="modSp mod">
+        <pc:chgData name="Shalini Kupparaju" userId="f2abd47b8b13236a" providerId="LiveId" clId="{62DC6F10-91A0-4946-82C7-534205155A14}" dt="2025-07-15T11:06:27.801" v="115"/>
+        <pc:sldMkLst>
+          <pc:docMk/>
+          <pc:sldMk cId="648832414" sldId="256"/>
+        </pc:sldMkLst>
+        <pc:spChg chg="mod">
+          <ac:chgData name="Shalini Kupparaju" userId="f2abd47b8b13236a" providerId="LiveId" clId="{62DC6F10-91A0-4946-82C7-534205155A14}" dt="2025-07-15T11:06:27.801" v="115"/>
+          <ac:spMkLst>
+            <pc:docMk/>
+            <pc:sldMk cId="648832414" sldId="256"/>
+            <ac:spMk id="2" creationId="{1D9F50BD-5BEF-4B9D-AE3B-EAB60BC594B9}"/>
+          </ac:spMkLst>
+        </pc:spChg>
+        <pc:spChg chg="mod">
+          <ac:chgData name="Shalini Kupparaju" userId="f2abd47b8b13236a" providerId="LiveId" clId="{62DC6F10-91A0-4946-82C7-534205155A14}" dt="2025-07-15T11:06:27.801" v="115"/>
+          <ac:spMkLst>
+            <pc:docMk/>
+            <pc:sldMk cId="648832414" sldId="256"/>
+            <ac:spMk id="3" creationId="{E0F060FC-6143-10C0-DF6E-608CE8E4DEF8}"/>
+          </ac:spMkLst>
+        </pc:spChg>
+      </pc:sldChg>
+      <pc:sldChg chg="delSp modSp mod">
+        <pc:chgData name="Shalini Kupparaju" userId="f2abd47b8b13236a" providerId="LiveId" clId="{62DC6F10-91A0-4946-82C7-534205155A14}" dt="2025-07-15T11:06:28.348" v="116" actId="1076"/>
+        <pc:sldMkLst>
+          <pc:docMk/>
+          <pc:sldMk cId="2582358941" sldId="259"/>
+        </pc:sldMkLst>
+        <pc:picChg chg="mod">
+          <ac:chgData name="Shalini Kupparaju" userId="f2abd47b8b13236a" providerId="LiveId" clId="{62DC6F10-91A0-4946-82C7-534205155A14}" dt="2025-07-15T11:06:28.348" v="116" actId="1076"/>
+          <ac:picMkLst>
+            <pc:docMk/>
+            <pc:sldMk cId="2582358941" sldId="259"/>
+            <ac:picMk id="3" creationId="{48AB41E4-199B-5D9F-2568-A23799261346}"/>
+          </ac:picMkLst>
+        </pc:picChg>
+        <pc:picChg chg="del">
+          <ac:chgData name="Shalini Kupparaju" userId="f2abd47b8b13236a" providerId="LiveId" clId="{62DC6F10-91A0-4946-82C7-534205155A14}" dt="2025-07-15T10:50:55.387" v="2" actId="21"/>
+          <ac:picMkLst>
+            <pc:docMk/>
+            <pc:sldMk cId="2582358941" sldId="259"/>
+            <ac:picMk id="5" creationId="{126CCD29-EBE6-DFE0-D2C8-D1312285CA24}"/>
+          </ac:picMkLst>
+        </pc:picChg>
+      </pc:sldChg>
+      <pc:sldChg chg="delSp modSp mod">
+        <pc:chgData name="Shalini Kupparaju" userId="f2abd47b8b13236a" providerId="LiveId" clId="{62DC6F10-91A0-4946-82C7-534205155A14}" dt="2025-07-15T11:06:27.801" v="115"/>
+        <pc:sldMkLst>
+          <pc:docMk/>
+          <pc:sldMk cId="2622571854" sldId="260"/>
+        </pc:sldMkLst>
+        <pc:picChg chg="mod">
+          <ac:chgData name="Shalini Kupparaju" userId="f2abd47b8b13236a" providerId="LiveId" clId="{62DC6F10-91A0-4946-82C7-534205155A14}" dt="2025-07-15T11:06:27.801" v="115"/>
+          <ac:picMkLst>
+            <pc:docMk/>
+            <pc:sldMk cId="2622571854" sldId="260"/>
+            <ac:picMk id="3" creationId="{7CFC3BE2-084F-AB49-7A64-A29921E46A27}"/>
+          </ac:picMkLst>
+        </pc:picChg>
+        <pc:picChg chg="del">
+          <ac:chgData name="Shalini Kupparaju" userId="f2abd47b8b13236a" providerId="LiveId" clId="{62DC6F10-91A0-4946-82C7-534205155A14}" dt="2025-07-15T10:54:36.758" v="11" actId="21"/>
+          <ac:picMkLst>
+            <pc:docMk/>
+            <pc:sldMk cId="2622571854" sldId="260"/>
+            <ac:picMk id="5" creationId="{DA793664-25C6-4A9C-45D4-FE4C4CF8AEC6}"/>
+          </ac:picMkLst>
+        </pc:picChg>
+      </pc:sldChg>
+      <pc:sldChg chg="modSp mod">
+        <pc:chgData name="Shalini Kupparaju" userId="f2abd47b8b13236a" providerId="LiveId" clId="{62DC6F10-91A0-4946-82C7-534205155A14}" dt="2025-07-15T11:06:27.801" v="115"/>
+        <pc:sldMkLst>
+          <pc:docMk/>
+          <pc:sldMk cId="1229547369" sldId="261"/>
+        </pc:sldMkLst>
+        <pc:picChg chg="mod">
+          <ac:chgData name="Shalini Kupparaju" userId="f2abd47b8b13236a" providerId="LiveId" clId="{62DC6F10-91A0-4946-82C7-534205155A14}" dt="2025-07-15T11:06:27.801" v="115"/>
+          <ac:picMkLst>
+            <pc:docMk/>
+            <pc:sldMk cId="1229547369" sldId="261"/>
+            <ac:picMk id="3" creationId="{FC47F050-2C1E-F50F-754C-C40D2857A422}"/>
+          </ac:picMkLst>
+        </pc:picChg>
+      </pc:sldChg>
+      <pc:sldChg chg="modSp mod">
+        <pc:chgData name="Shalini Kupparaju" userId="f2abd47b8b13236a" providerId="LiveId" clId="{62DC6F10-91A0-4946-82C7-534205155A14}" dt="2025-07-15T11:06:27.801" v="115"/>
+        <pc:sldMkLst>
+          <pc:docMk/>
+          <pc:sldMk cId="2013275213" sldId="262"/>
+        </pc:sldMkLst>
+        <pc:spChg chg="mod">
+          <ac:chgData name="Shalini Kupparaju" userId="f2abd47b8b13236a" providerId="LiveId" clId="{62DC6F10-91A0-4946-82C7-534205155A14}" dt="2025-07-15T11:06:27.801" v="115"/>
+          <ac:spMkLst>
+            <pc:docMk/>
+            <pc:sldMk cId="2013275213" sldId="262"/>
+            <ac:spMk id="4" creationId="{03FAD2BE-5F9C-4B7B-C804-9F85F7A3C2CF}"/>
+          </ac:spMkLst>
+        </pc:spChg>
+        <pc:picChg chg="mod">
+          <ac:chgData name="Shalini Kupparaju" userId="f2abd47b8b13236a" providerId="LiveId" clId="{62DC6F10-91A0-4946-82C7-534205155A14}" dt="2025-07-15T11:06:27.801" v="115"/>
+          <ac:picMkLst>
+            <pc:docMk/>
+            <pc:sldMk cId="2013275213" sldId="262"/>
+            <ac:picMk id="3" creationId="{6CEB65A7-4E1F-B949-1DD1-C002BABA3B27}"/>
+          </ac:picMkLst>
+        </pc:picChg>
+      </pc:sldChg>
+      <pc:sldChg chg="modSp mod">
+        <pc:chgData name="Shalini Kupparaju" userId="f2abd47b8b13236a" providerId="LiveId" clId="{62DC6F10-91A0-4946-82C7-534205155A14}" dt="2025-07-15T11:06:27.801" v="115"/>
+        <pc:sldMkLst>
+          <pc:docMk/>
+          <pc:sldMk cId="3572836988" sldId="263"/>
+        </pc:sldMkLst>
+        <pc:spChg chg="mod">
+          <ac:chgData name="Shalini Kupparaju" userId="f2abd47b8b13236a" providerId="LiveId" clId="{62DC6F10-91A0-4946-82C7-534205155A14}" dt="2025-07-15T11:06:27.801" v="115"/>
+          <ac:spMkLst>
+            <pc:docMk/>
+            <pc:sldMk cId="3572836988" sldId="263"/>
+            <ac:spMk id="2" creationId="{3DF0E2AC-7B44-6FED-70DA-0D6DDC1C7D70}"/>
+          </ac:spMkLst>
+        </pc:spChg>
+        <pc:picChg chg="mod">
+          <ac:chgData name="Shalini Kupparaju" userId="f2abd47b8b13236a" providerId="LiveId" clId="{62DC6F10-91A0-4946-82C7-534205155A14}" dt="2025-07-15T11:06:27.801" v="115"/>
+          <ac:picMkLst>
+            <pc:docMk/>
+            <pc:sldMk cId="3572836988" sldId="263"/>
+            <ac:picMk id="4" creationId="{F25E696D-6147-94BD-1B01-7EDF1874FB34}"/>
+          </ac:picMkLst>
+        </pc:picChg>
+      </pc:sldChg>
+      <pc:sldChg chg="delSp modSp mod">
+        <pc:chgData name="Shalini Kupparaju" userId="f2abd47b8b13236a" providerId="LiveId" clId="{62DC6F10-91A0-4946-82C7-534205155A14}" dt="2025-07-15T11:06:27.801" v="115"/>
+        <pc:sldMkLst>
+          <pc:docMk/>
+          <pc:sldMk cId="3144177769" sldId="264"/>
+        </pc:sldMkLst>
+        <pc:picChg chg="mod">
+          <ac:chgData name="Shalini Kupparaju" userId="f2abd47b8b13236a" providerId="LiveId" clId="{62DC6F10-91A0-4946-82C7-534205155A14}" dt="2025-07-15T11:06:27.801" v="115"/>
+          <ac:picMkLst>
+            <pc:docMk/>
+            <pc:sldMk cId="3144177769" sldId="264"/>
+            <ac:picMk id="3" creationId="{F18DD1DF-BE3A-916B-3DDA-259035767A24}"/>
+          </ac:picMkLst>
+        </pc:picChg>
+        <pc:picChg chg="del">
+          <ac:chgData name="Shalini Kupparaju" userId="f2abd47b8b13236a" providerId="LiveId" clId="{62DC6F10-91A0-4946-82C7-534205155A14}" dt="2025-07-15T10:55:27.216" v="22" actId="21"/>
+          <ac:picMkLst>
+            <pc:docMk/>
+            <pc:sldMk cId="3144177769" sldId="264"/>
+            <ac:picMk id="5" creationId="{C079E508-778C-0144-72C1-C1B29555E9AE}"/>
+          </ac:picMkLst>
+        </pc:picChg>
+      </pc:sldChg>
+      <pc:sldChg chg="delSp modSp mod">
+        <pc:chgData name="Shalini Kupparaju" userId="f2abd47b8b13236a" providerId="LiveId" clId="{62DC6F10-91A0-4946-82C7-534205155A14}" dt="2025-07-15T11:06:27.801" v="115"/>
+        <pc:sldMkLst>
+          <pc:docMk/>
+          <pc:sldMk cId="20276657" sldId="265"/>
+        </pc:sldMkLst>
+        <pc:picChg chg="mod">
+          <ac:chgData name="Shalini Kupparaju" userId="f2abd47b8b13236a" providerId="LiveId" clId="{62DC6F10-91A0-4946-82C7-534205155A14}" dt="2025-07-15T11:06:27.801" v="115"/>
+          <ac:picMkLst>
+            <pc:docMk/>
+            <pc:sldMk cId="20276657" sldId="265"/>
+            <ac:picMk id="3" creationId="{21349F17-61F0-49C9-3DBC-7EE6E5F0FF9C}"/>
+          </ac:picMkLst>
+        </pc:picChg>
+        <pc:picChg chg="del">
+          <ac:chgData name="Shalini Kupparaju" userId="f2abd47b8b13236a" providerId="LiveId" clId="{62DC6F10-91A0-4946-82C7-534205155A14}" dt="2025-07-15T10:56:00.790" v="31" actId="21"/>
+          <ac:picMkLst>
+            <pc:docMk/>
+            <pc:sldMk cId="20276657" sldId="265"/>
+            <ac:picMk id="5" creationId="{0EBA3270-06EF-E860-3B98-EBE98F54BD0A}"/>
+          </ac:picMkLst>
+        </pc:picChg>
+      </pc:sldChg>
+      <pc:sldChg chg="addSp delSp modSp mod">
+        <pc:chgData name="Shalini Kupparaju" userId="f2abd47b8b13236a" providerId="LiveId" clId="{62DC6F10-91A0-4946-82C7-534205155A14}" dt="2025-07-15T11:06:52.205" v="118" actId="14100"/>
+        <pc:sldMkLst>
+          <pc:docMk/>
+          <pc:sldMk cId="3029875799" sldId="266"/>
+        </pc:sldMkLst>
+        <pc:spChg chg="add del mod">
+          <ac:chgData name="Shalini Kupparaju" userId="f2abd47b8b13236a" providerId="LiveId" clId="{62DC6F10-91A0-4946-82C7-534205155A14}" dt="2025-07-15T10:58:58.385" v="56"/>
+          <ac:spMkLst>
+            <pc:docMk/>
+            <pc:sldMk cId="3029875799" sldId="266"/>
+            <ac:spMk id="2" creationId="{4946EC68-111A-2E1A-7B42-0731896EB161}"/>
+          </ac:spMkLst>
+        </pc:spChg>
+        <pc:spChg chg="add del mod">
+          <ac:chgData name="Shalini Kupparaju" userId="f2abd47b8b13236a" providerId="LiveId" clId="{62DC6F10-91A0-4946-82C7-534205155A14}" dt="2025-07-15T10:58:58.385" v="58"/>
+          <ac:spMkLst>
+            <pc:docMk/>
+            <pc:sldMk cId="3029875799" sldId="266"/>
+            <ac:spMk id="4" creationId="{8838169F-625B-F9CF-5B42-B2DB58CE99D2}"/>
+          </ac:spMkLst>
+        </pc:spChg>
+        <pc:spChg chg="add del mod">
+          <ac:chgData name="Shalini Kupparaju" userId="f2abd47b8b13236a" providerId="LiveId" clId="{62DC6F10-91A0-4946-82C7-534205155A14}" dt="2025-07-15T10:59:59.311" v="81"/>
+          <ac:spMkLst>
+            <pc:docMk/>
+            <pc:sldMk cId="3029875799" sldId="266"/>
+            <ac:spMk id="6" creationId="{82DDC35E-6554-F91E-9286-11C1213B8DE1}"/>
+          </ac:spMkLst>
+        </pc:spChg>
+        <pc:spChg chg="add mod">
+          <ac:chgData name="Shalini Kupparaju" userId="f2abd47b8b13236a" providerId="LiveId" clId="{62DC6F10-91A0-4946-82C7-534205155A14}" dt="2025-07-15T11:06:27.801" v="115"/>
+          <ac:spMkLst>
+            <pc:docMk/>
+            <pc:sldMk cId="3029875799" sldId="266"/>
+            <ac:spMk id="7" creationId="{18230549-C5DA-DB29-9798-2B542CED5C4C}"/>
+          </ac:spMkLst>
+        </pc:spChg>
+        <pc:picChg chg="mod">
+          <ac:chgData name="Shalini Kupparaju" userId="f2abd47b8b13236a" providerId="LiveId" clId="{62DC6F10-91A0-4946-82C7-534205155A14}" dt="2025-07-15T11:06:52.205" v="118" actId="14100"/>
+          <ac:picMkLst>
+            <pc:docMk/>
+            <pc:sldMk cId="3029875799" sldId="266"/>
+            <ac:picMk id="3" creationId="{8F0E63FA-7FCB-62CB-186A-DA6AC7881034}"/>
+          </ac:picMkLst>
+        </pc:picChg>
+        <pc:picChg chg="del">
+          <ac:chgData name="Shalini Kupparaju" userId="f2abd47b8b13236a" providerId="LiveId" clId="{62DC6F10-91A0-4946-82C7-534205155A14}" dt="2025-07-15T10:57:01.757" v="43" actId="21"/>
+          <ac:picMkLst>
+            <pc:docMk/>
+            <pc:sldMk cId="3029875799" sldId="266"/>
+            <ac:picMk id="5" creationId="{60489FF3-B2E1-36D2-596D-1F613FB496DD}"/>
+          </ac:picMkLst>
+        </pc:picChg>
+      </pc:sldChg>
+      <pc:sldChg chg="delSp modSp mod">
+        <pc:chgData name="Shalini Kupparaju" userId="f2abd47b8b13236a" providerId="LiveId" clId="{62DC6F10-91A0-4946-82C7-534205155A14}" dt="2025-07-15T11:06:27.801" v="115"/>
+        <pc:sldMkLst>
+          <pc:docMk/>
+          <pc:sldMk cId="2316175852" sldId="267"/>
+        </pc:sldMkLst>
+        <pc:picChg chg="mod">
+          <ac:chgData name="Shalini Kupparaju" userId="f2abd47b8b13236a" providerId="LiveId" clId="{62DC6F10-91A0-4946-82C7-534205155A14}" dt="2025-07-15T11:06:27.801" v="115"/>
+          <ac:picMkLst>
+            <pc:docMk/>
+            <pc:sldMk cId="2316175852" sldId="267"/>
+            <ac:picMk id="3" creationId="{F13E1809-5170-ED8A-9D85-1FF1F0056588}"/>
+          </ac:picMkLst>
+        </pc:picChg>
+        <pc:picChg chg="del">
+          <ac:chgData name="Shalini Kupparaju" userId="f2abd47b8b13236a" providerId="LiveId" clId="{62DC6F10-91A0-4946-82C7-534205155A14}" dt="2025-07-15T11:01:10.551" v="92" actId="21"/>
+          <ac:picMkLst>
+            <pc:docMk/>
+            <pc:sldMk cId="2316175852" sldId="267"/>
+            <ac:picMk id="5" creationId="{E155C087-3F98-108F-7E47-56B1B99E954B}"/>
+          </ac:picMkLst>
+        </pc:picChg>
+      </pc:sldChg>
+      <pc:sldChg chg="modSp mod">
+        <pc:chgData name="Shalini Kupparaju" userId="f2abd47b8b13236a" providerId="LiveId" clId="{62DC6F10-91A0-4946-82C7-534205155A14}" dt="2025-07-15T11:06:27.801" v="115"/>
+        <pc:sldMkLst>
+          <pc:docMk/>
+          <pc:sldMk cId="1818645322" sldId="268"/>
+        </pc:sldMkLst>
+        <pc:picChg chg="mod">
+          <ac:chgData name="Shalini Kupparaju" userId="f2abd47b8b13236a" providerId="LiveId" clId="{62DC6F10-91A0-4946-82C7-534205155A14}" dt="2025-07-15T11:06:27.801" v="115"/>
+          <ac:picMkLst>
+            <pc:docMk/>
+            <pc:sldMk cId="1818645322" sldId="268"/>
+            <ac:picMk id="3" creationId="{51981233-F850-125B-90D6-275B5BEAEBFD}"/>
+          </ac:picMkLst>
+        </pc:picChg>
+      </pc:sldChg>
+      <pc:sldChg chg="addSp modSp new mod">
+        <pc:chgData name="Shalini Kupparaju" userId="f2abd47b8b13236a" providerId="LiveId" clId="{62DC6F10-91A0-4946-82C7-534205155A14}" dt="2025-07-15T11:06:27.801" v="115"/>
+        <pc:sldMkLst>
+          <pc:docMk/>
+          <pc:sldMk cId="4240641643" sldId="269"/>
+        </pc:sldMkLst>
+        <pc:picChg chg="add mod">
+          <ac:chgData name="Shalini Kupparaju" userId="f2abd47b8b13236a" providerId="LiveId" clId="{62DC6F10-91A0-4946-82C7-534205155A14}" dt="2025-07-15T11:06:27.801" v="115"/>
+          <ac:picMkLst>
+            <pc:docMk/>
+            <pc:sldMk cId="4240641643" sldId="269"/>
+            <ac:picMk id="5" creationId="{126CCD29-EBE6-DFE0-D2C8-D1312285CA24}"/>
+          </ac:picMkLst>
+        </pc:picChg>
+      </pc:sldChg>
+      <pc:sldChg chg="addSp modSp new mod">
+        <pc:chgData name="Shalini Kupparaju" userId="f2abd47b8b13236a" providerId="LiveId" clId="{62DC6F10-91A0-4946-82C7-534205155A14}" dt="2025-07-15T11:06:27.801" v="115"/>
+        <pc:sldMkLst>
+          <pc:docMk/>
+          <pc:sldMk cId="1286354407" sldId="270"/>
+        </pc:sldMkLst>
+        <pc:picChg chg="add mod">
+          <ac:chgData name="Shalini Kupparaju" userId="f2abd47b8b13236a" providerId="LiveId" clId="{62DC6F10-91A0-4946-82C7-534205155A14}" dt="2025-07-15T11:06:27.801" v="115"/>
+          <ac:picMkLst>
+            <pc:docMk/>
+            <pc:sldMk cId="1286354407" sldId="270"/>
+            <ac:picMk id="5" creationId="{DA793664-25C6-4A9C-45D4-FE4C4CF8AEC6}"/>
+          </ac:picMkLst>
+        </pc:picChg>
+      </pc:sldChg>
+      <pc:sldChg chg="addSp modSp new mod">
+        <pc:chgData name="Shalini Kupparaju" userId="f2abd47b8b13236a" providerId="LiveId" clId="{62DC6F10-91A0-4946-82C7-534205155A14}" dt="2025-07-15T11:06:27.801" v="115"/>
+        <pc:sldMkLst>
+          <pc:docMk/>
+          <pc:sldMk cId="1892613059" sldId="271"/>
+        </pc:sldMkLst>
+        <pc:picChg chg="add mod">
+          <ac:chgData name="Shalini Kupparaju" userId="f2abd47b8b13236a" providerId="LiveId" clId="{62DC6F10-91A0-4946-82C7-534205155A14}" dt="2025-07-15T11:06:27.801" v="115"/>
+          <ac:picMkLst>
+            <pc:docMk/>
+            <pc:sldMk cId="1892613059" sldId="271"/>
+            <ac:picMk id="5" creationId="{C079E508-778C-0144-72C1-C1B29555E9AE}"/>
+          </ac:picMkLst>
+        </pc:picChg>
+      </pc:sldChg>
+      <pc:sldChg chg="addSp modSp new mod">
+        <pc:chgData name="Shalini Kupparaju" userId="f2abd47b8b13236a" providerId="LiveId" clId="{62DC6F10-91A0-4946-82C7-534205155A14}" dt="2025-07-15T11:06:27.801" v="115"/>
+        <pc:sldMkLst>
+          <pc:docMk/>
+          <pc:sldMk cId="2445321860" sldId="272"/>
+        </pc:sldMkLst>
+        <pc:picChg chg="add mod">
+          <ac:chgData name="Shalini Kupparaju" userId="f2abd47b8b13236a" providerId="LiveId" clId="{62DC6F10-91A0-4946-82C7-534205155A14}" dt="2025-07-15T11:06:27.801" v="115"/>
+          <ac:picMkLst>
+            <pc:docMk/>
+            <pc:sldMk cId="2445321860" sldId="272"/>
+            <ac:picMk id="5" creationId="{0EBA3270-06EF-E860-3B98-EBE98F54BD0A}"/>
+          </ac:picMkLst>
+        </pc:picChg>
+      </pc:sldChg>
+      <pc:sldChg chg="addSp modSp new mod">
+        <pc:chgData name="Shalini Kupparaju" userId="f2abd47b8b13236a" providerId="LiveId" clId="{62DC6F10-91A0-4946-82C7-534205155A14}" dt="2025-07-15T11:06:27.801" v="115"/>
+        <pc:sldMkLst>
+          <pc:docMk/>
+          <pc:sldMk cId="3626641366" sldId="273"/>
+        </pc:sldMkLst>
+        <pc:picChg chg="add mod">
+          <ac:chgData name="Shalini Kupparaju" userId="f2abd47b8b13236a" providerId="LiveId" clId="{62DC6F10-91A0-4946-82C7-534205155A14}" dt="2025-07-15T11:06:27.801" v="115"/>
+          <ac:picMkLst>
+            <pc:docMk/>
+            <pc:sldMk cId="3626641366" sldId="273"/>
+            <ac:picMk id="5" creationId="{60489FF3-B2E1-36D2-596D-1F613FB496DD}"/>
+          </ac:picMkLst>
+        </pc:picChg>
+      </pc:sldChg>
+      <pc:sldChg chg="addSp modSp new mod">
+        <pc:chgData name="Shalini Kupparaju" userId="f2abd47b8b13236a" providerId="LiveId" clId="{62DC6F10-91A0-4946-82C7-534205155A14}" dt="2025-07-15T11:06:27.801" v="115"/>
+        <pc:sldMkLst>
+          <pc:docMk/>
+          <pc:sldMk cId="2373287958" sldId="274"/>
+        </pc:sldMkLst>
+        <pc:picChg chg="add mod">
+          <ac:chgData name="Shalini Kupparaju" userId="f2abd47b8b13236a" providerId="LiveId" clId="{62DC6F10-91A0-4946-82C7-534205155A14}" dt="2025-07-15T11:06:27.801" v="115"/>
+          <ac:picMkLst>
+            <pc:docMk/>
+            <pc:sldMk cId="2373287958" sldId="274"/>
+            <ac:picMk id="5" creationId="{E155C087-3F98-108F-7E47-56B1B99E954B}"/>
+          </ac:picMkLst>
+        </pc:picChg>
+      </pc:sldChg>
+      <pc:sldChg chg="new del">
+        <pc:chgData name="Shalini Kupparaju" userId="f2abd47b8b13236a" providerId="LiveId" clId="{62DC6F10-91A0-4946-82C7-534205155A14}" dt="2025-07-15T10:57:29.339" v="47" actId="2696"/>
+        <pc:sldMkLst>
+          <pc:docMk/>
+          <pc:sldMk cId="3317256585" sldId="274"/>
+        </pc:sldMkLst>
+      </pc:sldChg>
+      <pc:sldMasterChg chg="modSp modSldLayout">
+        <pc:chgData name="Shalini Kupparaju" userId="f2abd47b8b13236a" providerId="LiveId" clId="{62DC6F10-91A0-4946-82C7-534205155A14}" dt="2025-07-15T11:06:27.801" v="115"/>
+        <pc:sldMasterMkLst>
+          <pc:docMk/>
+          <pc:sldMasterMk cId="3239742241" sldId="2147483923"/>
+        </pc:sldMasterMkLst>
+        <pc:spChg chg="mod">
+          <ac:chgData name="Shalini Kupparaju" userId="f2abd47b8b13236a" providerId="LiveId" clId="{62DC6F10-91A0-4946-82C7-534205155A14}" dt="2025-07-15T11:06:27.801" v="115"/>
+          <ac:spMkLst>
+            <pc:docMk/>
+            <pc:sldMasterMk cId="3239742241" sldId="2147483923"/>
+            <ac:spMk id="2" creationId="{00000000-0000-0000-0000-000000000000}"/>
+          </ac:spMkLst>
+        </pc:spChg>
+        <pc:spChg chg="mod">
+          <ac:chgData name="Shalini Kupparaju" userId="f2abd47b8b13236a" providerId="LiveId" clId="{62DC6F10-91A0-4946-82C7-534205155A14}" dt="2025-07-15T11:06:27.801" v="115"/>
+          <ac:spMkLst>
+            <pc:docMk/>
+            <pc:sldMasterMk cId="3239742241" sldId="2147483923"/>
+            <ac:spMk id="3" creationId="{00000000-0000-0000-0000-000000000000}"/>
+          </ac:spMkLst>
+        </pc:spChg>
+        <pc:spChg chg="mod">
+          <ac:chgData name="Shalini Kupparaju" userId="f2abd47b8b13236a" providerId="LiveId" clId="{62DC6F10-91A0-4946-82C7-534205155A14}" dt="2025-07-15T11:06:27.801" v="115"/>
+          <ac:spMkLst>
+            <pc:docMk/>
+            <pc:sldMasterMk cId="3239742241" sldId="2147483923"/>
+            <ac:spMk id="4" creationId="{00000000-0000-0000-0000-000000000000}"/>
+          </ac:spMkLst>
+        </pc:spChg>
+        <pc:spChg chg="mod">
+          <ac:chgData name="Shalini Kupparaju" userId="f2abd47b8b13236a" providerId="LiveId" clId="{62DC6F10-91A0-4946-82C7-534205155A14}" dt="2025-07-15T11:06:27.801" v="115"/>
+          <ac:spMkLst>
+            <pc:docMk/>
+            <pc:sldMasterMk cId="3239742241" sldId="2147483923"/>
+            <ac:spMk id="5" creationId="{00000000-0000-0000-0000-000000000000}"/>
+          </ac:spMkLst>
+        </pc:spChg>
+        <pc:spChg chg="mod">
+          <ac:chgData name="Shalini Kupparaju" userId="f2abd47b8b13236a" providerId="LiveId" clId="{62DC6F10-91A0-4946-82C7-534205155A14}" dt="2025-07-15T11:06:27.801" v="115"/>
+          <ac:spMkLst>
+            <pc:docMk/>
+            <pc:sldMasterMk cId="3239742241" sldId="2147483923"/>
+            <ac:spMk id="6" creationId="{00000000-0000-0000-0000-000000000000}"/>
+          </ac:spMkLst>
+        </pc:spChg>
+        <pc:spChg chg="mod">
+          <ac:chgData name="Shalini Kupparaju" userId="f2abd47b8b13236a" providerId="LiveId" clId="{62DC6F10-91A0-4946-82C7-534205155A14}" dt="2025-07-15T11:06:27.801" v="115"/>
+          <ac:spMkLst>
+            <pc:docMk/>
+            <pc:sldMasterMk cId="3239742241" sldId="2147483923"/>
+            <ac:spMk id="8" creationId="{00000000-0000-0000-0000-000000000000}"/>
+          </ac:spMkLst>
+        </pc:spChg>
+        <pc:picChg chg="mod">
+          <ac:chgData name="Shalini Kupparaju" userId="f2abd47b8b13236a" providerId="LiveId" clId="{62DC6F10-91A0-4946-82C7-534205155A14}" dt="2025-07-15T11:06:27.801" v="115"/>
+          <ac:picMkLst>
+            <pc:docMk/>
+            <pc:sldMasterMk cId="3239742241" sldId="2147483923"/>
+            <ac:picMk id="7" creationId="{00000000-0000-0000-0000-000000000000}"/>
+          </ac:picMkLst>
+        </pc:picChg>
+        <pc:cxnChg chg="mod">
+          <ac:chgData name="Shalini Kupparaju" userId="f2abd47b8b13236a" providerId="LiveId" clId="{62DC6F10-91A0-4946-82C7-534205155A14}" dt="2025-07-15T11:06:27.801" v="115"/>
+          <ac:cxnSpMkLst>
+            <pc:docMk/>
+            <pc:sldMasterMk cId="3239742241" sldId="2147483923"/>
+            <ac:cxnSpMk id="10" creationId="{00000000-0000-0000-0000-000000000000}"/>
+          </ac:cxnSpMkLst>
+        </pc:cxnChg>
+        <pc:sldLayoutChg chg="modSp">
+          <pc:chgData name="Shalini Kupparaju" userId="f2abd47b8b13236a" providerId="LiveId" clId="{62DC6F10-91A0-4946-82C7-534205155A14}" dt="2025-07-15T11:06:27.801" v="115"/>
+          <pc:sldLayoutMkLst>
+            <pc:docMk/>
+            <pc:sldMasterMk cId="3239742241" sldId="2147483923"/>
+            <pc:sldLayoutMk cId="4207338611" sldId="2147483924"/>
+          </pc:sldLayoutMkLst>
+          <pc:spChg chg="mod">
+            <ac:chgData name="Shalini Kupparaju" userId="f2abd47b8b13236a" providerId="LiveId" clId="{62DC6F10-91A0-4946-82C7-534205155A14}" dt="2025-07-15T11:06:27.801" v="115"/>
+            <ac:spMkLst>
+              <pc:docMk/>
+              <pc:sldMasterMk cId="3239742241" sldId="2147483923"/>
+              <pc:sldLayoutMk cId="4207338611" sldId="2147483924"/>
+              <ac:spMk id="2" creationId="{00000000-0000-0000-0000-000000000000}"/>
+            </ac:spMkLst>
+          </pc:spChg>
+          <pc:spChg chg="mod">
+            <ac:chgData name="Shalini Kupparaju" userId="f2abd47b8b13236a" providerId="LiveId" clId="{62DC6F10-91A0-4946-82C7-534205155A14}" dt="2025-07-15T11:06:27.801" v="115"/>
+            <ac:spMkLst>
+              <pc:docMk/>
+              <pc:sldMasterMk cId="3239742241" sldId="2147483923"/>
+              <pc:sldLayoutMk cId="4207338611" sldId="2147483924"/>
+              <ac:spMk id="3" creationId="{00000000-0000-0000-0000-000000000000}"/>
+            </ac:spMkLst>
+          </pc:spChg>
+          <pc:spChg chg="mod">
+            <ac:chgData name="Shalini Kupparaju" userId="f2abd47b8b13236a" providerId="LiveId" clId="{62DC6F10-91A0-4946-82C7-534205155A14}" dt="2025-07-15T11:06:27.801" v="115"/>
+            <ac:spMkLst>
+              <pc:docMk/>
+              <pc:sldMasterMk cId="3239742241" sldId="2147483923"/>
+              <pc:sldLayoutMk cId="4207338611" sldId="2147483924"/>
+              <ac:spMk id="5" creationId="{00000000-0000-0000-0000-000000000000}"/>
+            </ac:spMkLst>
+          </pc:spChg>
+          <pc:spChg chg="mod">
+            <ac:chgData name="Shalini Kupparaju" userId="f2abd47b8b13236a" providerId="LiveId" clId="{62DC6F10-91A0-4946-82C7-534205155A14}" dt="2025-07-15T11:06:27.801" v="115"/>
+            <ac:spMkLst>
+              <pc:docMk/>
+              <pc:sldMasterMk cId="3239742241" sldId="2147483923"/>
+              <pc:sldLayoutMk cId="4207338611" sldId="2147483924"/>
+              <ac:spMk id="6" creationId="{00000000-0000-0000-0000-000000000000}"/>
+            </ac:spMkLst>
+          </pc:spChg>
+          <pc:cxnChg chg="mod">
+            <ac:chgData name="Shalini Kupparaju" userId="f2abd47b8b13236a" providerId="LiveId" clId="{62DC6F10-91A0-4946-82C7-534205155A14}" dt="2025-07-15T11:06:27.801" v="115"/>
+            <ac:cxnSpMkLst>
+              <pc:docMk/>
+              <pc:sldMasterMk cId="3239742241" sldId="2147483923"/>
+              <pc:sldLayoutMk cId="4207338611" sldId="2147483924"/>
+              <ac:cxnSpMk id="15" creationId="{00000000-0000-0000-0000-000000000000}"/>
+            </ac:cxnSpMkLst>
+          </pc:cxnChg>
+        </pc:sldLayoutChg>
+        <pc:sldLayoutChg chg="modSp">
+          <pc:chgData name="Shalini Kupparaju" userId="f2abd47b8b13236a" providerId="LiveId" clId="{62DC6F10-91A0-4946-82C7-534205155A14}" dt="2025-07-15T11:06:27.801" v="115"/>
+          <pc:sldLayoutMkLst>
+            <pc:docMk/>
+            <pc:sldMasterMk cId="3239742241" sldId="2147483923"/>
+            <pc:sldLayoutMk cId="4037570579" sldId="2147483925"/>
+          </pc:sldLayoutMkLst>
+          <pc:cxnChg chg="mod">
+            <ac:chgData name="Shalini Kupparaju" userId="f2abd47b8b13236a" providerId="LiveId" clId="{62DC6F10-91A0-4946-82C7-534205155A14}" dt="2025-07-15T11:06:27.801" v="115"/>
+            <ac:cxnSpMkLst>
+              <pc:docMk/>
+              <pc:sldMasterMk cId="3239742241" sldId="2147483923"/>
+              <pc:sldLayoutMk cId="4037570579" sldId="2147483925"/>
+              <ac:cxnSpMk id="33" creationId="{00000000-0000-0000-0000-000000000000}"/>
+            </ac:cxnSpMkLst>
+          </pc:cxnChg>
+        </pc:sldLayoutChg>
+        <pc:sldLayoutChg chg="modSp">
+          <pc:chgData name="Shalini Kupparaju" userId="f2abd47b8b13236a" providerId="LiveId" clId="{62DC6F10-91A0-4946-82C7-534205155A14}" dt="2025-07-15T11:06:27.801" v="115"/>
+          <pc:sldLayoutMkLst>
+            <pc:docMk/>
+            <pc:sldMasterMk cId="3239742241" sldId="2147483923"/>
+            <pc:sldLayoutMk cId="582008358" sldId="2147483926"/>
+          </pc:sldLayoutMkLst>
+          <pc:spChg chg="mod">
+            <ac:chgData name="Shalini Kupparaju" userId="f2abd47b8b13236a" providerId="LiveId" clId="{62DC6F10-91A0-4946-82C7-534205155A14}" dt="2025-07-15T11:06:27.801" v="115"/>
+            <ac:spMkLst>
+              <pc:docMk/>
+              <pc:sldMasterMk cId="3239742241" sldId="2147483923"/>
+              <pc:sldLayoutMk cId="582008358" sldId="2147483926"/>
+              <ac:spMk id="2" creationId="{00000000-0000-0000-0000-000000000000}"/>
+            </ac:spMkLst>
+          </pc:spChg>
+          <pc:spChg chg="mod">
+            <ac:chgData name="Shalini Kupparaju" userId="f2abd47b8b13236a" providerId="LiveId" clId="{62DC6F10-91A0-4946-82C7-534205155A14}" dt="2025-07-15T11:06:27.801" v="115"/>
+            <ac:spMkLst>
+              <pc:docMk/>
+              <pc:sldMasterMk cId="3239742241" sldId="2147483923"/>
+              <pc:sldLayoutMk cId="582008358" sldId="2147483926"/>
+              <ac:spMk id="3" creationId="{00000000-0000-0000-0000-000000000000}"/>
+            </ac:spMkLst>
+          </pc:spChg>
+          <pc:cxnChg chg="mod">
+            <ac:chgData name="Shalini Kupparaju" userId="f2abd47b8b13236a" providerId="LiveId" clId="{62DC6F10-91A0-4946-82C7-534205155A14}" dt="2025-07-15T11:06:27.801" v="115"/>
+            <ac:cxnSpMkLst>
+              <pc:docMk/>
+              <pc:sldMasterMk cId="3239742241" sldId="2147483923"/>
+              <pc:sldLayoutMk cId="582008358" sldId="2147483926"/>
+              <ac:cxnSpMk id="15" creationId="{00000000-0000-0000-0000-000000000000}"/>
+            </ac:cxnSpMkLst>
+          </pc:cxnChg>
+        </pc:sldLayoutChg>
+        <pc:sldLayoutChg chg="modSp">
+          <pc:chgData name="Shalini Kupparaju" userId="f2abd47b8b13236a" providerId="LiveId" clId="{62DC6F10-91A0-4946-82C7-534205155A14}" dt="2025-07-15T11:06:27.801" v="115"/>
+          <pc:sldLayoutMkLst>
+            <pc:docMk/>
+            <pc:sldMasterMk cId="3239742241" sldId="2147483923"/>
+            <pc:sldLayoutMk cId="2794250692" sldId="2147483927"/>
+          </pc:sldLayoutMkLst>
+          <pc:spChg chg="mod">
+            <ac:chgData name="Shalini Kupparaju" userId="f2abd47b8b13236a" providerId="LiveId" clId="{62DC6F10-91A0-4946-82C7-534205155A14}" dt="2025-07-15T11:06:27.801" v="115"/>
+            <ac:spMkLst>
+              <pc:docMk/>
+              <pc:sldMasterMk cId="3239742241" sldId="2147483923"/>
+              <pc:sldLayoutMk cId="2794250692" sldId="2147483927"/>
+              <ac:spMk id="2" creationId="{00000000-0000-0000-0000-000000000000}"/>
+            </ac:spMkLst>
+          </pc:spChg>
+          <pc:spChg chg="mod">
+            <ac:chgData name="Shalini Kupparaju" userId="f2abd47b8b13236a" providerId="LiveId" clId="{62DC6F10-91A0-4946-82C7-534205155A14}" dt="2025-07-15T11:06:27.801" v="115"/>
+            <ac:spMkLst>
+              <pc:docMk/>
+              <pc:sldMasterMk cId="3239742241" sldId="2147483923"/>
+              <pc:sldLayoutMk cId="2794250692" sldId="2147483927"/>
+              <ac:spMk id="3" creationId="{00000000-0000-0000-0000-000000000000}"/>
+            </ac:spMkLst>
+          </pc:spChg>
+          <pc:spChg chg="mod">
+            <ac:chgData name="Shalini Kupparaju" userId="f2abd47b8b13236a" providerId="LiveId" clId="{62DC6F10-91A0-4946-82C7-534205155A14}" dt="2025-07-15T11:06:27.801" v="115"/>
+            <ac:spMkLst>
+              <pc:docMk/>
+              <pc:sldMasterMk cId="3239742241" sldId="2147483923"/>
+              <pc:sldLayoutMk cId="2794250692" sldId="2147483927"/>
+              <ac:spMk id="4" creationId="{00000000-0000-0000-0000-000000000000}"/>
+            </ac:spMkLst>
+          </pc:spChg>
+          <pc:cxnChg chg="mod">
+            <ac:chgData name="Shalini Kupparaju" userId="f2abd47b8b13236a" providerId="LiveId" clId="{62DC6F10-91A0-4946-82C7-534205155A14}" dt="2025-07-15T11:06:27.801" v="115"/>
+            <ac:cxnSpMkLst>
+              <pc:docMk/>
+              <pc:sldMasterMk cId="3239742241" sldId="2147483923"/>
+              <pc:sldLayoutMk cId="2794250692" sldId="2147483927"/>
+              <ac:cxnSpMk id="35" creationId="{00000000-0000-0000-0000-000000000000}"/>
+            </ac:cxnSpMkLst>
+          </pc:cxnChg>
+        </pc:sldLayoutChg>
+        <pc:sldLayoutChg chg="modSp">
+          <pc:chgData name="Shalini Kupparaju" userId="f2abd47b8b13236a" providerId="LiveId" clId="{62DC6F10-91A0-4946-82C7-534205155A14}" dt="2025-07-15T11:06:27.801" v="115"/>
+          <pc:sldLayoutMkLst>
+            <pc:docMk/>
+            <pc:sldMasterMk cId="3239742241" sldId="2147483923"/>
+            <pc:sldLayoutMk cId="1631052048" sldId="2147483928"/>
+          </pc:sldLayoutMkLst>
+          <pc:spChg chg="mod">
+            <ac:chgData name="Shalini Kupparaju" userId="f2abd47b8b13236a" providerId="LiveId" clId="{62DC6F10-91A0-4946-82C7-534205155A14}" dt="2025-07-15T11:06:27.801" v="115"/>
+            <ac:spMkLst>
+              <pc:docMk/>
+              <pc:sldMasterMk cId="3239742241" sldId="2147483923"/>
+              <pc:sldLayoutMk cId="1631052048" sldId="2147483928"/>
+              <ac:spMk id="2" creationId="{00000000-0000-0000-0000-000000000000}"/>
+            </ac:spMkLst>
+          </pc:spChg>
+          <pc:spChg chg="mod">
+            <ac:chgData name="Shalini Kupparaju" userId="f2abd47b8b13236a" providerId="LiveId" clId="{62DC6F10-91A0-4946-82C7-534205155A14}" dt="2025-07-15T11:06:27.801" v="115"/>
+            <ac:spMkLst>
+              <pc:docMk/>
+              <pc:sldMasterMk cId="3239742241" sldId="2147483923"/>
+              <pc:sldLayoutMk cId="1631052048" sldId="2147483928"/>
+              <ac:spMk id="3" creationId="{00000000-0000-0000-0000-000000000000}"/>
+            </ac:spMkLst>
+          </pc:spChg>
+          <pc:spChg chg="mod">
+            <ac:chgData name="Shalini Kupparaju" userId="f2abd47b8b13236a" providerId="LiveId" clId="{62DC6F10-91A0-4946-82C7-534205155A14}" dt="2025-07-15T11:06:27.801" v="115"/>
+            <ac:spMkLst>
+              <pc:docMk/>
+              <pc:sldMasterMk cId="3239742241" sldId="2147483923"/>
+              <pc:sldLayoutMk cId="1631052048" sldId="2147483928"/>
+              <ac:spMk id="4" creationId="{00000000-0000-0000-0000-000000000000}"/>
+            </ac:spMkLst>
+          </pc:spChg>
+          <pc:spChg chg="mod">
+            <ac:chgData name="Shalini Kupparaju" userId="f2abd47b8b13236a" providerId="LiveId" clId="{62DC6F10-91A0-4946-82C7-534205155A14}" dt="2025-07-15T11:06:27.801" v="115"/>
+            <ac:spMkLst>
+              <pc:docMk/>
+              <pc:sldMasterMk cId="3239742241" sldId="2147483923"/>
+              <pc:sldLayoutMk cId="1631052048" sldId="2147483928"/>
+              <ac:spMk id="5" creationId="{00000000-0000-0000-0000-000000000000}"/>
+            </ac:spMkLst>
+          </pc:spChg>
+          <pc:spChg chg="mod">
+            <ac:chgData name="Shalini Kupparaju" userId="f2abd47b8b13236a" providerId="LiveId" clId="{62DC6F10-91A0-4946-82C7-534205155A14}" dt="2025-07-15T11:06:27.801" v="115"/>
+            <ac:spMkLst>
+              <pc:docMk/>
+              <pc:sldMasterMk cId="3239742241" sldId="2147483923"/>
+              <pc:sldLayoutMk cId="1631052048" sldId="2147483928"/>
+              <ac:spMk id="6" creationId="{00000000-0000-0000-0000-000000000000}"/>
+            </ac:spMkLst>
+          </pc:spChg>
+          <pc:cxnChg chg="mod">
+            <ac:chgData name="Shalini Kupparaju" userId="f2abd47b8b13236a" providerId="LiveId" clId="{62DC6F10-91A0-4946-82C7-534205155A14}" dt="2025-07-15T11:06:27.801" v="115"/>
+            <ac:cxnSpMkLst>
+              <pc:docMk/>
+              <pc:sldMasterMk cId="3239742241" sldId="2147483923"/>
+              <pc:sldLayoutMk cId="1631052048" sldId="2147483928"/>
+              <ac:cxnSpMk id="29" creationId="{00000000-0000-0000-0000-000000000000}"/>
+            </ac:cxnSpMkLst>
+          </pc:cxnChg>
+        </pc:sldLayoutChg>
+        <pc:sldLayoutChg chg="modSp">
+          <pc:chgData name="Shalini Kupparaju" userId="f2abd47b8b13236a" providerId="LiveId" clId="{62DC6F10-91A0-4946-82C7-534205155A14}" dt="2025-07-15T11:06:27.801" v="115"/>
+          <pc:sldLayoutMkLst>
+            <pc:docMk/>
+            <pc:sldMasterMk cId="3239742241" sldId="2147483923"/>
+            <pc:sldLayoutMk cId="2921604462" sldId="2147483929"/>
+          </pc:sldLayoutMkLst>
+          <pc:cxnChg chg="mod">
+            <ac:chgData name="Shalini Kupparaju" userId="f2abd47b8b13236a" providerId="LiveId" clId="{62DC6F10-91A0-4946-82C7-534205155A14}" dt="2025-07-15T11:06:27.801" v="115"/>
+            <ac:cxnSpMkLst>
+              <pc:docMk/>
+              <pc:sldMasterMk cId="3239742241" sldId="2147483923"/>
+              <pc:sldLayoutMk cId="2921604462" sldId="2147483929"/>
+              <ac:cxnSpMk id="25" creationId="{00000000-0000-0000-0000-000000000000}"/>
+            </ac:cxnSpMkLst>
+          </pc:cxnChg>
+        </pc:sldLayoutChg>
+        <pc:sldLayoutChg chg="modSp">
+          <pc:chgData name="Shalini Kupparaju" userId="f2abd47b8b13236a" providerId="LiveId" clId="{62DC6F10-91A0-4946-82C7-534205155A14}" dt="2025-07-15T11:06:27.801" v="115"/>
+          <pc:sldLayoutMkLst>
+            <pc:docMk/>
+            <pc:sldMasterMk cId="3239742241" sldId="2147483923"/>
+            <pc:sldLayoutMk cId="2210293549" sldId="2147483931"/>
+          </pc:sldLayoutMkLst>
+          <pc:spChg chg="mod">
+            <ac:chgData name="Shalini Kupparaju" userId="f2abd47b8b13236a" providerId="LiveId" clId="{62DC6F10-91A0-4946-82C7-534205155A14}" dt="2025-07-15T11:06:27.801" v="115"/>
+            <ac:spMkLst>
+              <pc:docMk/>
+              <pc:sldMasterMk cId="3239742241" sldId="2147483923"/>
+              <pc:sldLayoutMk cId="2210293549" sldId="2147483931"/>
+              <ac:spMk id="2" creationId="{00000000-0000-0000-0000-000000000000}"/>
+            </ac:spMkLst>
+          </pc:spChg>
+          <pc:spChg chg="mod">
+            <ac:chgData name="Shalini Kupparaju" userId="f2abd47b8b13236a" providerId="LiveId" clId="{62DC6F10-91A0-4946-82C7-534205155A14}" dt="2025-07-15T11:06:27.801" v="115"/>
+            <ac:spMkLst>
+              <pc:docMk/>
+              <pc:sldMasterMk cId="3239742241" sldId="2147483923"/>
+              <pc:sldLayoutMk cId="2210293549" sldId="2147483931"/>
+              <ac:spMk id="3" creationId="{00000000-0000-0000-0000-000000000000}"/>
+            </ac:spMkLst>
+          </pc:spChg>
+          <pc:spChg chg="mod">
+            <ac:chgData name="Shalini Kupparaju" userId="f2abd47b8b13236a" providerId="LiveId" clId="{62DC6F10-91A0-4946-82C7-534205155A14}" dt="2025-07-15T11:06:27.801" v="115"/>
+            <ac:spMkLst>
+              <pc:docMk/>
+              <pc:sldMasterMk cId="3239742241" sldId="2147483923"/>
+              <pc:sldLayoutMk cId="2210293549" sldId="2147483931"/>
+              <ac:spMk id="4" creationId="{00000000-0000-0000-0000-000000000000}"/>
+            </ac:spMkLst>
+          </pc:spChg>
+          <pc:cxnChg chg="mod">
+            <ac:chgData name="Shalini Kupparaju" userId="f2abd47b8b13236a" providerId="LiveId" clId="{62DC6F10-91A0-4946-82C7-534205155A14}" dt="2025-07-15T11:06:27.801" v="115"/>
+            <ac:cxnSpMkLst>
+              <pc:docMk/>
+              <pc:sldMasterMk cId="3239742241" sldId="2147483923"/>
+              <pc:sldLayoutMk cId="2210293549" sldId="2147483931"/>
+              <ac:cxnSpMk id="17" creationId="{00000000-0000-0000-0000-000000000000}"/>
+            </ac:cxnSpMkLst>
+          </pc:cxnChg>
+        </pc:sldLayoutChg>
+        <pc:sldLayoutChg chg="modSp">
+          <pc:chgData name="Shalini Kupparaju" userId="f2abd47b8b13236a" providerId="LiveId" clId="{62DC6F10-91A0-4946-82C7-534205155A14}" dt="2025-07-15T11:06:27.801" v="115"/>
+          <pc:sldLayoutMkLst>
+            <pc:docMk/>
+            <pc:sldMasterMk cId="3239742241" sldId="2147483923"/>
+            <pc:sldLayoutMk cId="2115208979" sldId="2147483932"/>
+          </pc:sldLayoutMkLst>
+          <pc:spChg chg="mod">
+            <ac:chgData name="Shalini Kupparaju" userId="f2abd47b8b13236a" providerId="LiveId" clId="{62DC6F10-91A0-4946-82C7-534205155A14}" dt="2025-07-15T11:06:27.801" v="115"/>
+            <ac:spMkLst>
+              <pc:docMk/>
+              <pc:sldMasterMk cId="3239742241" sldId="2147483923"/>
+              <pc:sldLayoutMk cId="2115208979" sldId="2147483932"/>
+              <ac:spMk id="2" creationId="{00000000-0000-0000-0000-000000000000}"/>
+            </ac:spMkLst>
+          </pc:spChg>
+          <pc:spChg chg="mod">
+            <ac:chgData name="Shalini Kupparaju" userId="f2abd47b8b13236a" providerId="LiveId" clId="{62DC6F10-91A0-4946-82C7-534205155A14}" dt="2025-07-15T11:06:27.801" v="115"/>
+            <ac:spMkLst>
+              <pc:docMk/>
+              <pc:sldMasterMk cId="3239742241" sldId="2147483923"/>
+              <pc:sldLayoutMk cId="2115208979" sldId="2147483932"/>
+              <ac:spMk id="3" creationId="{00000000-0000-0000-0000-000000000000}"/>
+            </ac:spMkLst>
+          </pc:spChg>
+          <pc:spChg chg="mod">
+            <ac:chgData name="Shalini Kupparaju" userId="f2abd47b8b13236a" providerId="LiveId" clId="{62DC6F10-91A0-4946-82C7-534205155A14}" dt="2025-07-15T11:06:27.801" v="115"/>
+            <ac:spMkLst>
+              <pc:docMk/>
+              <pc:sldMasterMk cId="3239742241" sldId="2147483923"/>
+              <pc:sldLayoutMk cId="2115208979" sldId="2147483932"/>
+              <ac:spMk id="4" creationId="{00000000-0000-0000-0000-000000000000}"/>
+            </ac:spMkLst>
+          </pc:spChg>
+          <pc:spChg chg="mod">
+            <ac:chgData name="Shalini Kupparaju" userId="f2abd47b8b13236a" providerId="LiveId" clId="{62DC6F10-91A0-4946-82C7-534205155A14}" dt="2025-07-15T11:06:27.801" v="115"/>
+            <ac:spMkLst>
+              <pc:docMk/>
+              <pc:sldMasterMk cId="3239742241" sldId="2147483923"/>
+              <pc:sldLayoutMk cId="2115208979" sldId="2147483932"/>
+              <ac:spMk id="5" creationId="{00000000-0000-0000-0000-000000000000}"/>
+            </ac:spMkLst>
+          </pc:spChg>
+          <pc:spChg chg="mod">
+            <ac:chgData name="Shalini Kupparaju" userId="f2abd47b8b13236a" providerId="LiveId" clId="{62DC6F10-91A0-4946-82C7-534205155A14}" dt="2025-07-15T11:06:27.801" v="115"/>
+            <ac:spMkLst>
+              <pc:docMk/>
+              <pc:sldMasterMk cId="3239742241" sldId="2147483923"/>
+              <pc:sldLayoutMk cId="2115208979" sldId="2147483932"/>
+              <ac:spMk id="6" creationId="{00000000-0000-0000-0000-000000000000}"/>
+            </ac:spMkLst>
+          </pc:spChg>
+          <pc:spChg chg="mod">
+            <ac:chgData name="Shalini Kupparaju" userId="f2abd47b8b13236a" providerId="LiveId" clId="{62DC6F10-91A0-4946-82C7-534205155A14}" dt="2025-07-15T11:06:27.801" v="115"/>
+            <ac:spMkLst>
+              <pc:docMk/>
+              <pc:sldMasterMk cId="3239742241" sldId="2147483923"/>
+              <pc:sldLayoutMk cId="2115208979" sldId="2147483932"/>
+              <ac:spMk id="18" creationId="{00000000-0000-0000-0000-000000000000}"/>
+            </ac:spMkLst>
+          </pc:spChg>
+          <pc:spChg chg="mod">
+            <ac:chgData name="Shalini Kupparaju" userId="f2abd47b8b13236a" providerId="LiveId" clId="{62DC6F10-91A0-4946-82C7-534205155A14}" dt="2025-07-15T11:06:27.801" v="115"/>
+            <ac:spMkLst>
+              <pc:docMk/>
+              <pc:sldMasterMk cId="3239742241" sldId="2147483923"/>
+              <pc:sldLayoutMk cId="2115208979" sldId="2147483932"/>
+              <ac:spMk id="19" creationId="{00000000-0000-0000-0000-000000000000}"/>
+            </ac:spMkLst>
+          </pc:spChg>
+          <pc:grpChg chg="mod">
+            <ac:chgData name="Shalini Kupparaju" userId="f2abd47b8b13236a" providerId="LiveId" clId="{62DC6F10-91A0-4946-82C7-534205155A14}" dt="2025-07-15T11:06:27.801" v="115"/>
+            <ac:grpSpMkLst>
+              <pc:docMk/>
+              <pc:sldMasterMk cId="3239742241" sldId="2147483923"/>
+              <pc:sldLayoutMk cId="2115208979" sldId="2147483932"/>
+              <ac:grpSpMk id="8" creationId="{00000000-0000-0000-0000-000000000000}"/>
+            </ac:grpSpMkLst>
+          </pc:grpChg>
+          <pc:cxnChg chg="mod">
+            <ac:chgData name="Shalini Kupparaju" userId="f2abd47b8b13236a" providerId="LiveId" clId="{62DC6F10-91A0-4946-82C7-534205155A14}" dt="2025-07-15T11:06:27.801" v="115"/>
+            <ac:cxnSpMkLst>
+              <pc:docMk/>
+              <pc:sldMasterMk cId="3239742241" sldId="2147483923"/>
+              <pc:sldLayoutMk cId="2115208979" sldId="2147483932"/>
+              <ac:cxnSpMk id="31" creationId="{00000000-0000-0000-0000-000000000000}"/>
+            </ac:cxnSpMkLst>
+          </pc:cxnChg>
+        </pc:sldLayoutChg>
+        <pc:sldLayoutChg chg="modSp">
+          <pc:chgData name="Shalini Kupparaju" userId="f2abd47b8b13236a" providerId="LiveId" clId="{62DC6F10-91A0-4946-82C7-534205155A14}" dt="2025-07-15T11:06:27.801" v="115"/>
+          <pc:sldLayoutMkLst>
+            <pc:docMk/>
+            <pc:sldMasterMk cId="3239742241" sldId="2147483923"/>
+            <pc:sldLayoutMk cId="1074316535" sldId="2147483933"/>
+          </pc:sldLayoutMkLst>
+          <pc:cxnChg chg="mod">
+            <ac:chgData name="Shalini Kupparaju" userId="f2abd47b8b13236a" providerId="LiveId" clId="{62DC6F10-91A0-4946-82C7-534205155A14}" dt="2025-07-15T11:06:27.801" v="115"/>
+            <ac:cxnSpMkLst>
+              <pc:docMk/>
+              <pc:sldMasterMk cId="3239742241" sldId="2147483923"/>
+              <pc:sldLayoutMk cId="1074316535" sldId="2147483933"/>
+              <ac:cxnSpMk id="26" creationId="{00000000-0000-0000-0000-000000000000}"/>
+            </ac:cxnSpMkLst>
+          </pc:cxnChg>
+        </pc:sldLayoutChg>
+        <pc:sldLayoutChg chg="modSp">
+          <pc:chgData name="Shalini Kupparaju" userId="f2abd47b8b13236a" providerId="LiveId" clId="{62DC6F10-91A0-4946-82C7-534205155A14}" dt="2025-07-15T11:06:27.801" v="115"/>
+          <pc:sldLayoutMkLst>
+            <pc:docMk/>
+            <pc:sldMasterMk cId="3239742241" sldId="2147483923"/>
+            <pc:sldLayoutMk cId="193449328" sldId="2147483934"/>
+          </pc:sldLayoutMkLst>
+          <pc:spChg chg="mod">
+            <ac:chgData name="Shalini Kupparaju" userId="f2abd47b8b13236a" providerId="LiveId" clId="{62DC6F10-91A0-4946-82C7-534205155A14}" dt="2025-07-15T11:06:27.801" v="115"/>
+            <ac:spMkLst>
+              <pc:docMk/>
+              <pc:sldMasterMk cId="3239742241" sldId="2147483923"/>
+              <pc:sldLayoutMk cId="193449328" sldId="2147483934"/>
+              <ac:spMk id="2" creationId="{00000000-0000-0000-0000-000000000000}"/>
+            </ac:spMkLst>
+          </pc:spChg>
+          <pc:spChg chg="mod">
+            <ac:chgData name="Shalini Kupparaju" userId="f2abd47b8b13236a" providerId="LiveId" clId="{62DC6F10-91A0-4946-82C7-534205155A14}" dt="2025-07-15T11:06:27.801" v="115"/>
+            <ac:spMkLst>
+              <pc:docMk/>
+              <pc:sldMasterMk cId="3239742241" sldId="2147483923"/>
+              <pc:sldLayoutMk cId="193449328" sldId="2147483934"/>
+              <ac:spMk id="3" creationId="{00000000-0000-0000-0000-000000000000}"/>
+            </ac:spMkLst>
+          </pc:spChg>
+          <pc:cxnChg chg="mod">
+            <ac:chgData name="Shalini Kupparaju" userId="f2abd47b8b13236a" providerId="LiveId" clId="{62DC6F10-91A0-4946-82C7-534205155A14}" dt="2025-07-15T11:06:27.801" v="115"/>
+            <ac:cxnSpMkLst>
+              <pc:docMk/>
+              <pc:sldMasterMk cId="3239742241" sldId="2147483923"/>
+              <pc:sldLayoutMk cId="193449328" sldId="2147483934"/>
+              <ac:cxnSpMk id="15" creationId="{00000000-0000-0000-0000-000000000000}"/>
+            </ac:cxnSpMkLst>
+          </pc:cxnChg>
+        </pc:sldLayoutChg>
+      </pc:sldMasterChg>
+      <pc:sldMasterChg chg="modSp modSldLayout">
+        <pc:chgData name="Shalini Kupparaju" userId="f2abd47b8b13236a" providerId="LiveId" clId="{62DC6F10-91A0-4946-82C7-534205155A14}" dt="2025-07-15T11:06:27.135" v="113"/>
+        <pc:sldMasterMkLst>
+          <pc:docMk/>
+          <pc:sldMasterMk cId="1915920998" sldId="2147483935"/>
+        </pc:sldMasterMkLst>
+        <pc:spChg chg="mod">
+          <ac:chgData name="Shalini Kupparaju" userId="f2abd47b8b13236a" providerId="LiveId" clId="{62DC6F10-91A0-4946-82C7-534205155A14}" dt="2025-07-15T11:06:27.135" v="113"/>
+          <ac:spMkLst>
+            <pc:docMk/>
+            <pc:sldMasterMk cId="1915920998" sldId="2147483935"/>
+            <ac:spMk id="2" creationId="{00000000-0000-0000-0000-000000000000}"/>
+          </ac:spMkLst>
+        </pc:spChg>
+        <pc:spChg chg="mod">
+          <ac:chgData name="Shalini Kupparaju" userId="f2abd47b8b13236a" providerId="LiveId" clId="{62DC6F10-91A0-4946-82C7-534205155A14}" dt="2025-07-15T11:06:27.135" v="113"/>
+          <ac:spMkLst>
+            <pc:docMk/>
+            <pc:sldMasterMk cId="1915920998" sldId="2147483935"/>
+            <ac:spMk id="3" creationId="{00000000-0000-0000-0000-000000000000}"/>
+          </ac:spMkLst>
+        </pc:spChg>
+        <pc:spChg chg="mod">
+          <ac:chgData name="Shalini Kupparaju" userId="f2abd47b8b13236a" providerId="LiveId" clId="{62DC6F10-91A0-4946-82C7-534205155A14}" dt="2025-07-15T11:06:27.135" v="113"/>
+          <ac:spMkLst>
+            <pc:docMk/>
+            <pc:sldMasterMk cId="1915920998" sldId="2147483935"/>
+            <ac:spMk id="4" creationId="{00000000-0000-0000-0000-000000000000}"/>
+          </ac:spMkLst>
+        </pc:spChg>
+        <pc:spChg chg="mod">
+          <ac:chgData name="Shalini Kupparaju" userId="f2abd47b8b13236a" providerId="LiveId" clId="{62DC6F10-91A0-4946-82C7-534205155A14}" dt="2025-07-15T11:06:27.135" v="113"/>
+          <ac:spMkLst>
+            <pc:docMk/>
+            <pc:sldMasterMk cId="1915920998" sldId="2147483935"/>
+            <ac:spMk id="5" creationId="{00000000-0000-0000-0000-000000000000}"/>
+          </ac:spMkLst>
+        </pc:spChg>
+        <pc:spChg chg="mod">
+          <ac:chgData name="Shalini Kupparaju" userId="f2abd47b8b13236a" providerId="LiveId" clId="{62DC6F10-91A0-4946-82C7-534205155A14}" dt="2025-07-15T11:06:27.135" v="113"/>
+          <ac:spMkLst>
+            <pc:docMk/>
+            <pc:sldMasterMk cId="1915920998" sldId="2147483935"/>
+            <ac:spMk id="6" creationId="{00000000-0000-0000-0000-000000000000}"/>
+          </ac:spMkLst>
+        </pc:spChg>
+        <pc:spChg chg="mod">
+          <ac:chgData name="Shalini Kupparaju" userId="f2abd47b8b13236a" providerId="LiveId" clId="{62DC6F10-91A0-4946-82C7-534205155A14}" dt="2025-07-15T11:06:27.135" v="113"/>
+          <ac:spMkLst>
+            <pc:docMk/>
+            <pc:sldMasterMk cId="1915920998" sldId="2147483935"/>
+            <ac:spMk id="10" creationId="{00000000-0000-0000-0000-000000000000}"/>
+          </ac:spMkLst>
+        </pc:spChg>
+        <pc:picChg chg="mod">
+          <ac:chgData name="Shalini Kupparaju" userId="f2abd47b8b13236a" providerId="LiveId" clId="{62DC6F10-91A0-4946-82C7-534205155A14}" dt="2025-07-15T11:06:27.135" v="113"/>
+          <ac:picMkLst>
+            <pc:docMk/>
+            <pc:sldMasterMk cId="1915920998" sldId="2147483935"/>
+            <ac:picMk id="12" creationId="{00000000-0000-0000-0000-000000000000}"/>
+          </ac:picMkLst>
+        </pc:picChg>
+        <pc:cxnChg chg="mod">
+          <ac:chgData name="Shalini Kupparaju" userId="f2abd47b8b13236a" providerId="LiveId" clId="{62DC6F10-91A0-4946-82C7-534205155A14}" dt="2025-07-15T11:06:27.135" v="113"/>
+          <ac:cxnSpMkLst>
+            <pc:docMk/>
+            <pc:sldMasterMk cId="1915920998" sldId="2147483935"/>
+            <ac:cxnSpMk id="13" creationId="{00000000-0000-0000-0000-000000000000}"/>
+          </ac:cxnSpMkLst>
+        </pc:cxnChg>
+        <pc:sldLayoutChg chg="modSp">
+          <pc:chgData name="Shalini Kupparaju" userId="f2abd47b8b13236a" providerId="LiveId" clId="{62DC6F10-91A0-4946-82C7-534205155A14}" dt="2025-07-15T11:06:27.135" v="113"/>
+          <pc:sldLayoutMkLst>
+            <pc:docMk/>
+            <pc:sldMasterMk cId="1915920998" sldId="2147483935"/>
+            <pc:sldLayoutMk cId="4119647424" sldId="2147483936"/>
+          </pc:sldLayoutMkLst>
+          <pc:spChg chg="mod">
+            <ac:chgData name="Shalini Kupparaju" userId="f2abd47b8b13236a" providerId="LiveId" clId="{62DC6F10-91A0-4946-82C7-534205155A14}" dt="2025-07-15T11:06:27.135" v="113"/>
+            <ac:spMkLst>
+              <pc:docMk/>
+              <pc:sldMasterMk cId="1915920998" sldId="2147483935"/>
+              <pc:sldLayoutMk cId="4119647424" sldId="2147483936"/>
+              <ac:spMk id="2" creationId="{00000000-0000-0000-0000-000000000000}"/>
+            </ac:spMkLst>
+          </pc:spChg>
+          <pc:spChg chg="mod">
+            <ac:chgData name="Shalini Kupparaju" userId="f2abd47b8b13236a" providerId="LiveId" clId="{62DC6F10-91A0-4946-82C7-534205155A14}" dt="2025-07-15T11:06:27.135" v="113"/>
+            <ac:spMkLst>
+              <pc:docMk/>
+              <pc:sldMasterMk cId="1915920998" sldId="2147483935"/>
+              <pc:sldLayoutMk cId="4119647424" sldId="2147483936"/>
+              <ac:spMk id="3" creationId="{00000000-0000-0000-0000-000000000000}"/>
+            </ac:spMkLst>
+          </pc:spChg>
+          <pc:spChg chg="mod">
+            <ac:chgData name="Shalini Kupparaju" userId="f2abd47b8b13236a" providerId="LiveId" clId="{62DC6F10-91A0-4946-82C7-534205155A14}" dt="2025-07-15T11:06:27.135" v="113"/>
+            <ac:spMkLst>
+              <pc:docMk/>
+              <pc:sldMasterMk cId="1915920998" sldId="2147483935"/>
+              <pc:sldLayoutMk cId="4119647424" sldId="2147483936"/>
+              <ac:spMk id="5" creationId="{00000000-0000-0000-0000-000000000000}"/>
+            </ac:spMkLst>
+          </pc:spChg>
+          <pc:spChg chg="mod">
+            <ac:chgData name="Shalini Kupparaju" userId="f2abd47b8b13236a" providerId="LiveId" clId="{62DC6F10-91A0-4946-82C7-534205155A14}" dt="2025-07-15T11:06:27.135" v="113"/>
+            <ac:spMkLst>
+              <pc:docMk/>
+              <pc:sldMasterMk cId="1915920998" sldId="2147483935"/>
+              <pc:sldLayoutMk cId="4119647424" sldId="2147483936"/>
+              <ac:spMk id="6" creationId="{00000000-0000-0000-0000-000000000000}"/>
+            </ac:spMkLst>
+          </pc:spChg>
+          <pc:cxnChg chg="mod">
+            <ac:chgData name="Shalini Kupparaju" userId="f2abd47b8b13236a" providerId="LiveId" clId="{62DC6F10-91A0-4946-82C7-534205155A14}" dt="2025-07-15T11:06:27.135" v="113"/>
+            <ac:cxnSpMkLst>
+              <pc:docMk/>
+              <pc:sldMasterMk cId="1915920998" sldId="2147483935"/>
+              <pc:sldLayoutMk cId="4119647424" sldId="2147483936"/>
+              <ac:cxnSpMk id="15" creationId="{00000000-0000-0000-0000-000000000000}"/>
+            </ac:cxnSpMkLst>
+          </pc:cxnChg>
+        </pc:sldLayoutChg>
+        <pc:sldLayoutChg chg="modSp">
+          <pc:chgData name="Shalini Kupparaju" userId="f2abd47b8b13236a" providerId="LiveId" clId="{62DC6F10-91A0-4946-82C7-534205155A14}" dt="2025-07-15T11:06:27.135" v="113"/>
+          <pc:sldLayoutMkLst>
+            <pc:docMk/>
+            <pc:sldMasterMk cId="1915920998" sldId="2147483935"/>
+            <pc:sldLayoutMk cId="4231642045" sldId="2147483937"/>
+          </pc:sldLayoutMkLst>
+          <pc:cxnChg chg="mod">
+            <ac:chgData name="Shalini Kupparaju" userId="f2abd47b8b13236a" providerId="LiveId" clId="{62DC6F10-91A0-4946-82C7-534205155A14}" dt="2025-07-15T11:06:27.135" v="113"/>
+            <ac:cxnSpMkLst>
+              <pc:docMk/>
+              <pc:sldMasterMk cId="1915920998" sldId="2147483935"/>
+              <pc:sldLayoutMk cId="4231642045" sldId="2147483937"/>
+              <ac:cxnSpMk id="33" creationId="{00000000-0000-0000-0000-000000000000}"/>
+            </ac:cxnSpMkLst>
+          </pc:cxnChg>
+        </pc:sldLayoutChg>
+        <pc:sldLayoutChg chg="modSp">
+          <pc:chgData name="Shalini Kupparaju" userId="f2abd47b8b13236a" providerId="LiveId" clId="{62DC6F10-91A0-4946-82C7-534205155A14}" dt="2025-07-15T11:06:27.135" v="113"/>
+          <pc:sldLayoutMkLst>
+            <pc:docMk/>
+            <pc:sldMasterMk cId="1915920998" sldId="2147483935"/>
+            <pc:sldLayoutMk cId="2498382444" sldId="2147483938"/>
+          </pc:sldLayoutMkLst>
+          <pc:spChg chg="mod">
+            <ac:chgData name="Shalini Kupparaju" userId="f2abd47b8b13236a" providerId="LiveId" clId="{62DC6F10-91A0-4946-82C7-534205155A14}" dt="2025-07-15T11:06:27.135" v="113"/>
+            <ac:spMkLst>
+              <pc:docMk/>
+              <pc:sldMasterMk cId="1915920998" sldId="2147483935"/>
+              <pc:sldLayoutMk cId="2498382444" sldId="2147483938"/>
+              <ac:spMk id="2" creationId="{00000000-0000-0000-0000-000000000000}"/>
+            </ac:spMkLst>
+          </pc:spChg>
+          <pc:spChg chg="mod">
+            <ac:chgData name="Shalini Kupparaju" userId="f2abd47b8b13236a" providerId="LiveId" clId="{62DC6F10-91A0-4946-82C7-534205155A14}" dt="2025-07-15T11:06:27.135" v="113"/>
+            <ac:spMkLst>
+              <pc:docMk/>
+              <pc:sldMasterMk cId="1915920998" sldId="2147483935"/>
+              <pc:sldLayoutMk cId="2498382444" sldId="2147483938"/>
+              <ac:spMk id="3" creationId="{00000000-0000-0000-0000-000000000000}"/>
+            </ac:spMkLst>
+          </pc:spChg>
+          <pc:cxnChg chg="mod">
+            <ac:chgData name="Shalini Kupparaju" userId="f2abd47b8b13236a" providerId="LiveId" clId="{62DC6F10-91A0-4946-82C7-534205155A14}" dt="2025-07-15T11:06:27.135" v="113"/>
+            <ac:cxnSpMkLst>
+              <pc:docMk/>
+              <pc:sldMasterMk cId="1915920998" sldId="2147483935"/>
+              <pc:sldLayoutMk cId="2498382444" sldId="2147483938"/>
+              <ac:cxnSpMk id="15" creationId="{00000000-0000-0000-0000-000000000000}"/>
+            </ac:cxnSpMkLst>
+          </pc:cxnChg>
+        </pc:sldLayoutChg>
+        <pc:sldLayoutChg chg="modSp">
+          <pc:chgData name="Shalini Kupparaju" userId="f2abd47b8b13236a" providerId="LiveId" clId="{62DC6F10-91A0-4946-82C7-534205155A14}" dt="2025-07-15T11:06:27.135" v="113"/>
+          <pc:sldLayoutMkLst>
+            <pc:docMk/>
+            <pc:sldMasterMk cId="1915920998" sldId="2147483935"/>
+            <pc:sldLayoutMk cId="550121449" sldId="2147483939"/>
+          </pc:sldLayoutMkLst>
+          <pc:spChg chg="mod">
+            <ac:chgData name="Shalini Kupparaju" userId="f2abd47b8b13236a" providerId="LiveId" clId="{62DC6F10-91A0-4946-82C7-534205155A14}" dt="2025-07-15T11:06:27.135" v="113"/>
+            <ac:spMkLst>
+              <pc:docMk/>
+              <pc:sldMasterMk cId="1915920998" sldId="2147483935"/>
+              <pc:sldLayoutMk cId="550121449" sldId="2147483939"/>
+              <ac:spMk id="2" creationId="{00000000-0000-0000-0000-000000000000}"/>
+            </ac:spMkLst>
+          </pc:spChg>
+          <pc:spChg chg="mod">
+            <ac:chgData name="Shalini Kupparaju" userId="f2abd47b8b13236a" providerId="LiveId" clId="{62DC6F10-91A0-4946-82C7-534205155A14}" dt="2025-07-15T11:06:27.135" v="113"/>
+            <ac:spMkLst>
+              <pc:docMk/>
+              <pc:sldMasterMk cId="1915920998" sldId="2147483935"/>
+              <pc:sldLayoutMk cId="550121449" sldId="2147483939"/>
+              <ac:spMk id="3" creationId="{00000000-0000-0000-0000-000000000000}"/>
+            </ac:spMkLst>
+          </pc:spChg>
+          <pc:spChg chg="mod">
+            <ac:chgData name="Shalini Kupparaju" userId="f2abd47b8b13236a" providerId="LiveId" clId="{62DC6F10-91A0-4946-82C7-534205155A14}" dt="2025-07-15T11:06:27.135" v="113"/>
+            <ac:spMkLst>
+              <pc:docMk/>
+              <pc:sldMasterMk cId="1915920998" sldId="2147483935"/>
+              <pc:sldLayoutMk cId="550121449" sldId="2147483939"/>
+              <ac:spMk id="4" creationId="{00000000-0000-0000-0000-000000000000}"/>
+            </ac:spMkLst>
+          </pc:spChg>
+          <pc:cxnChg chg="mod">
+            <ac:chgData name="Shalini Kupparaju" userId="f2abd47b8b13236a" providerId="LiveId" clId="{62DC6F10-91A0-4946-82C7-534205155A14}" dt="2025-07-15T11:06:27.135" v="113"/>
+            <ac:cxnSpMkLst>
+              <pc:docMk/>
+              <pc:sldMasterMk cId="1915920998" sldId="2147483935"/>
+              <pc:sldLayoutMk cId="550121449" sldId="2147483939"/>
+              <ac:cxnSpMk id="33" creationId="{00000000-0000-0000-0000-000000000000}"/>
+            </ac:cxnSpMkLst>
+          </pc:cxnChg>
+        </pc:sldLayoutChg>
+        <pc:sldLayoutChg chg="modSp">
+          <pc:chgData name="Shalini Kupparaju" userId="f2abd47b8b13236a" providerId="LiveId" clId="{62DC6F10-91A0-4946-82C7-534205155A14}" dt="2025-07-15T11:06:27.135" v="113"/>
+          <pc:sldLayoutMkLst>
+            <pc:docMk/>
+            <pc:sldMasterMk cId="1915920998" sldId="2147483935"/>
+            <pc:sldLayoutMk cId="28400240" sldId="2147483940"/>
+          </pc:sldLayoutMkLst>
+          <pc:spChg chg="mod">
+            <ac:chgData name="Shalini Kupparaju" userId="f2abd47b8b13236a" providerId="LiveId" clId="{62DC6F10-91A0-4946-82C7-534205155A14}" dt="2025-07-15T11:06:27.135" v="113"/>
+            <ac:spMkLst>
+              <pc:docMk/>
+              <pc:sldMasterMk cId="1915920998" sldId="2147483935"/>
+              <pc:sldLayoutMk cId="28400240" sldId="2147483940"/>
+              <ac:spMk id="2" creationId="{00000000-0000-0000-0000-000000000000}"/>
+            </ac:spMkLst>
+          </pc:spChg>
+          <pc:spChg chg="mod">
+            <ac:chgData name="Shalini Kupparaju" userId="f2abd47b8b13236a" providerId="LiveId" clId="{62DC6F10-91A0-4946-82C7-534205155A14}" dt="2025-07-15T11:06:27.135" v="113"/>
+            <ac:spMkLst>
+              <pc:docMk/>
+              <pc:sldMasterMk cId="1915920998" sldId="2147483935"/>
+              <pc:sldLayoutMk cId="28400240" sldId="2147483940"/>
+              <ac:spMk id="3" creationId="{00000000-0000-0000-0000-000000000000}"/>
+            </ac:spMkLst>
+          </pc:spChg>
+          <pc:spChg chg="mod">
+            <ac:chgData name="Shalini Kupparaju" userId="f2abd47b8b13236a" providerId="LiveId" clId="{62DC6F10-91A0-4946-82C7-534205155A14}" dt="2025-07-15T11:06:27.135" v="113"/>
+            <ac:spMkLst>
+              <pc:docMk/>
+              <pc:sldMasterMk cId="1915920998" sldId="2147483935"/>
+              <pc:sldLayoutMk cId="28400240" sldId="2147483940"/>
+              <ac:spMk id="4" creationId="{00000000-0000-0000-0000-000000000000}"/>
+            </ac:spMkLst>
+          </pc:spChg>
+          <pc:spChg chg="mod">
+            <ac:chgData name="Shalini Kupparaju" userId="f2abd47b8b13236a" providerId="LiveId" clId="{62DC6F10-91A0-4946-82C7-534205155A14}" dt="2025-07-15T11:06:27.135" v="113"/>
+            <ac:spMkLst>
+              <pc:docMk/>
+              <pc:sldMasterMk cId="1915920998" sldId="2147483935"/>
+              <pc:sldLayoutMk cId="28400240" sldId="2147483940"/>
+              <ac:spMk id="5" creationId="{00000000-0000-0000-0000-000000000000}"/>
+            </ac:spMkLst>
+          </pc:spChg>
+          <pc:spChg chg="mod">
+            <ac:chgData name="Shalini Kupparaju" userId="f2abd47b8b13236a" providerId="LiveId" clId="{62DC6F10-91A0-4946-82C7-534205155A14}" dt="2025-07-15T11:06:27.135" v="113"/>
+            <ac:spMkLst>
+              <pc:docMk/>
+              <pc:sldMasterMk cId="1915920998" sldId="2147483935"/>
+              <pc:sldLayoutMk cId="28400240" sldId="2147483940"/>
+              <ac:spMk id="6" creationId="{00000000-0000-0000-0000-000000000000}"/>
+            </ac:spMkLst>
+          </pc:spChg>
+          <pc:cxnChg chg="mod">
+            <ac:chgData name="Shalini Kupparaju" userId="f2abd47b8b13236a" providerId="LiveId" clId="{62DC6F10-91A0-4946-82C7-534205155A14}" dt="2025-07-15T11:06:27.135" v="113"/>
+            <ac:cxnSpMkLst>
+              <pc:docMk/>
+              <pc:sldMasterMk cId="1915920998" sldId="2147483935"/>
+              <pc:sldLayoutMk cId="28400240" sldId="2147483940"/>
+              <ac:cxnSpMk id="36" creationId="{00000000-0000-0000-0000-000000000000}"/>
+            </ac:cxnSpMkLst>
+          </pc:cxnChg>
+        </pc:sldLayoutChg>
+        <pc:sldLayoutChg chg="modSp">
+          <pc:chgData name="Shalini Kupparaju" userId="f2abd47b8b13236a" providerId="LiveId" clId="{62DC6F10-91A0-4946-82C7-534205155A14}" dt="2025-07-15T11:06:27.135" v="113"/>
+          <pc:sldLayoutMkLst>
+            <pc:docMk/>
+            <pc:sldMasterMk cId="1915920998" sldId="2147483935"/>
+            <pc:sldLayoutMk cId="2503092626" sldId="2147483941"/>
+          </pc:sldLayoutMkLst>
+          <pc:cxnChg chg="mod">
+            <ac:chgData name="Shalini Kupparaju" userId="f2abd47b8b13236a" providerId="LiveId" clId="{62DC6F10-91A0-4946-82C7-534205155A14}" dt="2025-07-15T11:06:27.135" v="113"/>
+            <ac:cxnSpMkLst>
+              <pc:docMk/>
+              <pc:sldMasterMk cId="1915920998" sldId="2147483935"/>
+              <pc:sldLayoutMk cId="2503092626" sldId="2147483941"/>
+              <ac:cxnSpMk id="32" creationId="{00000000-0000-0000-0000-000000000000}"/>
+            </ac:cxnSpMkLst>
+          </pc:cxnChg>
+        </pc:sldLayoutChg>
+        <pc:sldLayoutChg chg="modSp">
+          <pc:chgData name="Shalini Kupparaju" userId="f2abd47b8b13236a" providerId="LiveId" clId="{62DC6F10-91A0-4946-82C7-534205155A14}" dt="2025-07-15T11:06:27.135" v="113"/>
+          <pc:sldLayoutMkLst>
+            <pc:docMk/>
+            <pc:sldMasterMk cId="1915920998" sldId="2147483935"/>
+            <pc:sldLayoutMk cId="4053637950" sldId="2147483943"/>
+          </pc:sldLayoutMkLst>
+          <pc:spChg chg="mod">
+            <ac:chgData name="Shalini Kupparaju" userId="f2abd47b8b13236a" providerId="LiveId" clId="{62DC6F10-91A0-4946-82C7-534205155A14}" dt="2025-07-15T11:06:27.135" v="113"/>
+            <ac:spMkLst>
+              <pc:docMk/>
+              <pc:sldMasterMk cId="1915920998" sldId="2147483935"/>
+              <pc:sldLayoutMk cId="4053637950" sldId="2147483943"/>
+              <ac:spMk id="2" creationId="{00000000-0000-0000-0000-000000000000}"/>
+            </ac:spMkLst>
+          </pc:spChg>
+          <pc:spChg chg="mod">
+            <ac:chgData name="Shalini Kupparaju" userId="f2abd47b8b13236a" providerId="LiveId" clId="{62DC6F10-91A0-4946-82C7-534205155A14}" dt="2025-07-15T11:06:27.135" v="113"/>
+            <ac:spMkLst>
+              <pc:docMk/>
+              <pc:sldMasterMk cId="1915920998" sldId="2147483935"/>
+              <pc:sldLayoutMk cId="4053637950" sldId="2147483943"/>
+              <ac:spMk id="3" creationId="{00000000-0000-0000-0000-000000000000}"/>
+            </ac:spMkLst>
+          </pc:spChg>
+          <pc:spChg chg="mod">
+            <ac:chgData name="Shalini Kupparaju" userId="f2abd47b8b13236a" providerId="LiveId" clId="{62DC6F10-91A0-4946-82C7-534205155A14}" dt="2025-07-15T11:06:27.135" v="113"/>
+            <ac:spMkLst>
+              <pc:docMk/>
+              <pc:sldMasterMk cId="1915920998" sldId="2147483935"/>
+              <pc:sldLayoutMk cId="4053637950" sldId="2147483943"/>
+              <ac:spMk id="4" creationId="{00000000-0000-0000-0000-000000000000}"/>
+            </ac:spMkLst>
+          </pc:spChg>
+          <pc:cxnChg chg="mod">
+            <ac:chgData name="Shalini Kupparaju" userId="f2abd47b8b13236a" providerId="LiveId" clId="{62DC6F10-91A0-4946-82C7-534205155A14}" dt="2025-07-15T11:06:27.135" v="113"/>
+            <ac:cxnSpMkLst>
+              <pc:docMk/>
+              <pc:sldMasterMk cId="1915920998" sldId="2147483935"/>
+              <pc:sldLayoutMk cId="4053637950" sldId="2147483943"/>
+              <ac:cxnSpMk id="17" creationId="{00000000-0000-0000-0000-000000000000}"/>
+            </ac:cxnSpMkLst>
+          </pc:cxnChg>
+        </pc:sldLayoutChg>
+        <pc:sldLayoutChg chg="modSp">
+          <pc:chgData name="Shalini Kupparaju" userId="f2abd47b8b13236a" providerId="LiveId" clId="{62DC6F10-91A0-4946-82C7-534205155A14}" dt="2025-07-15T11:06:27.135" v="113"/>
+          <pc:sldLayoutMkLst>
+            <pc:docMk/>
+            <pc:sldMasterMk cId="1915920998" sldId="2147483935"/>
+            <pc:sldLayoutMk cId="1915195965" sldId="2147483944"/>
+          </pc:sldLayoutMkLst>
+          <pc:spChg chg="mod">
+            <ac:chgData name="Shalini Kupparaju" userId="f2abd47b8b13236a" providerId="LiveId" clId="{62DC6F10-91A0-4946-82C7-534205155A14}" dt="2025-07-15T11:06:27.135" v="113"/>
+            <ac:spMkLst>
+              <pc:docMk/>
+              <pc:sldMasterMk cId="1915920998" sldId="2147483935"/>
+              <pc:sldLayoutMk cId="1915195965" sldId="2147483944"/>
+              <ac:spMk id="2" creationId="{00000000-0000-0000-0000-000000000000}"/>
+            </ac:spMkLst>
+          </pc:spChg>
+          <pc:spChg chg="mod">
+            <ac:chgData name="Shalini Kupparaju" userId="f2abd47b8b13236a" providerId="LiveId" clId="{62DC6F10-91A0-4946-82C7-534205155A14}" dt="2025-07-15T11:06:27.135" v="113"/>
+            <ac:spMkLst>
+              <pc:docMk/>
+              <pc:sldMasterMk cId="1915920998" sldId="2147483935"/>
+              <pc:sldLayoutMk cId="1915195965" sldId="2147483944"/>
+              <ac:spMk id="3" creationId="{00000000-0000-0000-0000-000000000000}"/>
+            </ac:spMkLst>
+          </pc:spChg>
+          <pc:spChg chg="mod">
+            <ac:chgData name="Shalini Kupparaju" userId="f2abd47b8b13236a" providerId="LiveId" clId="{62DC6F10-91A0-4946-82C7-534205155A14}" dt="2025-07-15T11:06:27.135" v="113"/>
+            <ac:spMkLst>
+              <pc:docMk/>
+              <pc:sldMasterMk cId="1915920998" sldId="2147483935"/>
+              <pc:sldLayoutMk cId="1915195965" sldId="2147483944"/>
+              <ac:spMk id="4" creationId="{00000000-0000-0000-0000-000000000000}"/>
+            </ac:spMkLst>
+          </pc:spChg>
+          <pc:spChg chg="mod">
+            <ac:chgData name="Shalini Kupparaju" userId="f2abd47b8b13236a" providerId="LiveId" clId="{62DC6F10-91A0-4946-82C7-534205155A14}" dt="2025-07-15T11:06:27.135" v="113"/>
+            <ac:spMkLst>
+              <pc:docMk/>
+              <pc:sldMasterMk cId="1915920998" sldId="2147483935"/>
+              <pc:sldLayoutMk cId="1915195965" sldId="2147483944"/>
+              <ac:spMk id="5" creationId="{00000000-0000-0000-0000-000000000000}"/>
+            </ac:spMkLst>
+          </pc:spChg>
+          <pc:spChg chg="mod">
+            <ac:chgData name="Shalini Kupparaju" userId="f2abd47b8b13236a" providerId="LiveId" clId="{62DC6F10-91A0-4946-82C7-534205155A14}" dt="2025-07-15T11:06:27.135" v="113"/>
+            <ac:spMkLst>
+              <pc:docMk/>
+              <pc:sldMasterMk cId="1915920998" sldId="2147483935"/>
+              <pc:sldLayoutMk cId="1915195965" sldId="2147483944"/>
+              <ac:spMk id="6" creationId="{00000000-0000-0000-0000-000000000000}"/>
+            </ac:spMkLst>
+          </pc:spChg>
+          <pc:spChg chg="mod">
+            <ac:chgData name="Shalini Kupparaju" userId="f2abd47b8b13236a" providerId="LiveId" clId="{62DC6F10-91A0-4946-82C7-534205155A14}" dt="2025-07-15T11:06:27.135" v="113"/>
+            <ac:spMkLst>
+              <pc:docMk/>
+              <pc:sldMasterMk cId="1915920998" sldId="2147483935"/>
+              <pc:sldLayoutMk cId="1915195965" sldId="2147483944"/>
+              <ac:spMk id="14" creationId="{00000000-0000-0000-0000-000000000000}"/>
+            </ac:spMkLst>
+          </pc:spChg>
+          <pc:spChg chg="mod">
+            <ac:chgData name="Shalini Kupparaju" userId="f2abd47b8b13236a" providerId="LiveId" clId="{62DC6F10-91A0-4946-82C7-534205155A14}" dt="2025-07-15T11:06:27.135" v="113"/>
+            <ac:spMkLst>
+              <pc:docMk/>
+              <pc:sldMasterMk cId="1915920998" sldId="2147483935"/>
+              <pc:sldLayoutMk cId="1915195965" sldId="2147483944"/>
+              <ac:spMk id="15" creationId="{00000000-0000-0000-0000-000000000000}"/>
+            </ac:spMkLst>
+          </pc:spChg>
+          <pc:grpChg chg="mod">
+            <ac:chgData name="Shalini Kupparaju" userId="f2abd47b8b13236a" providerId="LiveId" clId="{62DC6F10-91A0-4946-82C7-534205155A14}" dt="2025-07-15T11:06:27.135" v="113"/>
+            <ac:grpSpMkLst>
+              <pc:docMk/>
+              <pc:sldMasterMk cId="1915920998" sldId="2147483935"/>
+              <pc:sldLayoutMk cId="1915195965" sldId="2147483944"/>
+              <ac:grpSpMk id="13" creationId="{00000000-0000-0000-0000-000000000000}"/>
+            </ac:grpSpMkLst>
+          </pc:grpChg>
+          <pc:cxnChg chg="mod">
+            <ac:chgData name="Shalini Kupparaju" userId="f2abd47b8b13236a" providerId="LiveId" clId="{62DC6F10-91A0-4946-82C7-534205155A14}" dt="2025-07-15T11:06:27.135" v="113"/>
+            <ac:cxnSpMkLst>
+              <pc:docMk/>
+              <pc:sldMasterMk cId="1915920998" sldId="2147483935"/>
+              <pc:sldLayoutMk cId="1915195965" sldId="2147483944"/>
+              <ac:cxnSpMk id="31" creationId="{00000000-0000-0000-0000-000000000000}"/>
+            </ac:cxnSpMkLst>
+          </pc:cxnChg>
+        </pc:sldLayoutChg>
+        <pc:sldLayoutChg chg="modSp">
+          <pc:chgData name="Shalini Kupparaju" userId="f2abd47b8b13236a" providerId="LiveId" clId="{62DC6F10-91A0-4946-82C7-534205155A14}" dt="2025-07-15T11:06:27.135" v="113"/>
+          <pc:sldLayoutMkLst>
+            <pc:docMk/>
+            <pc:sldMasterMk cId="1915920998" sldId="2147483935"/>
+            <pc:sldLayoutMk cId="3943615670" sldId="2147483945"/>
+          </pc:sldLayoutMkLst>
+          <pc:cxnChg chg="mod">
+            <ac:chgData name="Shalini Kupparaju" userId="f2abd47b8b13236a" providerId="LiveId" clId="{62DC6F10-91A0-4946-82C7-534205155A14}" dt="2025-07-15T11:06:27.135" v="113"/>
+            <ac:cxnSpMkLst>
+              <pc:docMk/>
+              <pc:sldMasterMk cId="1915920998" sldId="2147483935"/>
+              <pc:sldLayoutMk cId="3943615670" sldId="2147483945"/>
+              <ac:cxnSpMk id="33" creationId="{00000000-0000-0000-0000-000000000000}"/>
+            </ac:cxnSpMkLst>
+          </pc:cxnChg>
+        </pc:sldLayoutChg>
+        <pc:sldLayoutChg chg="modSp">
+          <pc:chgData name="Shalini Kupparaju" userId="f2abd47b8b13236a" providerId="LiveId" clId="{62DC6F10-91A0-4946-82C7-534205155A14}" dt="2025-07-15T11:06:27.135" v="113"/>
+          <pc:sldLayoutMkLst>
+            <pc:docMk/>
+            <pc:sldMasterMk cId="1915920998" sldId="2147483935"/>
+            <pc:sldLayoutMk cId="2540433555" sldId="2147483946"/>
+          </pc:sldLayoutMkLst>
+          <pc:spChg chg="mod">
+            <ac:chgData name="Shalini Kupparaju" userId="f2abd47b8b13236a" providerId="LiveId" clId="{62DC6F10-91A0-4946-82C7-534205155A14}" dt="2025-07-15T11:06:27.135" v="113"/>
+            <ac:spMkLst>
+              <pc:docMk/>
+              <pc:sldMasterMk cId="1915920998" sldId="2147483935"/>
+              <pc:sldLayoutMk cId="2540433555" sldId="2147483946"/>
+              <ac:spMk id="2" creationId="{00000000-0000-0000-0000-000000000000}"/>
+            </ac:spMkLst>
+          </pc:spChg>
+          <pc:spChg chg="mod">
+            <ac:chgData name="Shalini Kupparaju" userId="f2abd47b8b13236a" providerId="LiveId" clId="{62DC6F10-91A0-4946-82C7-534205155A14}" dt="2025-07-15T11:06:27.135" v="113"/>
+            <ac:spMkLst>
+              <pc:docMk/>
+              <pc:sldMasterMk cId="1915920998" sldId="2147483935"/>
+              <pc:sldLayoutMk cId="2540433555" sldId="2147483946"/>
+              <ac:spMk id="3" creationId="{00000000-0000-0000-0000-000000000000}"/>
+            </ac:spMkLst>
+          </pc:spChg>
+          <pc:cxnChg chg="mod">
+            <ac:chgData name="Shalini Kupparaju" userId="f2abd47b8b13236a" providerId="LiveId" clId="{62DC6F10-91A0-4946-82C7-534205155A14}" dt="2025-07-15T11:06:27.135" v="113"/>
+            <ac:cxnSpMkLst>
+              <pc:docMk/>
+              <pc:sldMasterMk cId="1915920998" sldId="2147483935"/>
+              <pc:sldLayoutMk cId="2540433555" sldId="2147483946"/>
+              <ac:cxnSpMk id="15" creationId="{00000000-0000-0000-0000-000000000000}"/>
+            </ac:cxnSpMkLst>
+          </pc:cxnChg>
+        </pc:sldLayoutChg>
+      </pc:sldMasterChg>
+      <pc:sldMasterChg chg="modSp modSldLayout">
+        <pc:chgData name="Shalini Kupparaju" userId="f2abd47b8b13236a" providerId="LiveId" clId="{62DC6F10-91A0-4946-82C7-534205155A14}" dt="2025-07-15T11:06:25.883" v="112"/>
+        <pc:sldMasterMkLst>
+          <pc:docMk/>
+          <pc:sldMasterMk cId="3420800491" sldId="2147483947"/>
+        </pc:sldMasterMkLst>
+        <pc:spChg chg="mod">
+          <ac:chgData name="Shalini Kupparaju" userId="f2abd47b8b13236a" providerId="LiveId" clId="{62DC6F10-91A0-4946-82C7-534205155A14}" dt="2025-07-15T11:06:25.883" v="112"/>
+          <ac:spMkLst>
+            <pc:docMk/>
+            <pc:sldMasterMk cId="3420800491" sldId="2147483947"/>
+            <ac:spMk id="2" creationId="{00000000-0000-0000-0000-000000000000}"/>
+          </ac:spMkLst>
+        </pc:spChg>
+        <pc:spChg chg="mod">
+          <ac:chgData name="Shalini Kupparaju" userId="f2abd47b8b13236a" providerId="LiveId" clId="{62DC6F10-91A0-4946-82C7-534205155A14}" dt="2025-07-15T11:06:25.883" v="112"/>
+          <ac:spMkLst>
+            <pc:docMk/>
+            <pc:sldMasterMk cId="3420800491" sldId="2147483947"/>
+            <ac:spMk id="3" creationId="{00000000-0000-0000-0000-000000000000}"/>
+          </ac:spMkLst>
+        </pc:spChg>
+        <pc:spChg chg="mod">
+          <ac:chgData name="Shalini Kupparaju" userId="f2abd47b8b13236a" providerId="LiveId" clId="{62DC6F10-91A0-4946-82C7-534205155A14}" dt="2025-07-15T11:06:25.883" v="112"/>
+          <ac:spMkLst>
+            <pc:docMk/>
+            <pc:sldMasterMk cId="3420800491" sldId="2147483947"/>
+            <ac:spMk id="4" creationId="{00000000-0000-0000-0000-000000000000}"/>
+          </ac:spMkLst>
+        </pc:spChg>
+        <pc:spChg chg="mod">
+          <ac:chgData name="Shalini Kupparaju" userId="f2abd47b8b13236a" providerId="LiveId" clId="{62DC6F10-91A0-4946-82C7-534205155A14}" dt="2025-07-15T11:06:25.883" v="112"/>
+          <ac:spMkLst>
+            <pc:docMk/>
+            <pc:sldMasterMk cId="3420800491" sldId="2147483947"/>
+            <ac:spMk id="5" creationId="{00000000-0000-0000-0000-000000000000}"/>
+          </ac:spMkLst>
+        </pc:spChg>
+        <pc:spChg chg="mod">
+          <ac:chgData name="Shalini Kupparaju" userId="f2abd47b8b13236a" providerId="LiveId" clId="{62DC6F10-91A0-4946-82C7-534205155A14}" dt="2025-07-15T11:06:25.883" v="112"/>
+          <ac:spMkLst>
+            <pc:docMk/>
+            <pc:sldMasterMk cId="3420800491" sldId="2147483947"/>
+            <ac:spMk id="6" creationId="{00000000-0000-0000-0000-000000000000}"/>
+          </ac:spMkLst>
+        </pc:spChg>
+        <pc:spChg chg="mod">
+          <ac:chgData name="Shalini Kupparaju" userId="f2abd47b8b13236a" providerId="LiveId" clId="{62DC6F10-91A0-4946-82C7-534205155A14}" dt="2025-07-15T11:06:25.883" v="112"/>
+          <ac:spMkLst>
+            <pc:docMk/>
+            <pc:sldMasterMk cId="3420800491" sldId="2147483947"/>
+            <ac:spMk id="8" creationId="{00000000-0000-0000-0000-000000000000}"/>
+          </ac:spMkLst>
+        </pc:spChg>
+        <pc:picChg chg="mod">
+          <ac:chgData name="Shalini Kupparaju" userId="f2abd47b8b13236a" providerId="LiveId" clId="{62DC6F10-91A0-4946-82C7-534205155A14}" dt="2025-07-15T11:06:25.883" v="112"/>
+          <ac:picMkLst>
+            <pc:docMk/>
+            <pc:sldMasterMk cId="3420800491" sldId="2147483947"/>
+            <ac:picMk id="7" creationId="{00000000-0000-0000-0000-000000000000}"/>
+          </ac:picMkLst>
+        </pc:picChg>
+        <pc:cxnChg chg="mod">
+          <ac:chgData name="Shalini Kupparaju" userId="f2abd47b8b13236a" providerId="LiveId" clId="{62DC6F10-91A0-4946-82C7-534205155A14}" dt="2025-07-15T11:06:25.883" v="112"/>
+          <ac:cxnSpMkLst>
+            <pc:docMk/>
+            <pc:sldMasterMk cId="3420800491" sldId="2147483947"/>
+            <ac:cxnSpMk id="10" creationId="{00000000-0000-0000-0000-000000000000}"/>
+          </ac:cxnSpMkLst>
+        </pc:cxnChg>
+        <pc:sldLayoutChg chg="modSp">
+          <pc:chgData name="Shalini Kupparaju" userId="f2abd47b8b13236a" providerId="LiveId" clId="{62DC6F10-91A0-4946-82C7-534205155A14}" dt="2025-07-15T11:06:25.883" v="112"/>
+          <pc:sldLayoutMkLst>
+            <pc:docMk/>
+            <pc:sldMasterMk cId="3420800491" sldId="2147483947"/>
+            <pc:sldLayoutMk cId="2662234339" sldId="2147483948"/>
+          </pc:sldLayoutMkLst>
+          <pc:spChg chg="mod">
+            <ac:chgData name="Shalini Kupparaju" userId="f2abd47b8b13236a" providerId="LiveId" clId="{62DC6F10-91A0-4946-82C7-534205155A14}" dt="2025-07-15T11:06:25.883" v="112"/>
+            <ac:spMkLst>
+              <pc:docMk/>
+              <pc:sldMasterMk cId="3420800491" sldId="2147483947"/>
+              <pc:sldLayoutMk cId="2662234339" sldId="2147483948"/>
+              <ac:spMk id="2" creationId="{00000000-0000-0000-0000-000000000000}"/>
+            </ac:spMkLst>
+          </pc:spChg>
+          <pc:spChg chg="mod">
+            <ac:chgData name="Shalini Kupparaju" userId="f2abd47b8b13236a" providerId="LiveId" clId="{62DC6F10-91A0-4946-82C7-534205155A14}" dt="2025-07-15T11:06:25.883" v="112"/>
+            <ac:spMkLst>
+              <pc:docMk/>
+              <pc:sldMasterMk cId="3420800491" sldId="2147483947"/>
+              <pc:sldLayoutMk cId="2662234339" sldId="2147483948"/>
+              <ac:spMk id="3" creationId="{00000000-0000-0000-0000-000000000000}"/>
+            </ac:spMkLst>
+          </pc:spChg>
+          <pc:spChg chg="mod">
+            <ac:chgData name="Shalini Kupparaju" userId="f2abd47b8b13236a" providerId="LiveId" clId="{62DC6F10-91A0-4946-82C7-534205155A14}" dt="2025-07-15T11:06:25.883" v="112"/>
+            <ac:spMkLst>
+              <pc:docMk/>
+              <pc:sldMasterMk cId="3420800491" sldId="2147483947"/>
+              <pc:sldLayoutMk cId="2662234339" sldId="2147483948"/>
+              <ac:spMk id="5" creationId="{00000000-0000-0000-0000-000000000000}"/>
+            </ac:spMkLst>
+          </pc:spChg>
+          <pc:spChg chg="mod">
+            <ac:chgData name="Shalini Kupparaju" userId="f2abd47b8b13236a" providerId="LiveId" clId="{62DC6F10-91A0-4946-82C7-534205155A14}" dt="2025-07-15T11:06:25.883" v="112"/>
+            <ac:spMkLst>
+              <pc:docMk/>
+              <pc:sldMasterMk cId="3420800491" sldId="2147483947"/>
+              <pc:sldLayoutMk cId="2662234339" sldId="2147483948"/>
+              <ac:spMk id="6" creationId="{00000000-0000-0000-0000-000000000000}"/>
+            </ac:spMkLst>
+          </pc:spChg>
+          <pc:cxnChg chg="mod">
+            <ac:chgData name="Shalini Kupparaju" userId="f2abd47b8b13236a" providerId="LiveId" clId="{62DC6F10-91A0-4946-82C7-534205155A14}" dt="2025-07-15T11:06:25.883" v="112"/>
+            <ac:cxnSpMkLst>
+              <pc:docMk/>
+              <pc:sldMasterMk cId="3420800491" sldId="2147483947"/>
+              <pc:sldLayoutMk cId="2662234339" sldId="2147483948"/>
+              <ac:cxnSpMk id="15" creationId="{00000000-0000-0000-0000-000000000000}"/>
+            </ac:cxnSpMkLst>
+          </pc:cxnChg>
+        </pc:sldLayoutChg>
+        <pc:sldLayoutChg chg="modSp">
+          <pc:chgData name="Shalini Kupparaju" userId="f2abd47b8b13236a" providerId="LiveId" clId="{62DC6F10-91A0-4946-82C7-534205155A14}" dt="2025-07-15T11:06:25.883" v="112"/>
+          <pc:sldLayoutMkLst>
+            <pc:docMk/>
+            <pc:sldMasterMk cId="3420800491" sldId="2147483947"/>
+            <pc:sldLayoutMk cId="714235599" sldId="2147483949"/>
+          </pc:sldLayoutMkLst>
+          <pc:cxnChg chg="mod">
+            <ac:chgData name="Shalini Kupparaju" userId="f2abd47b8b13236a" providerId="LiveId" clId="{62DC6F10-91A0-4946-82C7-534205155A14}" dt="2025-07-15T11:06:25.883" v="112"/>
+            <ac:cxnSpMkLst>
+              <pc:docMk/>
+              <pc:sldMasterMk cId="3420800491" sldId="2147483947"/>
+              <pc:sldLayoutMk cId="714235599" sldId="2147483949"/>
+              <ac:cxnSpMk id="33" creationId="{00000000-0000-0000-0000-000000000000}"/>
+            </ac:cxnSpMkLst>
+          </pc:cxnChg>
+        </pc:sldLayoutChg>
+        <pc:sldLayoutChg chg="modSp">
+          <pc:chgData name="Shalini Kupparaju" userId="f2abd47b8b13236a" providerId="LiveId" clId="{62DC6F10-91A0-4946-82C7-534205155A14}" dt="2025-07-15T11:06:25.883" v="112"/>
+          <pc:sldLayoutMkLst>
+            <pc:docMk/>
+            <pc:sldMasterMk cId="3420800491" sldId="2147483947"/>
+            <pc:sldLayoutMk cId="2903890398" sldId="2147483950"/>
+          </pc:sldLayoutMkLst>
+          <pc:spChg chg="mod">
+            <ac:chgData name="Shalini Kupparaju" userId="f2abd47b8b13236a" providerId="LiveId" clId="{62DC6F10-91A0-4946-82C7-534205155A14}" dt="2025-07-15T11:06:25.883" v="112"/>
+            <ac:spMkLst>
+              <pc:docMk/>
+              <pc:sldMasterMk cId="3420800491" sldId="2147483947"/>
+              <pc:sldLayoutMk cId="2903890398" sldId="2147483950"/>
+              <ac:spMk id="2" creationId="{00000000-0000-0000-0000-000000000000}"/>
+            </ac:spMkLst>
+          </pc:spChg>
+          <pc:spChg chg="mod">
+            <ac:chgData name="Shalini Kupparaju" userId="f2abd47b8b13236a" providerId="LiveId" clId="{62DC6F10-91A0-4946-82C7-534205155A14}" dt="2025-07-15T11:06:25.883" v="112"/>
+            <ac:spMkLst>
+              <pc:docMk/>
+              <pc:sldMasterMk cId="3420800491" sldId="2147483947"/>
+              <pc:sldLayoutMk cId="2903890398" sldId="2147483950"/>
+              <ac:spMk id="3" creationId="{00000000-0000-0000-0000-000000000000}"/>
+            </ac:spMkLst>
+          </pc:spChg>
+          <pc:cxnChg chg="mod">
+            <ac:chgData name="Shalini Kupparaju" userId="f2abd47b8b13236a" providerId="LiveId" clId="{62DC6F10-91A0-4946-82C7-534205155A14}" dt="2025-07-15T11:06:25.883" v="112"/>
+            <ac:cxnSpMkLst>
+              <pc:docMk/>
+              <pc:sldMasterMk cId="3420800491" sldId="2147483947"/>
+              <pc:sldLayoutMk cId="2903890398" sldId="2147483950"/>
+              <ac:cxnSpMk id="15" creationId="{00000000-0000-0000-0000-000000000000}"/>
+            </ac:cxnSpMkLst>
+          </pc:cxnChg>
+        </pc:sldLayoutChg>
+        <pc:sldLayoutChg chg="modSp">
+          <pc:chgData name="Shalini Kupparaju" userId="f2abd47b8b13236a" providerId="LiveId" clId="{62DC6F10-91A0-4946-82C7-534205155A14}" dt="2025-07-15T11:06:25.883" v="112"/>
+          <pc:sldLayoutMkLst>
+            <pc:docMk/>
+            <pc:sldMasterMk cId="3420800491" sldId="2147483947"/>
+            <pc:sldLayoutMk cId="3384642742" sldId="2147483951"/>
+          </pc:sldLayoutMkLst>
+          <pc:spChg chg="mod">
+            <ac:chgData name="Shalini Kupparaju" userId="f2abd47b8b13236a" providerId="LiveId" clId="{62DC6F10-91A0-4946-82C7-534205155A14}" dt="2025-07-15T11:06:25.883" v="112"/>
+            <ac:spMkLst>
+              <pc:docMk/>
+              <pc:sldMasterMk cId="3420800491" sldId="2147483947"/>
+              <pc:sldLayoutMk cId="3384642742" sldId="2147483951"/>
+              <ac:spMk id="2" creationId="{00000000-0000-0000-0000-000000000000}"/>
+            </ac:spMkLst>
+          </pc:spChg>
+          <pc:spChg chg="mod">
+            <ac:chgData name="Shalini Kupparaju" userId="f2abd47b8b13236a" providerId="LiveId" clId="{62DC6F10-91A0-4946-82C7-534205155A14}" dt="2025-07-15T11:06:25.883" v="112"/>
+            <ac:spMkLst>
+              <pc:docMk/>
+              <pc:sldMasterMk cId="3420800491" sldId="2147483947"/>
+              <pc:sldLayoutMk cId="3384642742" sldId="2147483951"/>
+              <ac:spMk id="3" creationId="{00000000-0000-0000-0000-000000000000}"/>
+            </ac:spMkLst>
+          </pc:spChg>
+          <pc:spChg chg="mod">
+            <ac:chgData name="Shalini Kupparaju" userId="f2abd47b8b13236a" providerId="LiveId" clId="{62DC6F10-91A0-4946-82C7-534205155A14}" dt="2025-07-15T11:06:25.883" v="112"/>
+            <ac:spMkLst>
+              <pc:docMk/>
+              <pc:sldMasterMk cId="3420800491" sldId="2147483947"/>
+              <pc:sldLayoutMk cId="3384642742" sldId="2147483951"/>
+              <ac:spMk id="4" creationId="{00000000-0000-0000-0000-000000000000}"/>
+            </ac:spMkLst>
+          </pc:spChg>
+          <pc:cxnChg chg="mod">
+            <ac:chgData name="Shalini Kupparaju" userId="f2abd47b8b13236a" providerId="LiveId" clId="{62DC6F10-91A0-4946-82C7-534205155A14}" dt="2025-07-15T11:06:25.883" v="112"/>
+            <ac:cxnSpMkLst>
+              <pc:docMk/>
+              <pc:sldMasterMk cId="3420800491" sldId="2147483947"/>
+              <pc:sldLayoutMk cId="3384642742" sldId="2147483951"/>
+              <ac:cxnSpMk id="35" creationId="{00000000-0000-0000-0000-000000000000}"/>
+            </ac:cxnSpMkLst>
+          </pc:cxnChg>
+        </pc:sldLayoutChg>
+        <pc:sldLayoutChg chg="modSp">
+          <pc:chgData name="Shalini Kupparaju" userId="f2abd47b8b13236a" providerId="LiveId" clId="{62DC6F10-91A0-4946-82C7-534205155A14}" dt="2025-07-15T11:06:25.883" v="112"/>
+          <pc:sldLayoutMkLst>
+            <pc:docMk/>
+            <pc:sldMasterMk cId="3420800491" sldId="2147483947"/>
+            <pc:sldLayoutMk cId="3576161315" sldId="2147483952"/>
+          </pc:sldLayoutMkLst>
+          <pc:spChg chg="mod">
+            <ac:chgData name="Shalini Kupparaju" userId="f2abd47b8b13236a" providerId="LiveId" clId="{62DC6F10-91A0-4946-82C7-534205155A14}" dt="2025-07-15T11:06:25.883" v="112"/>
+            <ac:spMkLst>
+              <pc:docMk/>
+              <pc:sldMasterMk cId="3420800491" sldId="2147483947"/>
+              <pc:sldLayoutMk cId="3576161315" sldId="2147483952"/>
+              <ac:spMk id="2" creationId="{00000000-0000-0000-0000-000000000000}"/>
+            </ac:spMkLst>
+          </pc:spChg>
+          <pc:spChg chg="mod">
+            <ac:chgData name="Shalini Kupparaju" userId="f2abd47b8b13236a" providerId="LiveId" clId="{62DC6F10-91A0-4946-82C7-534205155A14}" dt="2025-07-15T11:06:25.883" v="112"/>
+            <ac:spMkLst>
+              <pc:docMk/>
+              <pc:sldMasterMk cId="3420800491" sldId="2147483947"/>
+              <pc:sldLayoutMk cId="3576161315" sldId="2147483952"/>
+              <ac:spMk id="3" creationId="{00000000-0000-0000-0000-000000000000}"/>
+            </ac:spMkLst>
+          </pc:spChg>
+          <pc:spChg chg="mod">
+            <ac:chgData name="Shalini Kupparaju" userId="f2abd47b8b13236a" providerId="LiveId" clId="{62DC6F10-91A0-4946-82C7-534205155A14}" dt="2025-07-15T11:06:25.883" v="112"/>
+            <ac:spMkLst>
+              <pc:docMk/>
+              <pc:sldMasterMk cId="3420800491" sldId="2147483947"/>
+              <pc:sldLayoutMk cId="3576161315" sldId="2147483952"/>
+              <ac:spMk id="4" creationId="{00000000-0000-0000-0000-000000000000}"/>
+            </ac:spMkLst>
+          </pc:spChg>
+          <pc:spChg chg="mod">
+            <ac:chgData name="Shalini Kupparaju" userId="f2abd47b8b13236a" providerId="LiveId" clId="{62DC6F10-91A0-4946-82C7-534205155A14}" dt="2025-07-15T11:06:25.883" v="112"/>
+            <ac:spMkLst>
+              <pc:docMk/>
+              <pc:sldMasterMk cId="3420800491" sldId="2147483947"/>
+              <pc:sldLayoutMk cId="3576161315" sldId="2147483952"/>
+              <ac:spMk id="5" creationId="{00000000-0000-0000-0000-000000000000}"/>
+            </ac:spMkLst>
+          </pc:spChg>
+          <pc:spChg chg="mod">
+            <ac:chgData name="Shalini Kupparaju" userId="f2abd47b8b13236a" providerId="LiveId" clId="{62DC6F10-91A0-4946-82C7-534205155A14}" dt="2025-07-15T11:06:25.883" v="112"/>
+            <ac:spMkLst>
+              <pc:docMk/>
+              <pc:sldMasterMk cId="3420800491" sldId="2147483947"/>
+              <pc:sldLayoutMk cId="3576161315" sldId="2147483952"/>
+              <ac:spMk id="6" creationId="{00000000-0000-0000-0000-000000000000}"/>
+            </ac:spMkLst>
+          </pc:spChg>
+          <pc:cxnChg chg="mod">
+            <ac:chgData name="Shalini Kupparaju" userId="f2abd47b8b13236a" providerId="LiveId" clId="{62DC6F10-91A0-4946-82C7-534205155A14}" dt="2025-07-15T11:06:25.883" v="112"/>
+            <ac:cxnSpMkLst>
+              <pc:docMk/>
+              <pc:sldMasterMk cId="3420800491" sldId="2147483947"/>
+              <pc:sldLayoutMk cId="3576161315" sldId="2147483952"/>
+              <ac:cxnSpMk id="29" creationId="{00000000-0000-0000-0000-000000000000}"/>
+            </ac:cxnSpMkLst>
+          </pc:cxnChg>
+        </pc:sldLayoutChg>
+        <pc:sldLayoutChg chg="modSp">
+          <pc:chgData name="Shalini Kupparaju" userId="f2abd47b8b13236a" providerId="LiveId" clId="{62DC6F10-91A0-4946-82C7-534205155A14}" dt="2025-07-15T11:06:25.883" v="112"/>
+          <pc:sldLayoutMkLst>
+            <pc:docMk/>
+            <pc:sldMasterMk cId="3420800491" sldId="2147483947"/>
+            <pc:sldLayoutMk cId="777198168" sldId="2147483953"/>
+          </pc:sldLayoutMkLst>
+          <pc:cxnChg chg="mod">
+            <ac:chgData name="Shalini Kupparaju" userId="f2abd47b8b13236a" providerId="LiveId" clId="{62DC6F10-91A0-4946-82C7-534205155A14}" dt="2025-07-15T11:06:25.883" v="112"/>
+            <ac:cxnSpMkLst>
+              <pc:docMk/>
+              <pc:sldMasterMk cId="3420800491" sldId="2147483947"/>
+              <pc:sldLayoutMk cId="777198168" sldId="2147483953"/>
+              <ac:cxnSpMk id="25" creationId="{00000000-0000-0000-0000-000000000000}"/>
+            </ac:cxnSpMkLst>
+          </pc:cxnChg>
+        </pc:sldLayoutChg>
+        <pc:sldLayoutChg chg="modSp">
+          <pc:chgData name="Shalini Kupparaju" userId="f2abd47b8b13236a" providerId="LiveId" clId="{62DC6F10-91A0-4946-82C7-534205155A14}" dt="2025-07-15T11:06:25.883" v="112"/>
+          <pc:sldLayoutMkLst>
+            <pc:docMk/>
+            <pc:sldMasterMk cId="3420800491" sldId="2147483947"/>
+            <pc:sldLayoutMk cId="511500554" sldId="2147483955"/>
+          </pc:sldLayoutMkLst>
+          <pc:spChg chg="mod">
+            <ac:chgData name="Shalini Kupparaju" userId="f2abd47b8b13236a" providerId="LiveId" clId="{62DC6F10-91A0-4946-82C7-534205155A14}" dt="2025-07-15T11:06:25.883" v="112"/>
+            <ac:spMkLst>
+              <pc:docMk/>
+              <pc:sldMasterMk cId="3420800491" sldId="2147483947"/>
+              <pc:sldLayoutMk cId="511500554" sldId="2147483955"/>
+              <ac:spMk id="2" creationId="{00000000-0000-0000-0000-000000000000}"/>
+            </ac:spMkLst>
+          </pc:spChg>
+          <pc:spChg chg="mod">
+            <ac:chgData name="Shalini Kupparaju" userId="f2abd47b8b13236a" providerId="LiveId" clId="{62DC6F10-91A0-4946-82C7-534205155A14}" dt="2025-07-15T11:06:25.883" v="112"/>
+            <ac:spMkLst>
+              <pc:docMk/>
+              <pc:sldMasterMk cId="3420800491" sldId="2147483947"/>
+              <pc:sldLayoutMk cId="511500554" sldId="2147483955"/>
+              <ac:spMk id="3" creationId="{00000000-0000-0000-0000-000000000000}"/>
+            </ac:spMkLst>
+          </pc:spChg>
+          <pc:spChg chg="mod">
+            <ac:chgData name="Shalini Kupparaju" userId="f2abd47b8b13236a" providerId="LiveId" clId="{62DC6F10-91A0-4946-82C7-534205155A14}" dt="2025-07-15T11:06:25.883" v="112"/>
+            <ac:spMkLst>
+              <pc:docMk/>
+              <pc:sldMasterMk cId="3420800491" sldId="2147483947"/>
+              <pc:sldLayoutMk cId="511500554" sldId="2147483955"/>
+              <ac:spMk id="4" creationId="{00000000-0000-0000-0000-000000000000}"/>
+            </ac:spMkLst>
+          </pc:spChg>
+          <pc:cxnChg chg="mod">
+            <ac:chgData name="Shalini Kupparaju" userId="f2abd47b8b13236a" providerId="LiveId" clId="{62DC6F10-91A0-4946-82C7-534205155A14}" dt="2025-07-15T11:06:25.883" v="112"/>
+            <ac:cxnSpMkLst>
+              <pc:docMk/>
+              <pc:sldMasterMk cId="3420800491" sldId="2147483947"/>
+              <pc:sldLayoutMk cId="511500554" sldId="2147483955"/>
+              <ac:cxnSpMk id="17" creationId="{00000000-0000-0000-0000-000000000000}"/>
+            </ac:cxnSpMkLst>
+          </pc:cxnChg>
+        </pc:sldLayoutChg>
+        <pc:sldLayoutChg chg="modSp">
+          <pc:chgData name="Shalini Kupparaju" userId="f2abd47b8b13236a" providerId="LiveId" clId="{62DC6F10-91A0-4946-82C7-534205155A14}" dt="2025-07-15T11:06:25.883" v="112"/>
+          <pc:sldLayoutMkLst>
+            <pc:docMk/>
+            <pc:sldMasterMk cId="3420800491" sldId="2147483947"/>
+            <pc:sldLayoutMk cId="1752885170" sldId="2147483956"/>
+          </pc:sldLayoutMkLst>
+          <pc:spChg chg="mod">
+            <ac:chgData name="Shalini Kupparaju" userId="f2abd47b8b13236a" providerId="LiveId" clId="{62DC6F10-91A0-4946-82C7-534205155A14}" dt="2025-07-15T11:06:25.883" v="112"/>
+            <ac:spMkLst>
+              <pc:docMk/>
+              <pc:sldMasterMk cId="3420800491" sldId="2147483947"/>
+              <pc:sldLayoutMk cId="1752885170" sldId="2147483956"/>
+              <ac:spMk id="2" creationId="{00000000-0000-0000-0000-000000000000}"/>
+            </ac:spMkLst>
+          </pc:spChg>
+          <pc:spChg chg="mod">
+            <ac:chgData name="Shalini Kupparaju" userId="f2abd47b8b13236a" providerId="LiveId" clId="{62DC6F10-91A0-4946-82C7-534205155A14}" dt="2025-07-15T11:06:25.883" v="112"/>
+            <ac:spMkLst>
+              <pc:docMk/>
+              <pc:sldMasterMk cId="3420800491" sldId="2147483947"/>
+              <pc:sldLayoutMk cId="1752885170" sldId="2147483956"/>
+              <ac:spMk id="3" creationId="{00000000-0000-0000-0000-000000000000}"/>
+            </ac:spMkLst>
+          </pc:spChg>
+          <pc:spChg chg="mod">
+            <ac:chgData name="Shalini Kupparaju" userId="f2abd47b8b13236a" providerId="LiveId" clId="{62DC6F10-91A0-4946-82C7-534205155A14}" dt="2025-07-15T11:06:25.883" v="112"/>
+            <ac:spMkLst>
+              <pc:docMk/>
+              <pc:sldMasterMk cId="3420800491" sldId="2147483947"/>
+              <pc:sldLayoutMk cId="1752885170" sldId="2147483956"/>
+              <ac:spMk id="4" creationId="{00000000-0000-0000-0000-000000000000}"/>
+            </ac:spMkLst>
+          </pc:spChg>
+          <pc:spChg chg="mod">
+            <ac:chgData name="Shalini Kupparaju" userId="f2abd47b8b13236a" providerId="LiveId" clId="{62DC6F10-91A0-4946-82C7-534205155A14}" dt="2025-07-15T11:06:25.883" v="112"/>
+            <ac:spMkLst>
+              <pc:docMk/>
+              <pc:sldMasterMk cId="3420800491" sldId="2147483947"/>
+              <pc:sldLayoutMk cId="1752885170" sldId="2147483956"/>
+              <ac:spMk id="5" creationId="{00000000-0000-0000-0000-000000000000}"/>
+            </ac:spMkLst>
+          </pc:spChg>
+          <pc:spChg chg="mod">
+            <ac:chgData name="Shalini Kupparaju" userId="f2abd47b8b13236a" providerId="LiveId" clId="{62DC6F10-91A0-4946-82C7-534205155A14}" dt="2025-07-15T11:06:25.883" v="112"/>
+            <ac:spMkLst>
+              <pc:docMk/>
+              <pc:sldMasterMk cId="3420800491" sldId="2147483947"/>
+              <pc:sldLayoutMk cId="1752885170" sldId="2147483956"/>
+              <ac:spMk id="6" creationId="{00000000-0000-0000-0000-000000000000}"/>
+            </ac:spMkLst>
+          </pc:spChg>
+          <pc:spChg chg="mod">
+            <ac:chgData name="Shalini Kupparaju" userId="f2abd47b8b13236a" providerId="LiveId" clId="{62DC6F10-91A0-4946-82C7-534205155A14}" dt="2025-07-15T11:06:25.883" v="112"/>
+            <ac:spMkLst>
+              <pc:docMk/>
+              <pc:sldMasterMk cId="3420800491" sldId="2147483947"/>
+              <pc:sldLayoutMk cId="1752885170" sldId="2147483956"/>
+              <ac:spMk id="18" creationId="{00000000-0000-0000-0000-000000000000}"/>
+            </ac:spMkLst>
+          </pc:spChg>
+          <pc:spChg chg="mod">
+            <ac:chgData name="Shalini Kupparaju" userId="f2abd47b8b13236a" providerId="LiveId" clId="{62DC6F10-91A0-4946-82C7-534205155A14}" dt="2025-07-15T11:06:25.883" v="112"/>
+            <ac:spMkLst>
+              <pc:docMk/>
+              <pc:sldMasterMk cId="3420800491" sldId="2147483947"/>
+              <pc:sldLayoutMk cId="1752885170" sldId="2147483956"/>
+              <ac:spMk id="19" creationId="{00000000-0000-0000-0000-000000000000}"/>
+            </ac:spMkLst>
+          </pc:spChg>
+          <pc:grpChg chg="mod">
+            <ac:chgData name="Shalini Kupparaju" userId="f2abd47b8b13236a" providerId="LiveId" clId="{62DC6F10-91A0-4946-82C7-534205155A14}" dt="2025-07-15T11:06:25.883" v="112"/>
+            <ac:grpSpMkLst>
+              <pc:docMk/>
+              <pc:sldMasterMk cId="3420800491" sldId="2147483947"/>
+              <pc:sldLayoutMk cId="1752885170" sldId="2147483956"/>
+              <ac:grpSpMk id="8" creationId="{00000000-0000-0000-0000-000000000000}"/>
+            </ac:grpSpMkLst>
+          </pc:grpChg>
+          <pc:cxnChg chg="mod">
+            <ac:chgData name="Shalini Kupparaju" userId="f2abd47b8b13236a" providerId="LiveId" clId="{62DC6F10-91A0-4946-82C7-534205155A14}" dt="2025-07-15T11:06:25.883" v="112"/>
+            <ac:cxnSpMkLst>
+              <pc:docMk/>
+              <pc:sldMasterMk cId="3420800491" sldId="2147483947"/>
+              <pc:sldLayoutMk cId="1752885170" sldId="2147483956"/>
+              <ac:cxnSpMk id="31" creationId="{00000000-0000-0000-0000-000000000000}"/>
+            </ac:cxnSpMkLst>
+          </pc:cxnChg>
+        </pc:sldLayoutChg>
+        <pc:sldLayoutChg chg="modSp">
+          <pc:chgData name="Shalini Kupparaju" userId="f2abd47b8b13236a" providerId="LiveId" clId="{62DC6F10-91A0-4946-82C7-534205155A14}" dt="2025-07-15T11:06:25.883" v="112"/>
+          <pc:sldLayoutMkLst>
+            <pc:docMk/>
+            <pc:sldMasterMk cId="3420800491" sldId="2147483947"/>
+            <pc:sldLayoutMk cId="1096385884" sldId="2147483957"/>
+          </pc:sldLayoutMkLst>
+          <pc:cxnChg chg="mod">
+            <ac:chgData name="Shalini Kupparaju" userId="f2abd47b8b13236a" providerId="LiveId" clId="{62DC6F10-91A0-4946-82C7-534205155A14}" dt="2025-07-15T11:06:25.883" v="112"/>
+            <ac:cxnSpMkLst>
+              <pc:docMk/>
+              <pc:sldMasterMk cId="3420800491" sldId="2147483947"/>
+              <pc:sldLayoutMk cId="1096385884" sldId="2147483957"/>
+              <ac:cxnSpMk id="26" creationId="{00000000-0000-0000-0000-000000000000}"/>
+            </ac:cxnSpMkLst>
+          </pc:cxnChg>
+        </pc:sldLayoutChg>
+        <pc:sldLayoutChg chg="modSp">
+          <pc:chgData name="Shalini Kupparaju" userId="f2abd47b8b13236a" providerId="LiveId" clId="{62DC6F10-91A0-4946-82C7-534205155A14}" dt="2025-07-15T11:06:25.883" v="112"/>
+          <pc:sldLayoutMkLst>
+            <pc:docMk/>
+            <pc:sldMasterMk cId="3420800491" sldId="2147483947"/>
+            <pc:sldLayoutMk cId="3693382440" sldId="2147483958"/>
+          </pc:sldLayoutMkLst>
+          <pc:spChg chg="mod">
+            <ac:chgData name="Shalini Kupparaju" userId="f2abd47b8b13236a" providerId="LiveId" clId="{62DC6F10-91A0-4946-82C7-534205155A14}" dt="2025-07-15T11:06:25.883" v="112"/>
+            <ac:spMkLst>
+              <pc:docMk/>
+              <pc:sldMasterMk cId="3420800491" sldId="2147483947"/>
+              <pc:sldLayoutMk cId="3693382440" sldId="2147483958"/>
+              <ac:spMk id="2" creationId="{00000000-0000-0000-0000-000000000000}"/>
+            </ac:spMkLst>
+          </pc:spChg>
+          <pc:spChg chg="mod">
+            <ac:chgData name="Shalini Kupparaju" userId="f2abd47b8b13236a" providerId="LiveId" clId="{62DC6F10-91A0-4946-82C7-534205155A14}" dt="2025-07-15T11:06:25.883" v="112"/>
+            <ac:spMkLst>
+              <pc:docMk/>
+              <pc:sldMasterMk cId="3420800491" sldId="2147483947"/>
+              <pc:sldLayoutMk cId="3693382440" sldId="2147483958"/>
+              <ac:spMk id="3" creationId="{00000000-0000-0000-0000-000000000000}"/>
+            </ac:spMkLst>
+          </pc:spChg>
+          <pc:cxnChg chg="mod">
+            <ac:chgData name="Shalini Kupparaju" userId="f2abd47b8b13236a" providerId="LiveId" clId="{62DC6F10-91A0-4946-82C7-534205155A14}" dt="2025-07-15T11:06:25.883" v="112"/>
+            <ac:cxnSpMkLst>
+              <pc:docMk/>
+              <pc:sldMasterMk cId="3420800491" sldId="2147483947"/>
+              <pc:sldLayoutMk cId="3693382440" sldId="2147483958"/>
+              <ac:cxnSpMk id="15" creationId="{00000000-0000-0000-0000-000000000000}"/>
+            </ac:cxnSpMkLst>
+          </pc:cxnChg>
+        </pc:sldLayoutChg>
+      </pc:sldMasterChg>
+      <pc:sldMasterChg chg="modSp modSldLayout">
+        <pc:chgData name="Shalini Kupparaju" userId="f2abd47b8b13236a" providerId="LiveId" clId="{62DC6F10-91A0-4946-82C7-534205155A14}" dt="2025-07-15T11:06:25.358" v="110"/>
+        <pc:sldMasterMkLst>
+          <pc:docMk/>
+          <pc:sldMasterMk cId="1360977858" sldId="2147483959"/>
+        </pc:sldMasterMkLst>
+        <pc:spChg chg="mod">
+          <ac:chgData name="Shalini Kupparaju" userId="f2abd47b8b13236a" providerId="LiveId" clId="{62DC6F10-91A0-4946-82C7-534205155A14}" dt="2025-07-15T11:06:25.358" v="110"/>
+          <ac:spMkLst>
+            <pc:docMk/>
+            <pc:sldMasterMk cId="1360977858" sldId="2147483959"/>
+            <ac:spMk id="2" creationId="{00000000-0000-0000-0000-000000000000}"/>
+          </ac:spMkLst>
+        </pc:spChg>
+        <pc:spChg chg="mod">
+          <ac:chgData name="Shalini Kupparaju" userId="f2abd47b8b13236a" providerId="LiveId" clId="{62DC6F10-91A0-4946-82C7-534205155A14}" dt="2025-07-15T11:06:25.358" v="110"/>
+          <ac:spMkLst>
+            <pc:docMk/>
+            <pc:sldMasterMk cId="1360977858" sldId="2147483959"/>
+            <ac:spMk id="3" creationId="{00000000-0000-0000-0000-000000000000}"/>
+          </ac:spMkLst>
+        </pc:spChg>
+        <pc:spChg chg="mod">
+          <ac:chgData name="Shalini Kupparaju" userId="f2abd47b8b13236a" providerId="LiveId" clId="{62DC6F10-91A0-4946-82C7-534205155A14}" dt="2025-07-15T11:06:25.358" v="110"/>
+          <ac:spMkLst>
+            <pc:docMk/>
+            <pc:sldMasterMk cId="1360977858" sldId="2147483959"/>
+            <ac:spMk id="4" creationId="{00000000-0000-0000-0000-000000000000}"/>
+          </ac:spMkLst>
+        </pc:spChg>
+        <pc:spChg chg="mod">
+          <ac:chgData name="Shalini Kupparaju" userId="f2abd47b8b13236a" providerId="LiveId" clId="{62DC6F10-91A0-4946-82C7-534205155A14}" dt="2025-07-15T11:06:25.358" v="110"/>
+          <ac:spMkLst>
+            <pc:docMk/>
+            <pc:sldMasterMk cId="1360977858" sldId="2147483959"/>
+            <ac:spMk id="5" creationId="{00000000-0000-0000-0000-000000000000}"/>
+          </ac:spMkLst>
+        </pc:spChg>
+        <pc:spChg chg="mod">
+          <ac:chgData name="Shalini Kupparaju" userId="f2abd47b8b13236a" providerId="LiveId" clId="{62DC6F10-91A0-4946-82C7-534205155A14}" dt="2025-07-15T11:06:25.358" v="110"/>
+          <ac:spMkLst>
+            <pc:docMk/>
+            <pc:sldMasterMk cId="1360977858" sldId="2147483959"/>
+            <ac:spMk id="6" creationId="{00000000-0000-0000-0000-000000000000}"/>
+          </ac:spMkLst>
+        </pc:spChg>
+        <pc:spChg chg="mod">
+          <ac:chgData name="Shalini Kupparaju" userId="f2abd47b8b13236a" providerId="LiveId" clId="{62DC6F10-91A0-4946-82C7-534205155A14}" dt="2025-07-15T11:06:25.358" v="110"/>
+          <ac:spMkLst>
+            <pc:docMk/>
+            <pc:sldMasterMk cId="1360977858" sldId="2147483959"/>
+            <ac:spMk id="10" creationId="{00000000-0000-0000-0000-000000000000}"/>
+          </ac:spMkLst>
+        </pc:spChg>
+        <pc:picChg chg="mod">
+          <ac:chgData name="Shalini Kupparaju" userId="f2abd47b8b13236a" providerId="LiveId" clId="{62DC6F10-91A0-4946-82C7-534205155A14}" dt="2025-07-15T11:06:25.358" v="110"/>
+          <ac:picMkLst>
+            <pc:docMk/>
+            <pc:sldMasterMk cId="1360977858" sldId="2147483959"/>
+            <ac:picMk id="12" creationId="{00000000-0000-0000-0000-000000000000}"/>
+          </ac:picMkLst>
+        </pc:picChg>
+        <pc:cxnChg chg="mod">
+          <ac:chgData name="Shalini Kupparaju" userId="f2abd47b8b13236a" providerId="LiveId" clId="{62DC6F10-91A0-4946-82C7-534205155A14}" dt="2025-07-15T11:06:25.358" v="110"/>
+          <ac:cxnSpMkLst>
+            <pc:docMk/>
+            <pc:sldMasterMk cId="1360977858" sldId="2147483959"/>
+            <ac:cxnSpMk id="13" creationId="{00000000-0000-0000-0000-000000000000}"/>
+          </ac:cxnSpMkLst>
+        </pc:cxnChg>
+        <pc:sldLayoutChg chg="modSp">
+          <pc:chgData name="Shalini Kupparaju" userId="f2abd47b8b13236a" providerId="LiveId" clId="{62DC6F10-91A0-4946-82C7-534205155A14}" dt="2025-07-15T11:06:25.358" v="110"/>
+          <pc:sldLayoutMkLst>
+            <pc:docMk/>
+            <pc:sldMasterMk cId="1360977858" sldId="2147483959"/>
+            <pc:sldLayoutMk cId="916379698" sldId="2147483960"/>
+          </pc:sldLayoutMkLst>
+          <pc:spChg chg="mod">
+            <ac:chgData name="Shalini Kupparaju" userId="f2abd47b8b13236a" providerId="LiveId" clId="{62DC6F10-91A0-4946-82C7-534205155A14}" dt="2025-07-15T11:06:25.358" v="110"/>
+            <ac:spMkLst>
+              <pc:docMk/>
+              <pc:sldMasterMk cId="1360977858" sldId="2147483959"/>
+              <pc:sldLayoutMk cId="916379698" sldId="2147483960"/>
+              <ac:spMk id="2" creationId="{00000000-0000-0000-0000-000000000000}"/>
+            </ac:spMkLst>
+          </pc:spChg>
+          <pc:spChg chg="mod">
+            <ac:chgData name="Shalini Kupparaju" userId="f2abd47b8b13236a" providerId="LiveId" clId="{62DC6F10-91A0-4946-82C7-534205155A14}" dt="2025-07-15T11:06:25.358" v="110"/>
+            <ac:spMkLst>
+              <pc:docMk/>
+              <pc:sldMasterMk cId="1360977858" sldId="2147483959"/>
+              <pc:sldLayoutMk cId="916379698" sldId="2147483960"/>
+              <ac:spMk id="3" creationId="{00000000-0000-0000-0000-000000000000}"/>
+            </ac:spMkLst>
+          </pc:spChg>
+          <pc:spChg chg="mod">
+            <ac:chgData name="Shalini Kupparaju" userId="f2abd47b8b13236a" providerId="LiveId" clId="{62DC6F10-91A0-4946-82C7-534205155A14}" dt="2025-07-15T11:06:25.358" v="110"/>
+            <ac:spMkLst>
+              <pc:docMk/>
+              <pc:sldMasterMk cId="1360977858" sldId="2147483959"/>
+              <pc:sldLayoutMk cId="916379698" sldId="2147483960"/>
+              <ac:spMk id="5" creationId="{00000000-0000-0000-0000-000000000000}"/>
+            </ac:spMkLst>
+          </pc:spChg>
+          <pc:spChg chg="mod">
+            <ac:chgData name="Shalini Kupparaju" userId="f2abd47b8b13236a" providerId="LiveId" clId="{62DC6F10-91A0-4946-82C7-534205155A14}" dt="2025-07-15T11:06:25.358" v="110"/>
+            <ac:spMkLst>
+              <pc:docMk/>
+              <pc:sldMasterMk cId="1360977858" sldId="2147483959"/>
+              <pc:sldLayoutMk cId="916379698" sldId="2147483960"/>
+              <ac:spMk id="6" creationId="{00000000-0000-0000-0000-000000000000}"/>
+            </ac:spMkLst>
+          </pc:spChg>
+          <pc:cxnChg chg="mod">
+            <ac:chgData name="Shalini Kupparaju" userId="f2abd47b8b13236a" providerId="LiveId" clId="{62DC6F10-91A0-4946-82C7-534205155A14}" dt="2025-07-15T11:06:25.358" v="110"/>
+            <ac:cxnSpMkLst>
+              <pc:docMk/>
+              <pc:sldMasterMk cId="1360977858" sldId="2147483959"/>
+              <pc:sldLayoutMk cId="916379698" sldId="2147483960"/>
+              <ac:cxnSpMk id="15" creationId="{00000000-0000-0000-0000-000000000000}"/>
+            </ac:cxnSpMkLst>
+          </pc:cxnChg>
+        </pc:sldLayoutChg>
+        <pc:sldLayoutChg chg="modSp">
+          <pc:chgData name="Shalini Kupparaju" userId="f2abd47b8b13236a" providerId="LiveId" clId="{62DC6F10-91A0-4946-82C7-534205155A14}" dt="2025-07-15T11:06:25.358" v="110"/>
+          <pc:sldLayoutMkLst>
+            <pc:docMk/>
+            <pc:sldMasterMk cId="1360977858" sldId="2147483959"/>
+            <pc:sldLayoutMk cId="1508598154" sldId="2147483961"/>
+          </pc:sldLayoutMkLst>
+          <pc:cxnChg chg="mod">
+            <ac:chgData name="Shalini Kupparaju" userId="f2abd47b8b13236a" providerId="LiveId" clId="{62DC6F10-91A0-4946-82C7-534205155A14}" dt="2025-07-15T11:06:25.358" v="110"/>
+            <ac:cxnSpMkLst>
+              <pc:docMk/>
+              <pc:sldMasterMk cId="1360977858" sldId="2147483959"/>
+              <pc:sldLayoutMk cId="1508598154" sldId="2147483961"/>
+              <ac:cxnSpMk id="33" creationId="{00000000-0000-0000-0000-000000000000}"/>
+            </ac:cxnSpMkLst>
+          </pc:cxnChg>
+        </pc:sldLayoutChg>
+        <pc:sldLayoutChg chg="modSp">
+          <pc:chgData name="Shalini Kupparaju" userId="f2abd47b8b13236a" providerId="LiveId" clId="{62DC6F10-91A0-4946-82C7-534205155A14}" dt="2025-07-15T11:06:25.358" v="110"/>
+          <pc:sldLayoutMkLst>
+            <pc:docMk/>
+            <pc:sldMasterMk cId="1360977858" sldId="2147483959"/>
+            <pc:sldLayoutMk cId="4291413377" sldId="2147483962"/>
+          </pc:sldLayoutMkLst>
+          <pc:spChg chg="mod">
+            <ac:chgData name="Shalini Kupparaju" userId="f2abd47b8b13236a" providerId="LiveId" clId="{62DC6F10-91A0-4946-82C7-534205155A14}" dt="2025-07-15T11:06:25.358" v="110"/>
+            <ac:spMkLst>
+              <pc:docMk/>
+              <pc:sldMasterMk cId="1360977858" sldId="2147483959"/>
+              <pc:sldLayoutMk cId="4291413377" sldId="2147483962"/>
+              <ac:spMk id="2" creationId="{00000000-0000-0000-0000-000000000000}"/>
+            </ac:spMkLst>
+          </pc:spChg>
+          <pc:spChg chg="mod">
+            <ac:chgData name="Shalini Kupparaju" userId="f2abd47b8b13236a" providerId="LiveId" clId="{62DC6F10-91A0-4946-82C7-534205155A14}" dt="2025-07-15T11:06:25.358" v="110"/>
+            <ac:spMkLst>
+              <pc:docMk/>
+              <pc:sldMasterMk cId="1360977858" sldId="2147483959"/>
+              <pc:sldLayoutMk cId="4291413377" sldId="2147483962"/>
+              <ac:spMk id="3" creationId="{00000000-0000-0000-0000-000000000000}"/>
+            </ac:spMkLst>
+          </pc:spChg>
+          <pc:cxnChg chg="mod">
+            <ac:chgData name="Shalini Kupparaju" userId="f2abd47b8b13236a" providerId="LiveId" clId="{62DC6F10-91A0-4946-82C7-534205155A14}" dt="2025-07-15T11:06:25.358" v="110"/>
+            <ac:cxnSpMkLst>
+              <pc:docMk/>
+              <pc:sldMasterMk cId="1360977858" sldId="2147483959"/>
+              <pc:sldLayoutMk cId="4291413377" sldId="2147483962"/>
+              <ac:cxnSpMk id="15" creationId="{00000000-0000-0000-0000-000000000000}"/>
+            </ac:cxnSpMkLst>
+          </pc:cxnChg>
+        </pc:sldLayoutChg>
+        <pc:sldLayoutChg chg="modSp">
+          <pc:chgData name="Shalini Kupparaju" userId="f2abd47b8b13236a" providerId="LiveId" clId="{62DC6F10-91A0-4946-82C7-534205155A14}" dt="2025-07-15T11:06:25.358" v="110"/>
+          <pc:sldLayoutMkLst>
+            <pc:docMk/>
+            <pc:sldMasterMk cId="1360977858" sldId="2147483959"/>
+            <pc:sldLayoutMk cId="615774959" sldId="2147483963"/>
+          </pc:sldLayoutMkLst>
+          <pc:spChg chg="mod">
+            <ac:chgData name="Shalini Kupparaju" userId="f2abd47b8b13236a" providerId="LiveId" clId="{62DC6F10-91A0-4946-82C7-534205155A14}" dt="2025-07-15T11:06:25.358" v="110"/>
+            <ac:spMkLst>
+              <pc:docMk/>
+              <pc:sldMasterMk cId="1360977858" sldId="2147483959"/>
+              <pc:sldLayoutMk cId="615774959" sldId="2147483963"/>
+              <ac:spMk id="2" creationId="{00000000-0000-0000-0000-000000000000}"/>
+            </ac:spMkLst>
+          </pc:spChg>
+          <pc:spChg chg="mod">
+            <ac:chgData name="Shalini Kupparaju" userId="f2abd47b8b13236a" providerId="LiveId" clId="{62DC6F10-91A0-4946-82C7-534205155A14}" dt="2025-07-15T11:06:25.358" v="110"/>
+            <ac:spMkLst>
+              <pc:docMk/>
+              <pc:sldMasterMk cId="1360977858" sldId="2147483959"/>
+              <pc:sldLayoutMk cId="615774959" sldId="2147483963"/>
+              <ac:spMk id="3" creationId="{00000000-0000-0000-0000-000000000000}"/>
+            </ac:spMkLst>
+          </pc:spChg>
+          <pc:spChg chg="mod">
+            <ac:chgData name="Shalini Kupparaju" userId="f2abd47b8b13236a" providerId="LiveId" clId="{62DC6F10-91A0-4946-82C7-534205155A14}" dt="2025-07-15T11:06:25.358" v="110"/>
+            <ac:spMkLst>
+              <pc:docMk/>
+              <pc:sldMasterMk cId="1360977858" sldId="2147483959"/>
+              <pc:sldLayoutMk cId="615774959" sldId="2147483963"/>
+              <ac:spMk id="4" creationId="{00000000-0000-0000-0000-000000000000}"/>
+            </ac:spMkLst>
+          </pc:spChg>
+          <pc:cxnChg chg="mod">
+            <ac:chgData name="Shalini Kupparaju" userId="f2abd47b8b13236a" providerId="LiveId" clId="{62DC6F10-91A0-4946-82C7-534205155A14}" dt="2025-07-15T11:06:25.358" v="110"/>
+            <ac:cxnSpMkLst>
+              <pc:docMk/>
+              <pc:sldMasterMk cId="1360977858" sldId="2147483959"/>
+              <pc:sldLayoutMk cId="615774959" sldId="2147483963"/>
+              <ac:cxnSpMk id="33" creationId="{00000000-0000-0000-0000-000000000000}"/>
+            </ac:cxnSpMkLst>
+          </pc:cxnChg>
+        </pc:sldLayoutChg>
+        <pc:sldLayoutChg chg="modSp">
+          <pc:chgData name="Shalini Kupparaju" userId="f2abd47b8b13236a" providerId="LiveId" clId="{62DC6F10-91A0-4946-82C7-534205155A14}" dt="2025-07-15T11:06:25.358" v="110"/>
+          <pc:sldLayoutMkLst>
+            <pc:docMk/>
+            <pc:sldMasterMk cId="1360977858" sldId="2147483959"/>
+            <pc:sldLayoutMk cId="911206172" sldId="2147483964"/>
+          </pc:sldLayoutMkLst>
+          <pc:spChg chg="mod">
+            <ac:chgData name="Shalini Kupparaju" userId="f2abd47b8b13236a" providerId="LiveId" clId="{62DC6F10-91A0-4946-82C7-534205155A14}" dt="2025-07-15T11:06:25.358" v="110"/>
+            <ac:spMkLst>
+              <pc:docMk/>
+              <pc:sldMasterMk cId="1360977858" sldId="2147483959"/>
+              <pc:sldLayoutMk cId="911206172" sldId="2147483964"/>
+              <ac:spMk id="2" creationId="{00000000-0000-0000-0000-000000000000}"/>
+            </ac:spMkLst>
+          </pc:spChg>
+          <pc:spChg chg="mod">
+            <ac:chgData name="Shalini Kupparaju" userId="f2abd47b8b13236a" providerId="LiveId" clId="{62DC6F10-91A0-4946-82C7-534205155A14}" dt="2025-07-15T11:06:25.358" v="110"/>
+            <ac:spMkLst>
+              <pc:docMk/>
+              <pc:sldMasterMk cId="1360977858" sldId="2147483959"/>
+              <pc:sldLayoutMk cId="911206172" sldId="2147483964"/>
+              <ac:spMk id="3" creationId="{00000000-0000-0000-0000-000000000000}"/>
+            </ac:spMkLst>
+          </pc:spChg>
+          <pc:spChg chg="mod">
+            <ac:chgData name="Shalini Kupparaju" userId="f2abd47b8b13236a" providerId="LiveId" clId="{62DC6F10-91A0-4946-82C7-534205155A14}" dt="2025-07-15T11:06:25.358" v="110"/>
+            <ac:spMkLst>
+              <pc:docMk/>
+              <pc:sldMasterMk cId="1360977858" sldId="2147483959"/>
+              <pc:sldLayoutMk cId="911206172" sldId="2147483964"/>
+              <ac:spMk id="4" creationId="{00000000-0000-0000-0000-000000000000}"/>
+            </ac:spMkLst>
+          </pc:spChg>
+          <pc:spChg chg="mod">
+            <ac:chgData name="Shalini Kupparaju" userId="f2abd47b8b13236a" providerId="LiveId" clId="{62DC6F10-91A0-4946-82C7-534205155A14}" dt="2025-07-15T11:06:25.358" v="110"/>
+            <ac:spMkLst>
+              <pc:docMk/>
+              <pc:sldMasterMk cId="1360977858" sldId="2147483959"/>
+              <pc:sldLayoutMk cId="911206172" sldId="2147483964"/>
+              <ac:spMk id="5" creationId="{00000000-0000-0000-0000-000000000000}"/>
+            </ac:spMkLst>
+          </pc:spChg>
+          <pc:spChg chg="mod">
+            <ac:chgData name="Shalini Kupparaju" userId="f2abd47b8b13236a" providerId="LiveId" clId="{62DC6F10-91A0-4946-82C7-534205155A14}" dt="2025-07-15T11:06:25.358" v="110"/>
+            <ac:spMkLst>
+              <pc:docMk/>
+              <pc:sldMasterMk cId="1360977858" sldId="2147483959"/>
+              <pc:sldLayoutMk cId="911206172" sldId="2147483964"/>
+              <ac:spMk id="6" creationId="{00000000-0000-0000-0000-000000000000}"/>
+            </ac:spMkLst>
+          </pc:spChg>
+          <pc:cxnChg chg="mod">
+            <ac:chgData name="Shalini Kupparaju" userId="f2abd47b8b13236a" providerId="LiveId" clId="{62DC6F10-91A0-4946-82C7-534205155A14}" dt="2025-07-15T11:06:25.358" v="110"/>
+            <ac:cxnSpMkLst>
+              <pc:docMk/>
+              <pc:sldMasterMk cId="1360977858" sldId="2147483959"/>
+              <pc:sldLayoutMk cId="911206172" sldId="2147483964"/>
+              <ac:cxnSpMk id="36" creationId="{00000000-0000-0000-0000-000000000000}"/>
+            </ac:cxnSpMkLst>
+          </pc:cxnChg>
+        </pc:sldLayoutChg>
+        <pc:sldLayoutChg chg="modSp">
+          <pc:chgData name="Shalini Kupparaju" userId="f2abd47b8b13236a" providerId="LiveId" clId="{62DC6F10-91A0-4946-82C7-534205155A14}" dt="2025-07-15T11:06:25.358" v="110"/>
+          <pc:sldLayoutMkLst>
+            <pc:docMk/>
+            <pc:sldMasterMk cId="1360977858" sldId="2147483959"/>
+            <pc:sldLayoutMk cId="2875723061" sldId="2147483965"/>
+          </pc:sldLayoutMkLst>
+          <pc:cxnChg chg="mod">
+            <ac:chgData name="Shalini Kupparaju" userId="f2abd47b8b13236a" providerId="LiveId" clId="{62DC6F10-91A0-4946-82C7-534205155A14}" dt="2025-07-15T11:06:25.358" v="110"/>
+            <ac:cxnSpMkLst>
+              <pc:docMk/>
+              <pc:sldMasterMk cId="1360977858" sldId="2147483959"/>
+              <pc:sldLayoutMk cId="2875723061" sldId="2147483965"/>
+              <ac:cxnSpMk id="32" creationId="{00000000-0000-0000-0000-000000000000}"/>
+            </ac:cxnSpMkLst>
+          </pc:cxnChg>
+        </pc:sldLayoutChg>
+        <pc:sldLayoutChg chg="modSp">
+          <pc:chgData name="Shalini Kupparaju" userId="f2abd47b8b13236a" providerId="LiveId" clId="{62DC6F10-91A0-4946-82C7-534205155A14}" dt="2025-07-15T11:06:25.358" v="110"/>
+          <pc:sldLayoutMkLst>
+            <pc:docMk/>
+            <pc:sldMasterMk cId="1360977858" sldId="2147483959"/>
+            <pc:sldLayoutMk cId="3797224291" sldId="2147483967"/>
+          </pc:sldLayoutMkLst>
+          <pc:spChg chg="mod">
+            <ac:chgData name="Shalini Kupparaju" userId="f2abd47b8b13236a" providerId="LiveId" clId="{62DC6F10-91A0-4946-82C7-534205155A14}" dt="2025-07-15T11:06:25.358" v="110"/>
+            <ac:spMkLst>
+              <pc:docMk/>
+              <pc:sldMasterMk cId="1360977858" sldId="2147483959"/>
+              <pc:sldLayoutMk cId="3797224291" sldId="2147483967"/>
+              <ac:spMk id="2" creationId="{00000000-0000-0000-0000-000000000000}"/>
+            </ac:spMkLst>
+          </pc:spChg>
+          <pc:spChg chg="mod">
+            <ac:chgData name="Shalini Kupparaju" userId="f2abd47b8b13236a" providerId="LiveId" clId="{62DC6F10-91A0-4946-82C7-534205155A14}" dt="2025-07-15T11:06:25.358" v="110"/>
+            <ac:spMkLst>
+              <pc:docMk/>
+              <pc:sldMasterMk cId="1360977858" sldId="2147483959"/>
+              <pc:sldLayoutMk cId="3797224291" sldId="2147483967"/>
+              <ac:spMk id="3" creationId="{00000000-0000-0000-0000-000000000000}"/>
+            </ac:spMkLst>
+          </pc:spChg>
+          <pc:spChg chg="mod">
+            <ac:chgData name="Shalini Kupparaju" userId="f2abd47b8b13236a" providerId="LiveId" clId="{62DC6F10-91A0-4946-82C7-534205155A14}" dt="2025-07-15T11:06:25.358" v="110"/>
+            <ac:spMkLst>
+              <pc:docMk/>
+              <pc:sldMasterMk cId="1360977858" sldId="2147483959"/>
+              <pc:sldLayoutMk cId="3797224291" sldId="2147483967"/>
+              <ac:spMk id="4" creationId="{00000000-0000-0000-0000-000000000000}"/>
+            </ac:spMkLst>
+          </pc:spChg>
+          <pc:cxnChg chg="mod">
+            <ac:chgData name="Shalini Kupparaju" userId="f2abd47b8b13236a" providerId="LiveId" clId="{62DC6F10-91A0-4946-82C7-534205155A14}" dt="2025-07-15T11:06:25.358" v="110"/>
+            <ac:cxnSpMkLst>
+              <pc:docMk/>
+              <pc:sldMasterMk cId="1360977858" sldId="2147483959"/>
+              <pc:sldLayoutMk cId="3797224291" sldId="2147483967"/>
+              <ac:cxnSpMk id="17" creationId="{00000000-0000-0000-0000-000000000000}"/>
+            </ac:cxnSpMkLst>
+          </pc:cxnChg>
+        </pc:sldLayoutChg>
+        <pc:sldLayoutChg chg="modSp">
+          <pc:chgData name="Shalini Kupparaju" userId="f2abd47b8b13236a" providerId="LiveId" clId="{62DC6F10-91A0-4946-82C7-534205155A14}" dt="2025-07-15T11:06:25.358" v="110"/>
+          <pc:sldLayoutMkLst>
+            <pc:docMk/>
+            <pc:sldMasterMk cId="1360977858" sldId="2147483959"/>
+            <pc:sldLayoutMk cId="4119044200" sldId="2147483968"/>
+          </pc:sldLayoutMkLst>
+          <pc:spChg chg="mod">
+            <ac:chgData name="Shalini Kupparaju" userId="f2abd47b8b13236a" providerId="LiveId" clId="{62DC6F10-91A0-4946-82C7-534205155A14}" dt="2025-07-15T11:06:25.358" v="110"/>
+            <ac:spMkLst>
+              <pc:docMk/>
+              <pc:sldMasterMk cId="1360977858" sldId="2147483959"/>
+              <pc:sldLayoutMk cId="4119044200" sldId="2147483968"/>
+              <ac:spMk id="2" creationId="{00000000-0000-0000-0000-000000000000}"/>
+            </ac:spMkLst>
+          </pc:spChg>
+          <pc:spChg chg="mod">
+            <ac:chgData name="Shalini Kupparaju" userId="f2abd47b8b13236a" providerId="LiveId" clId="{62DC6F10-91A0-4946-82C7-534205155A14}" dt="2025-07-15T11:06:25.358" v="110"/>
+            <ac:spMkLst>
+              <pc:docMk/>
+              <pc:sldMasterMk cId="1360977858" sldId="2147483959"/>
+              <pc:sldLayoutMk cId="4119044200" sldId="2147483968"/>
+              <ac:spMk id="3" creationId="{00000000-0000-0000-0000-000000000000}"/>
+            </ac:spMkLst>
+          </pc:spChg>
+          <pc:spChg chg="mod">
+            <ac:chgData name="Shalini Kupparaju" userId="f2abd47b8b13236a" providerId="LiveId" clId="{62DC6F10-91A0-4946-82C7-534205155A14}" dt="2025-07-15T11:06:25.358" v="110"/>
+            <ac:spMkLst>
+              <pc:docMk/>
+              <pc:sldMasterMk cId="1360977858" sldId="2147483959"/>
+              <pc:sldLayoutMk cId="4119044200" sldId="2147483968"/>
+              <ac:spMk id="4" creationId="{00000000-0000-0000-0000-000000000000}"/>
+            </ac:spMkLst>
+          </pc:spChg>
+          <pc:spChg chg="mod">
+            <ac:chgData name="Shalini Kupparaju" userId="f2abd47b8b13236a" providerId="LiveId" clId="{62DC6F10-91A0-4946-82C7-534205155A14}" dt="2025-07-15T11:06:25.358" v="110"/>
+            <ac:spMkLst>
+              <pc:docMk/>
+              <pc:sldMasterMk cId="1360977858" sldId="2147483959"/>
+              <pc:sldLayoutMk cId="4119044200" sldId="2147483968"/>
+              <ac:spMk id="5" creationId="{00000000-0000-0000-0000-000000000000}"/>
+            </ac:spMkLst>
+          </pc:spChg>
+          <pc:spChg chg="mod">
+            <ac:chgData name="Shalini Kupparaju" userId="f2abd47b8b13236a" providerId="LiveId" clId="{62DC6F10-91A0-4946-82C7-534205155A14}" dt="2025-07-15T11:06:25.358" v="110"/>
+            <ac:spMkLst>
+              <pc:docMk/>
+              <pc:sldMasterMk cId="1360977858" sldId="2147483959"/>
+              <pc:sldLayoutMk cId="4119044200" sldId="2147483968"/>
+              <ac:spMk id="6" creationId="{00000000-0000-0000-0000-000000000000}"/>
+            </ac:spMkLst>
+          </pc:spChg>
+          <pc:spChg chg="mod">
+            <ac:chgData name="Shalini Kupparaju" userId="f2abd47b8b13236a" providerId="LiveId" clId="{62DC6F10-91A0-4946-82C7-534205155A14}" dt="2025-07-15T11:06:25.358" v="110"/>
+            <ac:spMkLst>
+              <pc:docMk/>
+              <pc:sldMasterMk cId="1360977858" sldId="2147483959"/>
+              <pc:sldLayoutMk cId="4119044200" sldId="2147483968"/>
+              <ac:spMk id="14" creationId="{00000000-0000-0000-0000-000000000000}"/>
+            </ac:spMkLst>
+          </pc:spChg>
+          <pc:spChg chg="mod">
+            <ac:chgData name="Shalini Kupparaju" userId="f2abd47b8b13236a" providerId="LiveId" clId="{62DC6F10-91A0-4946-82C7-534205155A14}" dt="2025-07-15T11:06:25.358" v="110"/>
+            <ac:spMkLst>
+              <pc:docMk/>
+              <pc:sldMasterMk cId="1360977858" sldId="2147483959"/>
+              <pc:sldLayoutMk cId="4119044200" sldId="2147483968"/>
+              <ac:spMk id="15" creationId="{00000000-0000-0000-0000-000000000000}"/>
+            </ac:spMkLst>
+          </pc:spChg>
+          <pc:grpChg chg="mod">
+            <ac:chgData name="Shalini Kupparaju" userId="f2abd47b8b13236a" providerId="LiveId" clId="{62DC6F10-91A0-4946-82C7-534205155A14}" dt="2025-07-15T11:06:25.358" v="110"/>
+            <ac:grpSpMkLst>
+              <pc:docMk/>
+              <pc:sldMasterMk cId="1360977858" sldId="2147483959"/>
+              <pc:sldLayoutMk cId="4119044200" sldId="2147483968"/>
+              <ac:grpSpMk id="13" creationId="{00000000-0000-0000-0000-000000000000}"/>
+            </ac:grpSpMkLst>
+          </pc:grpChg>
+          <pc:cxnChg chg="mod">
+            <ac:chgData name="Shalini Kupparaju" userId="f2abd47b8b13236a" providerId="LiveId" clId="{62DC6F10-91A0-4946-82C7-534205155A14}" dt="2025-07-15T11:06:25.358" v="110"/>
+            <ac:cxnSpMkLst>
+              <pc:docMk/>
+              <pc:sldMasterMk cId="1360977858" sldId="2147483959"/>
+              <pc:sldLayoutMk cId="4119044200" sldId="2147483968"/>
+              <ac:cxnSpMk id="31" creationId="{00000000-0000-0000-0000-000000000000}"/>
+            </ac:cxnSpMkLst>
+          </pc:cxnChg>
+        </pc:sldLayoutChg>
+        <pc:sldLayoutChg chg="modSp">
+          <pc:chgData name="Shalini Kupparaju" userId="f2abd47b8b13236a" providerId="LiveId" clId="{62DC6F10-91A0-4946-82C7-534205155A14}" dt="2025-07-15T11:06:25.358" v="110"/>
+          <pc:sldLayoutMkLst>
+            <pc:docMk/>
+            <pc:sldMasterMk cId="1360977858" sldId="2147483959"/>
+            <pc:sldLayoutMk cId="720373471" sldId="2147483969"/>
+          </pc:sldLayoutMkLst>
+          <pc:cxnChg chg="mod">
+            <ac:chgData name="Shalini Kupparaju" userId="f2abd47b8b13236a" providerId="LiveId" clId="{62DC6F10-91A0-4946-82C7-534205155A14}" dt="2025-07-15T11:06:25.358" v="110"/>
+            <ac:cxnSpMkLst>
+              <pc:docMk/>
+              <pc:sldMasterMk cId="1360977858" sldId="2147483959"/>
+              <pc:sldLayoutMk cId="720373471" sldId="2147483969"/>
+              <ac:cxnSpMk id="33" creationId="{00000000-0000-0000-0000-000000000000}"/>
+            </ac:cxnSpMkLst>
+          </pc:cxnChg>
+        </pc:sldLayoutChg>
+        <pc:sldLayoutChg chg="modSp">
+          <pc:chgData name="Shalini Kupparaju" userId="f2abd47b8b13236a" providerId="LiveId" clId="{62DC6F10-91A0-4946-82C7-534205155A14}" dt="2025-07-15T11:06:25.358" v="110"/>
+          <pc:sldLayoutMkLst>
+            <pc:docMk/>
+            <pc:sldMasterMk cId="1360977858" sldId="2147483959"/>
+            <pc:sldLayoutMk cId="3076229428" sldId="2147483970"/>
+          </pc:sldLayoutMkLst>
+          <pc:spChg chg="mod">
+            <ac:chgData name="Shalini Kupparaju" userId="f2abd47b8b13236a" providerId="LiveId" clId="{62DC6F10-91A0-4946-82C7-534205155A14}" dt="2025-07-15T11:06:25.358" v="110"/>
+            <ac:spMkLst>
+              <pc:docMk/>
+              <pc:sldMasterMk cId="1360977858" sldId="2147483959"/>
+              <pc:sldLayoutMk cId="3076229428" sldId="2147483970"/>
+              <ac:spMk id="2" creationId="{00000000-0000-0000-0000-000000000000}"/>
+            </ac:spMkLst>
+          </pc:spChg>
+          <pc:spChg chg="mod">
+            <ac:chgData name="Shalini Kupparaju" userId="f2abd47b8b13236a" providerId="LiveId" clId="{62DC6F10-91A0-4946-82C7-534205155A14}" dt="2025-07-15T11:06:25.358" v="110"/>
+            <ac:spMkLst>
+              <pc:docMk/>
+              <pc:sldMasterMk cId="1360977858" sldId="2147483959"/>
+              <pc:sldLayoutMk cId="3076229428" sldId="2147483970"/>
+              <ac:spMk id="3" creationId="{00000000-0000-0000-0000-000000000000}"/>
+            </ac:spMkLst>
+          </pc:spChg>
+          <pc:cxnChg chg="mod">
+            <ac:chgData name="Shalini Kupparaju" userId="f2abd47b8b13236a" providerId="LiveId" clId="{62DC6F10-91A0-4946-82C7-534205155A14}" dt="2025-07-15T11:06:25.358" v="110"/>
+            <ac:cxnSpMkLst>
+              <pc:docMk/>
+              <pc:sldMasterMk cId="1360977858" sldId="2147483959"/>
+              <pc:sldLayoutMk cId="3076229428" sldId="2147483970"/>
+              <ac:cxnSpMk id="15" creationId="{00000000-0000-0000-0000-000000000000}"/>
+            </ac:cxnSpMkLst>
+          </pc:cxnChg>
+        </pc:sldLayoutChg>
+      </pc:sldMasterChg>
+      <pc:sldMasterChg chg="modSp modSldLayout">
+        <pc:chgData name="Shalini Kupparaju" userId="f2abd47b8b13236a" providerId="LiveId" clId="{62DC6F10-91A0-4946-82C7-534205155A14}" dt="2025-07-15T11:06:24.933" v="109"/>
+        <pc:sldMasterMkLst>
+          <pc:docMk/>
+          <pc:sldMasterMk cId="3795326727" sldId="2147483971"/>
+        </pc:sldMasterMkLst>
+        <pc:spChg chg="mod">
+          <ac:chgData name="Shalini Kupparaju" userId="f2abd47b8b13236a" providerId="LiveId" clId="{62DC6F10-91A0-4946-82C7-534205155A14}" dt="2025-07-15T11:06:24.933" v="109"/>
+          <ac:spMkLst>
+            <pc:docMk/>
+            <pc:sldMasterMk cId="3795326727" sldId="2147483971"/>
+            <ac:spMk id="2" creationId="{00000000-0000-0000-0000-000000000000}"/>
+          </ac:spMkLst>
+        </pc:spChg>
+        <pc:spChg chg="mod">
+          <ac:chgData name="Shalini Kupparaju" userId="f2abd47b8b13236a" providerId="LiveId" clId="{62DC6F10-91A0-4946-82C7-534205155A14}" dt="2025-07-15T11:06:24.933" v="109"/>
+          <ac:spMkLst>
+            <pc:docMk/>
+            <pc:sldMasterMk cId="3795326727" sldId="2147483971"/>
+            <ac:spMk id="3" creationId="{00000000-0000-0000-0000-000000000000}"/>
+          </ac:spMkLst>
+        </pc:spChg>
+        <pc:spChg chg="mod">
+          <ac:chgData name="Shalini Kupparaju" userId="f2abd47b8b13236a" providerId="LiveId" clId="{62DC6F10-91A0-4946-82C7-534205155A14}" dt="2025-07-15T11:06:24.933" v="109"/>
+          <ac:spMkLst>
+            <pc:docMk/>
+            <pc:sldMasterMk cId="3795326727" sldId="2147483971"/>
+            <ac:spMk id="4" creationId="{00000000-0000-0000-0000-000000000000}"/>
+          </ac:spMkLst>
+        </pc:spChg>
+        <pc:spChg chg="mod">
+          <ac:chgData name="Shalini Kupparaju" userId="f2abd47b8b13236a" providerId="LiveId" clId="{62DC6F10-91A0-4946-82C7-534205155A14}" dt="2025-07-15T11:06:24.933" v="109"/>
+          <ac:spMkLst>
+            <pc:docMk/>
+            <pc:sldMasterMk cId="3795326727" sldId="2147483971"/>
+            <ac:spMk id="5" creationId="{00000000-0000-0000-0000-000000000000}"/>
+          </ac:spMkLst>
+        </pc:spChg>
+        <pc:spChg chg="mod">
+          <ac:chgData name="Shalini Kupparaju" userId="f2abd47b8b13236a" providerId="LiveId" clId="{62DC6F10-91A0-4946-82C7-534205155A14}" dt="2025-07-15T11:06:24.933" v="109"/>
+          <ac:spMkLst>
+            <pc:docMk/>
+            <pc:sldMasterMk cId="3795326727" sldId="2147483971"/>
+            <ac:spMk id="6" creationId="{00000000-0000-0000-0000-000000000000}"/>
+          </ac:spMkLst>
+        </pc:spChg>
+        <pc:spChg chg="mod">
+          <ac:chgData name="Shalini Kupparaju" userId="f2abd47b8b13236a" providerId="LiveId" clId="{62DC6F10-91A0-4946-82C7-534205155A14}" dt="2025-07-15T11:06:24.933" v="109"/>
+          <ac:spMkLst>
+            <pc:docMk/>
+            <pc:sldMasterMk cId="3795326727" sldId="2147483971"/>
+            <ac:spMk id="8" creationId="{00000000-0000-0000-0000-000000000000}"/>
+          </ac:spMkLst>
+        </pc:spChg>
+        <pc:picChg chg="mod">
+          <ac:chgData name="Shalini Kupparaju" userId="f2abd47b8b13236a" providerId="LiveId" clId="{62DC6F10-91A0-4946-82C7-534205155A14}" dt="2025-07-15T11:06:24.933" v="109"/>
+          <ac:picMkLst>
+            <pc:docMk/>
+            <pc:sldMasterMk cId="3795326727" sldId="2147483971"/>
+            <ac:picMk id="7" creationId="{00000000-0000-0000-0000-000000000000}"/>
+          </ac:picMkLst>
+        </pc:picChg>
+        <pc:cxnChg chg="mod">
+          <ac:chgData name="Shalini Kupparaju" userId="f2abd47b8b13236a" providerId="LiveId" clId="{62DC6F10-91A0-4946-82C7-534205155A14}" dt="2025-07-15T11:06:24.933" v="109"/>
+          <ac:cxnSpMkLst>
+            <pc:docMk/>
+            <pc:sldMasterMk cId="3795326727" sldId="2147483971"/>
+            <ac:cxnSpMk id="10" creationId="{00000000-0000-0000-0000-000000000000}"/>
+          </ac:cxnSpMkLst>
+        </pc:cxnChg>
+        <pc:sldLayoutChg chg="modSp">
+          <pc:chgData name="Shalini Kupparaju" userId="f2abd47b8b13236a" providerId="LiveId" clId="{62DC6F10-91A0-4946-82C7-534205155A14}" dt="2025-07-15T11:06:24.933" v="109"/>
+          <pc:sldLayoutMkLst>
+            <pc:docMk/>
+            <pc:sldMasterMk cId="3795326727" sldId="2147483971"/>
+            <pc:sldLayoutMk cId="151857228" sldId="2147483972"/>
+          </pc:sldLayoutMkLst>
+          <pc:spChg chg="mod">
+            <ac:chgData name="Shalini Kupparaju" userId="f2abd47b8b13236a" providerId="LiveId" clId="{62DC6F10-91A0-4946-82C7-534205155A14}" dt="2025-07-15T11:06:24.933" v="109"/>
+            <ac:spMkLst>
+              <pc:docMk/>
+              <pc:sldMasterMk cId="3795326727" sldId="2147483971"/>
+              <pc:sldLayoutMk cId="151857228" sldId="2147483972"/>
+              <ac:spMk id="2" creationId="{00000000-0000-0000-0000-000000000000}"/>
+            </ac:spMkLst>
+          </pc:spChg>
+          <pc:spChg chg="mod">
+            <ac:chgData name="Shalini Kupparaju" userId="f2abd47b8b13236a" providerId="LiveId" clId="{62DC6F10-91A0-4946-82C7-534205155A14}" dt="2025-07-15T11:06:24.933" v="109"/>
+            <ac:spMkLst>
+              <pc:docMk/>
+              <pc:sldMasterMk cId="3795326727" sldId="2147483971"/>
+              <pc:sldLayoutMk cId="151857228" sldId="2147483972"/>
+              <ac:spMk id="3" creationId="{00000000-0000-0000-0000-000000000000}"/>
+            </ac:spMkLst>
+          </pc:spChg>
+          <pc:spChg chg="mod">
+            <ac:chgData name="Shalini Kupparaju" userId="f2abd47b8b13236a" providerId="LiveId" clId="{62DC6F10-91A0-4946-82C7-534205155A14}" dt="2025-07-15T11:06:24.933" v="109"/>
+            <ac:spMkLst>
+              <pc:docMk/>
+              <pc:sldMasterMk cId="3795326727" sldId="2147483971"/>
+              <pc:sldLayoutMk cId="151857228" sldId="2147483972"/>
+              <ac:spMk id="5" creationId="{00000000-0000-0000-0000-000000000000}"/>
+            </ac:spMkLst>
+          </pc:spChg>
+          <pc:spChg chg="mod">
+            <ac:chgData name="Shalini Kupparaju" userId="f2abd47b8b13236a" providerId="LiveId" clId="{62DC6F10-91A0-4946-82C7-534205155A14}" dt="2025-07-15T11:06:24.933" v="109"/>
+            <ac:spMkLst>
+              <pc:docMk/>
+              <pc:sldMasterMk cId="3795326727" sldId="2147483971"/>
+              <pc:sldLayoutMk cId="151857228" sldId="2147483972"/>
+              <ac:spMk id="6" creationId="{00000000-0000-0000-0000-000000000000}"/>
+            </ac:spMkLst>
+          </pc:spChg>
+          <pc:cxnChg chg="mod">
+            <ac:chgData name="Shalini Kupparaju" userId="f2abd47b8b13236a" providerId="LiveId" clId="{62DC6F10-91A0-4946-82C7-534205155A14}" dt="2025-07-15T11:06:24.933" v="109"/>
+            <ac:cxnSpMkLst>
+              <pc:docMk/>
+              <pc:sldMasterMk cId="3795326727" sldId="2147483971"/>
+              <pc:sldLayoutMk cId="151857228" sldId="2147483972"/>
+              <ac:cxnSpMk id="15" creationId="{00000000-0000-0000-0000-000000000000}"/>
+            </ac:cxnSpMkLst>
+          </pc:cxnChg>
+        </pc:sldLayoutChg>
+        <pc:sldLayoutChg chg="modSp">
+          <pc:chgData name="Shalini Kupparaju" userId="f2abd47b8b13236a" providerId="LiveId" clId="{62DC6F10-91A0-4946-82C7-534205155A14}" dt="2025-07-15T11:06:24.933" v="109"/>
+          <pc:sldLayoutMkLst>
+            <pc:docMk/>
+            <pc:sldMasterMk cId="3795326727" sldId="2147483971"/>
+            <pc:sldLayoutMk cId="3007699406" sldId="2147483973"/>
+          </pc:sldLayoutMkLst>
+          <pc:cxnChg chg="mod">
+            <ac:chgData name="Shalini Kupparaju" userId="f2abd47b8b13236a" providerId="LiveId" clId="{62DC6F10-91A0-4946-82C7-534205155A14}" dt="2025-07-15T11:06:24.933" v="109"/>
+            <ac:cxnSpMkLst>
+              <pc:docMk/>
+              <pc:sldMasterMk cId="3795326727" sldId="2147483971"/>
+              <pc:sldLayoutMk cId="3007699406" sldId="2147483973"/>
+              <ac:cxnSpMk id="33" creationId="{00000000-0000-0000-0000-000000000000}"/>
+            </ac:cxnSpMkLst>
+          </pc:cxnChg>
+        </pc:sldLayoutChg>
+        <pc:sldLayoutChg chg="modSp">
+          <pc:chgData name="Shalini Kupparaju" userId="f2abd47b8b13236a" providerId="LiveId" clId="{62DC6F10-91A0-4946-82C7-534205155A14}" dt="2025-07-15T11:06:24.933" v="109"/>
+          <pc:sldLayoutMkLst>
+            <pc:docMk/>
+            <pc:sldMasterMk cId="3795326727" sldId="2147483971"/>
+            <pc:sldLayoutMk cId="63587398" sldId="2147483974"/>
+          </pc:sldLayoutMkLst>
+          <pc:spChg chg="mod">
+            <ac:chgData name="Shalini Kupparaju" userId="f2abd47b8b13236a" providerId="LiveId" clId="{62DC6F10-91A0-4946-82C7-534205155A14}" dt="2025-07-15T11:06:24.933" v="109"/>
+            <ac:spMkLst>
+              <pc:docMk/>
+              <pc:sldMasterMk cId="3795326727" sldId="2147483971"/>
+              <pc:sldLayoutMk cId="63587398" sldId="2147483974"/>
+              <ac:spMk id="2" creationId="{00000000-0000-0000-0000-000000000000}"/>
+            </ac:spMkLst>
+          </pc:spChg>
+          <pc:spChg chg="mod">
+            <ac:chgData name="Shalini Kupparaju" userId="f2abd47b8b13236a" providerId="LiveId" clId="{62DC6F10-91A0-4946-82C7-534205155A14}" dt="2025-07-15T11:06:24.933" v="109"/>
+            <ac:spMkLst>
+              <pc:docMk/>
+              <pc:sldMasterMk cId="3795326727" sldId="2147483971"/>
+              <pc:sldLayoutMk cId="63587398" sldId="2147483974"/>
+              <ac:spMk id="3" creationId="{00000000-0000-0000-0000-000000000000}"/>
+            </ac:spMkLst>
+          </pc:spChg>
+          <pc:cxnChg chg="mod">
+            <ac:chgData name="Shalini Kupparaju" userId="f2abd47b8b13236a" providerId="LiveId" clId="{62DC6F10-91A0-4946-82C7-534205155A14}" dt="2025-07-15T11:06:24.933" v="109"/>
+            <ac:cxnSpMkLst>
+              <pc:docMk/>
+              <pc:sldMasterMk cId="3795326727" sldId="2147483971"/>
+              <pc:sldLayoutMk cId="63587398" sldId="2147483974"/>
+              <ac:cxnSpMk id="15" creationId="{00000000-0000-0000-0000-000000000000}"/>
+            </ac:cxnSpMkLst>
+          </pc:cxnChg>
+        </pc:sldLayoutChg>
+        <pc:sldLayoutChg chg="modSp">
+          <pc:chgData name="Shalini Kupparaju" userId="f2abd47b8b13236a" providerId="LiveId" clId="{62DC6F10-91A0-4946-82C7-534205155A14}" dt="2025-07-15T11:06:24.933" v="109"/>
+          <pc:sldLayoutMkLst>
+            <pc:docMk/>
+            <pc:sldMasterMk cId="3795326727" sldId="2147483971"/>
+            <pc:sldLayoutMk cId="1938900712" sldId="2147483975"/>
+          </pc:sldLayoutMkLst>
+          <pc:spChg chg="mod">
+            <ac:chgData name="Shalini Kupparaju" userId="f2abd47b8b13236a" providerId="LiveId" clId="{62DC6F10-91A0-4946-82C7-534205155A14}" dt="2025-07-15T11:06:24.933" v="109"/>
+            <ac:spMkLst>
+              <pc:docMk/>
+              <pc:sldMasterMk cId="3795326727" sldId="2147483971"/>
+              <pc:sldLayoutMk cId="1938900712" sldId="2147483975"/>
+              <ac:spMk id="2" creationId="{00000000-0000-0000-0000-000000000000}"/>
+            </ac:spMkLst>
+          </pc:spChg>
+          <pc:spChg chg="mod">
+            <ac:chgData name="Shalini Kupparaju" userId="f2abd47b8b13236a" providerId="LiveId" clId="{62DC6F10-91A0-4946-82C7-534205155A14}" dt="2025-07-15T11:06:24.933" v="109"/>
+            <ac:spMkLst>
+              <pc:docMk/>
+              <pc:sldMasterMk cId="3795326727" sldId="2147483971"/>
+              <pc:sldLayoutMk cId="1938900712" sldId="2147483975"/>
+              <ac:spMk id="3" creationId="{00000000-0000-0000-0000-000000000000}"/>
+            </ac:spMkLst>
+          </pc:spChg>
+          <pc:spChg chg="mod">
+            <ac:chgData name="Shalini Kupparaju" userId="f2abd47b8b13236a" providerId="LiveId" clId="{62DC6F10-91A0-4946-82C7-534205155A14}" dt="2025-07-15T11:06:24.933" v="109"/>
+            <ac:spMkLst>
+              <pc:docMk/>
+              <pc:sldMasterMk cId="3795326727" sldId="2147483971"/>
+              <pc:sldLayoutMk cId="1938900712" sldId="2147483975"/>
+              <ac:spMk id="4" creationId="{00000000-0000-0000-0000-000000000000}"/>
+            </ac:spMkLst>
+          </pc:spChg>
+          <pc:cxnChg chg="mod">
+            <ac:chgData name="Shalini Kupparaju" userId="f2abd47b8b13236a" providerId="LiveId" clId="{62DC6F10-91A0-4946-82C7-534205155A14}" dt="2025-07-15T11:06:24.933" v="109"/>
+            <ac:cxnSpMkLst>
+              <pc:docMk/>
+              <pc:sldMasterMk cId="3795326727" sldId="2147483971"/>
+              <pc:sldLayoutMk cId="1938900712" sldId="2147483975"/>
+              <ac:cxnSpMk id="35" creationId="{00000000-0000-0000-0000-000000000000}"/>
+            </ac:cxnSpMkLst>
+          </pc:cxnChg>
+        </pc:sldLayoutChg>
+        <pc:sldLayoutChg chg="modSp">
+          <pc:chgData name="Shalini Kupparaju" userId="f2abd47b8b13236a" providerId="LiveId" clId="{62DC6F10-91A0-4946-82C7-534205155A14}" dt="2025-07-15T11:06:24.933" v="109"/>
+          <pc:sldLayoutMkLst>
+            <pc:docMk/>
+            <pc:sldMasterMk cId="3795326727" sldId="2147483971"/>
+            <pc:sldLayoutMk cId="1593881165" sldId="2147483976"/>
+          </pc:sldLayoutMkLst>
+          <pc:spChg chg="mod">
+            <ac:chgData name="Shalini Kupparaju" userId="f2abd47b8b13236a" providerId="LiveId" clId="{62DC6F10-91A0-4946-82C7-534205155A14}" dt="2025-07-15T11:06:24.933" v="109"/>
+            <ac:spMkLst>
+              <pc:docMk/>
+              <pc:sldMasterMk cId="3795326727" sldId="2147483971"/>
+              <pc:sldLayoutMk cId="1593881165" sldId="2147483976"/>
+              <ac:spMk id="2" creationId="{00000000-0000-0000-0000-000000000000}"/>
+            </ac:spMkLst>
+          </pc:spChg>
+          <pc:spChg chg="mod">
+            <ac:chgData name="Shalini Kupparaju" userId="f2abd47b8b13236a" providerId="LiveId" clId="{62DC6F10-91A0-4946-82C7-534205155A14}" dt="2025-07-15T11:06:24.933" v="109"/>
+            <ac:spMkLst>
+              <pc:docMk/>
+              <pc:sldMasterMk cId="3795326727" sldId="2147483971"/>
+              <pc:sldLayoutMk cId="1593881165" sldId="2147483976"/>
+              <ac:spMk id="3" creationId="{00000000-0000-0000-0000-000000000000}"/>
+            </ac:spMkLst>
+          </pc:spChg>
+          <pc:spChg chg="mod">
+            <ac:chgData name="Shalini Kupparaju" userId="f2abd47b8b13236a" providerId="LiveId" clId="{62DC6F10-91A0-4946-82C7-534205155A14}" dt="2025-07-15T11:06:24.933" v="109"/>
+            <ac:spMkLst>
+              <pc:docMk/>
+              <pc:sldMasterMk cId="3795326727" sldId="2147483971"/>
+              <pc:sldLayoutMk cId="1593881165" sldId="2147483976"/>
+              <ac:spMk id="4" creationId="{00000000-0000-0000-0000-000000000000}"/>
+            </ac:spMkLst>
+          </pc:spChg>
+          <pc:spChg chg="mod">
+            <ac:chgData name="Shalini Kupparaju" userId="f2abd47b8b13236a" providerId="LiveId" clId="{62DC6F10-91A0-4946-82C7-534205155A14}" dt="2025-07-15T11:06:24.933" v="109"/>
+            <ac:spMkLst>
+              <pc:docMk/>
+              <pc:sldMasterMk cId="3795326727" sldId="2147483971"/>
+              <pc:sldLayoutMk cId="1593881165" sldId="2147483976"/>
+              <ac:spMk id="5" creationId="{00000000-0000-0000-0000-000000000000}"/>
+            </ac:spMkLst>
+          </pc:spChg>
+          <pc:spChg chg="mod">
+            <ac:chgData name="Shalini Kupparaju" userId="f2abd47b8b13236a" providerId="LiveId" clId="{62DC6F10-91A0-4946-82C7-534205155A14}" dt="2025-07-15T11:06:24.933" v="109"/>
+            <ac:spMkLst>
+              <pc:docMk/>
+              <pc:sldMasterMk cId="3795326727" sldId="2147483971"/>
+              <pc:sldLayoutMk cId="1593881165" sldId="2147483976"/>
+              <ac:spMk id="6" creationId="{00000000-0000-0000-0000-000000000000}"/>
+            </ac:spMkLst>
+          </pc:spChg>
+          <pc:cxnChg chg="mod">
+            <ac:chgData name="Shalini Kupparaju" userId="f2abd47b8b13236a" providerId="LiveId" clId="{62DC6F10-91A0-4946-82C7-534205155A14}" dt="2025-07-15T11:06:24.933" v="109"/>
+            <ac:cxnSpMkLst>
+              <pc:docMk/>
+              <pc:sldMasterMk cId="3795326727" sldId="2147483971"/>
+              <pc:sldLayoutMk cId="1593881165" sldId="2147483976"/>
+              <ac:cxnSpMk id="29" creationId="{00000000-0000-0000-0000-000000000000}"/>
+            </ac:cxnSpMkLst>
+          </pc:cxnChg>
+        </pc:sldLayoutChg>
+        <pc:sldLayoutChg chg="modSp">
+          <pc:chgData name="Shalini Kupparaju" userId="f2abd47b8b13236a" providerId="LiveId" clId="{62DC6F10-91A0-4946-82C7-534205155A14}" dt="2025-07-15T11:06:24.933" v="109"/>
+          <pc:sldLayoutMkLst>
+            <pc:docMk/>
+            <pc:sldMasterMk cId="3795326727" sldId="2147483971"/>
+            <pc:sldLayoutMk cId="1447265492" sldId="2147483977"/>
+          </pc:sldLayoutMkLst>
+          <pc:cxnChg chg="mod">
+            <ac:chgData name="Shalini Kupparaju" userId="f2abd47b8b13236a" providerId="LiveId" clId="{62DC6F10-91A0-4946-82C7-534205155A14}" dt="2025-07-15T11:06:24.933" v="109"/>
+            <ac:cxnSpMkLst>
+              <pc:docMk/>
+              <pc:sldMasterMk cId="3795326727" sldId="2147483971"/>
+              <pc:sldLayoutMk cId="1447265492" sldId="2147483977"/>
+              <ac:cxnSpMk id="25" creationId="{00000000-0000-0000-0000-000000000000}"/>
+            </ac:cxnSpMkLst>
+          </pc:cxnChg>
+        </pc:sldLayoutChg>
+        <pc:sldLayoutChg chg="modSp">
+          <pc:chgData name="Shalini Kupparaju" userId="f2abd47b8b13236a" providerId="LiveId" clId="{62DC6F10-91A0-4946-82C7-534205155A14}" dt="2025-07-15T11:06:24.933" v="109"/>
+          <pc:sldLayoutMkLst>
+            <pc:docMk/>
+            <pc:sldMasterMk cId="3795326727" sldId="2147483971"/>
+            <pc:sldLayoutMk cId="2051276878" sldId="2147483979"/>
+          </pc:sldLayoutMkLst>
+          <pc:spChg chg="mod">
+            <ac:chgData name="Shalini Kupparaju" userId="f2abd47b8b13236a" providerId="LiveId" clId="{62DC6F10-91A0-4946-82C7-534205155A14}" dt="2025-07-15T11:06:24.933" v="109"/>
+            <ac:spMkLst>
+              <pc:docMk/>
+              <pc:sldMasterMk cId="3795326727" sldId="2147483971"/>
+              <pc:sldLayoutMk cId="2051276878" sldId="2147483979"/>
+              <ac:spMk id="2" creationId="{00000000-0000-0000-0000-000000000000}"/>
+            </ac:spMkLst>
+          </pc:spChg>
+          <pc:spChg chg="mod">
+            <ac:chgData name="Shalini Kupparaju" userId="f2abd47b8b13236a" providerId="LiveId" clId="{62DC6F10-91A0-4946-82C7-534205155A14}" dt="2025-07-15T11:06:24.933" v="109"/>
+            <ac:spMkLst>
+              <pc:docMk/>
+              <pc:sldMasterMk cId="3795326727" sldId="2147483971"/>
+              <pc:sldLayoutMk cId="2051276878" sldId="2147483979"/>
+              <ac:spMk id="3" creationId="{00000000-0000-0000-0000-000000000000}"/>
+            </ac:spMkLst>
+          </pc:spChg>
+          <pc:spChg chg="mod">
+            <ac:chgData name="Shalini Kupparaju" userId="f2abd47b8b13236a" providerId="LiveId" clId="{62DC6F10-91A0-4946-82C7-534205155A14}" dt="2025-07-15T11:06:24.933" v="109"/>
+            <ac:spMkLst>
+              <pc:docMk/>
+              <pc:sldMasterMk cId="3795326727" sldId="2147483971"/>
+              <pc:sldLayoutMk cId="2051276878" sldId="2147483979"/>
+              <ac:spMk id="4" creationId="{00000000-0000-0000-0000-000000000000}"/>
+            </ac:spMkLst>
+          </pc:spChg>
+          <pc:cxnChg chg="mod">
+            <ac:chgData name="Shalini Kupparaju" userId="f2abd47b8b13236a" providerId="LiveId" clId="{62DC6F10-91A0-4946-82C7-534205155A14}" dt="2025-07-15T11:06:24.933" v="109"/>
+            <ac:cxnSpMkLst>
+              <pc:docMk/>
+              <pc:sldMasterMk cId="3795326727" sldId="2147483971"/>
+              <pc:sldLayoutMk cId="2051276878" sldId="2147483979"/>
+              <ac:cxnSpMk id="17" creationId="{00000000-0000-0000-0000-000000000000}"/>
+            </ac:cxnSpMkLst>
+          </pc:cxnChg>
+        </pc:sldLayoutChg>
+        <pc:sldLayoutChg chg="modSp">
+          <pc:chgData name="Shalini Kupparaju" userId="f2abd47b8b13236a" providerId="LiveId" clId="{62DC6F10-91A0-4946-82C7-534205155A14}" dt="2025-07-15T11:06:24.933" v="109"/>
+          <pc:sldLayoutMkLst>
+            <pc:docMk/>
+            <pc:sldMasterMk cId="3795326727" sldId="2147483971"/>
+            <pc:sldLayoutMk cId="2917701824" sldId="2147483980"/>
+          </pc:sldLayoutMkLst>
+          <pc:spChg chg="mod">
+            <ac:chgData name="Shalini Kupparaju" userId="f2abd47b8b13236a" providerId="LiveId" clId="{62DC6F10-91A0-4946-82C7-534205155A14}" dt="2025-07-15T11:06:24.933" v="109"/>
+            <ac:spMkLst>
+              <pc:docMk/>
+              <pc:sldMasterMk cId="3795326727" sldId="2147483971"/>
+              <pc:sldLayoutMk cId="2917701824" sldId="2147483980"/>
+              <ac:spMk id="2" creationId="{00000000-0000-0000-0000-000000000000}"/>
+            </ac:spMkLst>
+          </pc:spChg>
+          <pc:spChg chg="mod">
+            <ac:chgData name="Shalini Kupparaju" userId="f2abd47b8b13236a" providerId="LiveId" clId="{62DC6F10-91A0-4946-82C7-534205155A14}" dt="2025-07-15T11:06:24.933" v="109"/>
+            <ac:spMkLst>
+              <pc:docMk/>
+              <pc:sldMasterMk cId="3795326727" sldId="2147483971"/>
+              <pc:sldLayoutMk cId="2917701824" sldId="2147483980"/>
+              <ac:spMk id="3" creationId="{00000000-0000-0000-0000-000000000000}"/>
+            </ac:spMkLst>
+          </pc:spChg>
+          <pc:spChg chg="mod">
+            <ac:chgData name="Shalini Kupparaju" userId="f2abd47b8b13236a" providerId="LiveId" clId="{62DC6F10-91A0-4946-82C7-534205155A14}" dt="2025-07-15T11:06:24.933" v="109"/>
+            <ac:spMkLst>
+              <pc:docMk/>
+              <pc:sldMasterMk cId="3795326727" sldId="2147483971"/>
+              <pc:sldLayoutMk cId="2917701824" sldId="2147483980"/>
+              <ac:spMk id="4" creationId="{00000000-0000-0000-0000-000000000000}"/>
+            </ac:spMkLst>
+          </pc:spChg>
+          <pc:spChg chg="mod">
+            <ac:chgData name="Shalini Kupparaju" userId="f2abd47b8b13236a" providerId="LiveId" clId="{62DC6F10-91A0-4946-82C7-534205155A14}" dt="2025-07-15T11:06:24.933" v="109"/>
+            <ac:spMkLst>
+              <pc:docMk/>
+              <pc:sldMasterMk cId="3795326727" sldId="2147483971"/>
+              <pc:sldLayoutMk cId="2917701824" sldId="2147483980"/>
+              <ac:spMk id="5" creationId="{00000000-0000-0000-0000-000000000000}"/>
+            </ac:spMkLst>
+          </pc:spChg>
+          <pc:spChg chg="mod">
+            <ac:chgData name="Shalini Kupparaju" userId="f2abd47b8b13236a" providerId="LiveId" clId="{62DC6F10-91A0-4946-82C7-534205155A14}" dt="2025-07-15T11:06:24.933" v="109"/>
+            <ac:spMkLst>
+              <pc:docMk/>
+              <pc:sldMasterMk cId="3795326727" sldId="2147483971"/>
+              <pc:sldLayoutMk cId="2917701824" sldId="2147483980"/>
+              <ac:spMk id="6" creationId="{00000000-0000-0000-0000-000000000000}"/>
+            </ac:spMkLst>
+          </pc:spChg>
+          <pc:spChg chg="mod">
+            <ac:chgData name="Shalini Kupparaju" userId="f2abd47b8b13236a" providerId="LiveId" clId="{62DC6F10-91A0-4946-82C7-534205155A14}" dt="2025-07-15T11:06:24.933" v="109"/>
+            <ac:spMkLst>
+              <pc:docMk/>
+              <pc:sldMasterMk cId="3795326727" sldId="2147483971"/>
+              <pc:sldLayoutMk cId="2917701824" sldId="2147483980"/>
+              <ac:spMk id="18" creationId="{00000000-0000-0000-0000-000000000000}"/>
+            </ac:spMkLst>
+          </pc:spChg>
+          <pc:spChg chg="mod">
+            <ac:chgData name="Shalini Kupparaju" userId="f2abd47b8b13236a" providerId="LiveId" clId="{62DC6F10-91A0-4946-82C7-534205155A14}" dt="2025-07-15T11:06:24.933" v="109"/>
+            <ac:spMkLst>
+              <pc:docMk/>
+              <pc:sldMasterMk cId="3795326727" sldId="2147483971"/>
+              <pc:sldLayoutMk cId="2917701824" sldId="2147483980"/>
+              <ac:spMk id="19" creationId="{00000000-0000-0000-0000-000000000000}"/>
+            </ac:spMkLst>
+          </pc:spChg>
+          <pc:grpChg chg="mod">
+            <ac:chgData name="Shalini Kupparaju" userId="f2abd47b8b13236a" providerId="LiveId" clId="{62DC6F10-91A0-4946-82C7-534205155A14}" dt="2025-07-15T11:06:24.933" v="109"/>
+            <ac:grpSpMkLst>
+              <pc:docMk/>
+              <pc:sldMasterMk cId="3795326727" sldId="2147483971"/>
+              <pc:sldLayoutMk cId="2917701824" sldId="2147483980"/>
+              <ac:grpSpMk id="8" creationId="{00000000-0000-0000-0000-000000000000}"/>
+            </ac:grpSpMkLst>
+          </pc:grpChg>
+          <pc:cxnChg chg="mod">
+            <ac:chgData name="Shalini Kupparaju" userId="f2abd47b8b13236a" providerId="LiveId" clId="{62DC6F10-91A0-4946-82C7-534205155A14}" dt="2025-07-15T11:06:24.933" v="109"/>
+            <ac:cxnSpMkLst>
+              <pc:docMk/>
+              <pc:sldMasterMk cId="3795326727" sldId="2147483971"/>
+              <pc:sldLayoutMk cId="2917701824" sldId="2147483980"/>
+              <ac:cxnSpMk id="31" creationId="{00000000-0000-0000-0000-000000000000}"/>
+            </ac:cxnSpMkLst>
+          </pc:cxnChg>
+        </pc:sldLayoutChg>
+        <pc:sldLayoutChg chg="modSp">
+          <pc:chgData name="Shalini Kupparaju" userId="f2abd47b8b13236a" providerId="LiveId" clId="{62DC6F10-91A0-4946-82C7-534205155A14}" dt="2025-07-15T11:06:24.933" v="109"/>
+          <pc:sldLayoutMkLst>
+            <pc:docMk/>
+            <pc:sldMasterMk cId="3795326727" sldId="2147483971"/>
+            <pc:sldLayoutMk cId="1597642895" sldId="2147483981"/>
+          </pc:sldLayoutMkLst>
+          <pc:cxnChg chg="mod">
+            <ac:chgData name="Shalini Kupparaju" userId="f2abd47b8b13236a" providerId="LiveId" clId="{62DC6F10-91A0-4946-82C7-534205155A14}" dt="2025-07-15T11:06:24.933" v="109"/>
+            <ac:cxnSpMkLst>
+              <pc:docMk/>
+              <pc:sldMasterMk cId="3795326727" sldId="2147483971"/>
+              <pc:sldLayoutMk cId="1597642895" sldId="2147483981"/>
+              <ac:cxnSpMk id="26" creationId="{00000000-0000-0000-0000-000000000000}"/>
+            </ac:cxnSpMkLst>
+          </pc:cxnChg>
+        </pc:sldLayoutChg>
+        <pc:sldLayoutChg chg="modSp">
+          <pc:chgData name="Shalini Kupparaju" userId="f2abd47b8b13236a" providerId="LiveId" clId="{62DC6F10-91A0-4946-82C7-534205155A14}" dt="2025-07-15T11:06:24.933" v="109"/>
+          <pc:sldLayoutMkLst>
+            <pc:docMk/>
+            <pc:sldMasterMk cId="3795326727" sldId="2147483971"/>
+            <pc:sldLayoutMk cId="1825571751" sldId="2147483982"/>
+          </pc:sldLayoutMkLst>
+          <pc:spChg chg="mod">
+            <ac:chgData name="Shalini Kupparaju" userId="f2abd47b8b13236a" providerId="LiveId" clId="{62DC6F10-91A0-4946-82C7-534205155A14}" dt="2025-07-15T11:06:24.933" v="109"/>
+            <ac:spMkLst>
+              <pc:docMk/>
+              <pc:sldMasterMk cId="3795326727" sldId="2147483971"/>
+              <pc:sldLayoutMk cId="1825571751" sldId="2147483982"/>
+              <ac:spMk id="2" creationId="{00000000-0000-0000-0000-000000000000}"/>
+            </ac:spMkLst>
+          </pc:spChg>
+          <pc:spChg chg="mod">
+            <ac:chgData name="Shalini Kupparaju" userId="f2abd47b8b13236a" providerId="LiveId" clId="{62DC6F10-91A0-4946-82C7-534205155A14}" dt="2025-07-15T11:06:24.933" v="109"/>
+            <ac:spMkLst>
+              <pc:docMk/>
+              <pc:sldMasterMk cId="3795326727" sldId="2147483971"/>
+              <pc:sldLayoutMk cId="1825571751" sldId="2147483982"/>
+              <ac:spMk id="3" creationId="{00000000-0000-0000-0000-000000000000}"/>
+            </ac:spMkLst>
+          </pc:spChg>
+          <pc:cxnChg chg="mod">
+            <ac:chgData name="Shalini Kupparaju" userId="f2abd47b8b13236a" providerId="LiveId" clId="{62DC6F10-91A0-4946-82C7-534205155A14}" dt="2025-07-15T11:06:24.933" v="109"/>
+            <ac:cxnSpMkLst>
+              <pc:docMk/>
+              <pc:sldMasterMk cId="3795326727" sldId="2147483971"/>
+              <pc:sldLayoutMk cId="1825571751" sldId="2147483982"/>
+              <ac:cxnSpMk id="15" creationId="{00000000-0000-0000-0000-000000000000}"/>
+            </ac:cxnSpMkLst>
+          </pc:cxnChg>
+        </pc:sldLayoutChg>
+      </pc:sldMasterChg>
+    </pc:docChg>
+  </pc:docChgLst>
+</pc:chgInfo>
 </file>
 
 <file path=ppt/slideLayouts/slideLayout1.xml><?xml version="1.0" encoding="utf-8"?>
@@ -146,7 +2965,7 @@
         </p:nvSpPr>
         <p:spPr>
           <a:xfrm>
-            <a:off x="2417779" y="802298"/>
+            <a:off x="2417781" y="802300"/>
             <a:ext cx="8637073" cy="2541431"/>
           </a:xfrm>
         </p:spPr>
@@ -180,7 +2999,7 @@
         </p:nvSpPr>
         <p:spPr>
           <a:xfrm>
-            <a:off x="2417780" y="3531204"/>
+            <a:off x="2417780" y="3531206"/>
             <a:ext cx="8637072" cy="977621"/>
           </a:xfrm>
         </p:spPr>
@@ -197,35 +3016,35 @@
                 </a:solidFill>
               </a:defRPr>
             </a:lvl1pPr>
-            <a:lvl2pPr marL="457200" indent="0" algn="ctr">
+            <a:lvl2pPr marL="457189" indent="0" algn="ctr">
               <a:buNone/>
               <a:defRPr sz="1800"/>
             </a:lvl2pPr>
-            <a:lvl3pPr marL="914400" indent="0" algn="ctr">
+            <a:lvl3pPr marL="914377" indent="0" algn="ctr">
               <a:buNone/>
               <a:defRPr sz="1800"/>
             </a:lvl3pPr>
-            <a:lvl4pPr marL="1371600" indent="0" algn="ctr">
+            <a:lvl4pPr marL="1371566" indent="0" algn="ctr">
               <a:buNone/>
               <a:defRPr sz="1600"/>
             </a:lvl4pPr>
-            <a:lvl5pPr marL="1828800" indent="0" algn="ctr">
+            <a:lvl5pPr marL="1828754" indent="0" algn="ctr">
               <a:buNone/>
               <a:defRPr sz="1600"/>
             </a:lvl5pPr>
-            <a:lvl6pPr marL="2286000" indent="0" algn="ctr">
+            <a:lvl6pPr marL="2285943" indent="0" algn="ctr">
               <a:buNone/>
               <a:defRPr sz="1600"/>
             </a:lvl6pPr>
-            <a:lvl7pPr marL="2743200" indent="0" algn="ctr">
+            <a:lvl7pPr marL="2743131" indent="0" algn="ctr">
               <a:buNone/>
               <a:defRPr sz="1600"/>
             </a:lvl7pPr>
-            <a:lvl8pPr marL="3200400" indent="0" algn="ctr">
+            <a:lvl8pPr marL="3200320" indent="0" algn="ctr">
               <a:buNone/>
               <a:defRPr sz="1600"/>
             </a:lvl8pPr>
-            <a:lvl9pPr marL="3657600" indent="0" algn="ctr">
+            <a:lvl9pPr marL="3657509" indent="0" algn="ctr">
               <a:buNone/>
               <a:defRPr sz="1600"/>
             </a:lvl9pPr>
@@ -256,7 +3075,7 @@
           <a:p>
             <a:fld id="{3A80339E-D670-444D-AA47-6A3B5615BE36}" type="datetimeFigureOut">
               <a:rPr lang="en-IN" smtClean="0"/>
-              <a:t>07-05-2025</a:t>
+              <a:t>15-07-2025</a:t>
             </a:fld>
             <a:endParaRPr lang="en-IN"/>
           </a:p>
@@ -274,7 +3093,7 @@
         </p:nvSpPr>
         <p:spPr>
           <a:xfrm>
-            <a:off x="2416500" y="329307"/>
+            <a:off x="2416501" y="329309"/>
             <a:ext cx="4973915" cy="309201"/>
           </a:xfrm>
         </p:spPr>
@@ -298,7 +3117,7 @@
         </p:nvSpPr>
         <p:spPr>
           <a:xfrm>
-            <a:off x="1437664" y="798973"/>
+            <a:off x="1437665" y="798973"/>
             <a:ext cx="811019" cy="503578"/>
           </a:xfrm>
         </p:spPr>
@@ -467,7 +3286,7 @@
           <a:p>
             <a:fld id="{3A80339E-D670-444D-AA47-6A3B5615BE36}" type="datetimeFigureOut">
               <a:rPr lang="en-IN" smtClean="0"/>
-              <a:t>07-05-2025</a:t>
+              <a:t>15-07-2025</a:t>
             </a:fld>
             <a:endParaRPr lang="en-IN"/>
           </a:p>
@@ -524,7 +3343,7 @@
         <p:spPr>
           <a:xfrm>
             <a:off x="1453896" y="1847088"/>
-            <a:ext cx="9607522" cy="0"/>
+            <a:ext cx="9607523" cy="0"/>
           </a:xfrm>
           <a:prstGeom prst="line">
             <a:avLst/>
@@ -588,8 +3407,8 @@
         </p:nvSpPr>
         <p:spPr>
           <a:xfrm>
-            <a:off x="9439111" y="798973"/>
-            <a:ext cx="1615742" cy="4659889"/>
+            <a:off x="9439111" y="798975"/>
+            <a:ext cx="1615743" cy="4659889"/>
           </a:xfrm>
         </p:spPr>
         <p:txBody>
@@ -620,8 +3439,8 @@
         </p:nvSpPr>
         <p:spPr>
           <a:xfrm>
-            <a:off x="1444672" y="798973"/>
-            <a:ext cx="7828830" cy="4659889"/>
+            <a:off x="1444673" y="798975"/>
+            <a:ext cx="7828831" cy="4659889"/>
           </a:xfrm>
         </p:spPr>
         <p:txBody>
@@ -682,7 +3501,7 @@
           <a:p>
             <a:fld id="{3A80339E-D670-444D-AA47-6A3B5615BE36}" type="datetimeFigureOut">
               <a:rPr lang="en-IN" smtClean="0"/>
-              <a:t>07-05-2025</a:t>
+              <a:t>15-07-2025</a:t>
             </a:fld>
             <a:endParaRPr lang="en-IN"/>
           </a:p>
@@ -738,7 +3557,7 @@
         </p:nvCxnSpPr>
         <p:spPr>
           <a:xfrm>
-            <a:off x="9439111" y="798973"/>
+            <a:off x="9439111" y="798975"/>
             <a:ext cx="0" cy="4659889"/>
           </a:xfrm>
           <a:prstGeom prst="line">
@@ -883,7 +3702,7 @@
           <a:p>
             <a:fld id="{3A80339E-D670-444D-AA47-6A3B5615BE36}" type="datetimeFigureOut">
               <a:rPr lang="en-IN" smtClean="0"/>
-              <a:t>07-05-2025</a:t>
+              <a:t>15-07-2025</a:t>
             </a:fld>
             <a:endParaRPr lang="en-IN"/>
           </a:p>
@@ -940,7 +3759,7 @@
         <p:spPr>
           <a:xfrm>
             <a:off x="1453896" y="1847088"/>
-            <a:ext cx="9607522" cy="0"/>
+            <a:ext cx="9607523" cy="0"/>
           </a:xfrm>
           <a:prstGeom prst="line">
             <a:avLst/>
@@ -1005,7 +3824,7 @@
         <p:spPr>
           <a:xfrm>
             <a:off x="1454239" y="1756130"/>
-            <a:ext cx="8643154" cy="1887950"/>
+            <a:ext cx="8643155" cy="1887950"/>
           </a:xfrm>
         </p:spPr>
         <p:txBody>
@@ -1038,8 +3857,8 @@
         </p:nvSpPr>
         <p:spPr>
           <a:xfrm>
-            <a:off x="1454239" y="3806195"/>
-            <a:ext cx="8630446" cy="1012929"/>
+            <a:off x="1454239" y="3806197"/>
+            <a:ext cx="8630447" cy="1012929"/>
           </a:xfrm>
         </p:spPr>
         <p:txBody>
@@ -1055,7 +3874,7 @@
                 </a:solidFill>
               </a:defRPr>
             </a:lvl1pPr>
-            <a:lvl2pPr marL="457200" indent="0">
+            <a:lvl2pPr marL="457189" indent="0">
               <a:buNone/>
               <a:defRPr sz="1800">
                 <a:solidFill>
@@ -1065,7 +3884,7 @@
                 </a:solidFill>
               </a:defRPr>
             </a:lvl2pPr>
-            <a:lvl3pPr marL="914400" indent="0">
+            <a:lvl3pPr marL="914377" indent="0">
               <a:buNone/>
               <a:defRPr sz="1800">
                 <a:solidFill>
@@ -1075,7 +3894,7 @@
                 </a:solidFill>
               </a:defRPr>
             </a:lvl3pPr>
-            <a:lvl4pPr marL="1371600" indent="0">
+            <a:lvl4pPr marL="1371566" indent="0">
               <a:buNone/>
               <a:defRPr sz="1600">
                 <a:solidFill>
@@ -1085,7 +3904,7 @@
                 </a:solidFill>
               </a:defRPr>
             </a:lvl4pPr>
-            <a:lvl5pPr marL="1828800" indent="0">
+            <a:lvl5pPr marL="1828754" indent="0">
               <a:buNone/>
               <a:defRPr sz="1600">
                 <a:solidFill>
@@ -1095,7 +3914,7 @@
                 </a:solidFill>
               </a:defRPr>
             </a:lvl5pPr>
-            <a:lvl6pPr marL="2286000" indent="0">
+            <a:lvl6pPr marL="2285943" indent="0">
               <a:buNone/>
               <a:defRPr sz="1600">
                 <a:solidFill>
@@ -1105,7 +3924,7 @@
                 </a:solidFill>
               </a:defRPr>
             </a:lvl6pPr>
-            <a:lvl7pPr marL="2743200" indent="0">
+            <a:lvl7pPr marL="2743131" indent="0">
               <a:buNone/>
               <a:defRPr sz="1600">
                 <a:solidFill>
@@ -1115,7 +3934,7 @@
                 </a:solidFill>
               </a:defRPr>
             </a:lvl7pPr>
-            <a:lvl8pPr marL="3200400" indent="0">
+            <a:lvl8pPr marL="3200320" indent="0">
               <a:buNone/>
               <a:defRPr sz="1600">
                 <a:solidFill>
@@ -1125,7 +3944,7 @@
                 </a:solidFill>
               </a:defRPr>
             </a:lvl8pPr>
-            <a:lvl9pPr marL="3657600" indent="0">
+            <a:lvl9pPr marL="3657509" indent="0">
               <a:buNone/>
               <a:defRPr sz="1600">
                 <a:solidFill>
@@ -1162,7 +3981,7 @@
           <a:p>
             <a:fld id="{3A80339E-D670-444D-AA47-6A3B5615BE36}" type="datetimeFigureOut">
               <a:rPr lang="en-IN" smtClean="0"/>
-              <a:t>07-05-2025</a:t>
+              <a:t>15-07-2025</a:t>
             </a:fld>
             <a:endParaRPr lang="en-IN"/>
           </a:p>
@@ -1219,7 +4038,7 @@
         <p:spPr>
           <a:xfrm>
             <a:off x="1454239" y="3804985"/>
-            <a:ext cx="8630446" cy="0"/>
+            <a:ext cx="8630447" cy="0"/>
           </a:xfrm>
           <a:prstGeom prst="line">
             <a:avLst/>
@@ -1283,7 +4102,7 @@
         </p:nvSpPr>
         <p:spPr>
           <a:xfrm>
-            <a:off x="1449217" y="804889"/>
+            <a:off x="1449217" y="804891"/>
             <a:ext cx="9605635" cy="1059305"/>
           </a:xfrm>
         </p:spPr>
@@ -1311,7 +4130,7 @@
         </p:nvSpPr>
         <p:spPr>
           <a:xfrm>
-            <a:off x="1447331" y="2010878"/>
+            <a:off x="1447331" y="2010879"/>
             <a:ext cx="4645152" cy="3448595"/>
           </a:xfrm>
         </p:spPr>
@@ -1430,7 +4249,7 @@
           <a:p>
             <a:fld id="{3A80339E-D670-444D-AA47-6A3B5615BE36}" type="datetimeFigureOut">
               <a:rPr lang="en-IN" smtClean="0"/>
-              <a:t>07-05-2025</a:t>
+              <a:t>15-07-2025</a:t>
             </a:fld>
             <a:endParaRPr lang="en-IN"/>
           </a:p>
@@ -1487,7 +4306,7 @@
         <p:spPr>
           <a:xfrm>
             <a:off x="1453896" y="1847088"/>
-            <a:ext cx="9607522" cy="0"/>
+            <a:ext cx="9607523" cy="0"/>
           </a:xfrm>
           <a:prstGeom prst="line">
             <a:avLst/>
@@ -1551,7 +4370,7 @@
         </p:nvSpPr>
         <p:spPr>
           <a:xfrm>
-            <a:off x="1447191" y="804163"/>
+            <a:off x="1447192" y="804165"/>
             <a:ext cx="9607661" cy="1056319"/>
           </a:xfrm>
         </p:spPr>
@@ -1579,7 +4398,7 @@
         </p:nvSpPr>
         <p:spPr>
           <a:xfrm>
-            <a:off x="1447191" y="2019549"/>
+            <a:off x="1447191" y="2019551"/>
             <a:ext cx="4645152" cy="801943"/>
           </a:xfrm>
         </p:spPr>
@@ -1599,35 +4418,35 @@
                 </a:solidFill>
               </a:defRPr>
             </a:lvl1pPr>
-            <a:lvl2pPr marL="457200" indent="0">
+            <a:lvl2pPr marL="457189" indent="0">
               <a:buNone/>
               <a:defRPr sz="2000" b="1"/>
             </a:lvl2pPr>
-            <a:lvl3pPr marL="914400" indent="0">
+            <a:lvl3pPr marL="914377" indent="0">
               <a:buNone/>
               <a:defRPr sz="1800" b="1"/>
             </a:lvl3pPr>
-            <a:lvl4pPr marL="1371600" indent="0">
+            <a:lvl4pPr marL="1371566" indent="0">
               <a:buNone/>
               <a:defRPr sz="1600" b="1"/>
             </a:lvl4pPr>
-            <a:lvl5pPr marL="1828800" indent="0">
+            <a:lvl5pPr marL="1828754" indent="0">
               <a:buNone/>
               <a:defRPr sz="1600" b="1"/>
             </a:lvl5pPr>
-            <a:lvl6pPr marL="2286000" indent="0">
+            <a:lvl6pPr marL="2285943" indent="0">
               <a:buNone/>
               <a:defRPr sz="1600" b="1"/>
             </a:lvl6pPr>
-            <a:lvl7pPr marL="2743200" indent="0">
+            <a:lvl7pPr marL="2743131" indent="0">
               <a:buNone/>
               <a:defRPr sz="1600" b="1"/>
             </a:lvl7pPr>
-            <a:lvl8pPr marL="3200400" indent="0">
+            <a:lvl8pPr marL="3200320" indent="0">
               <a:buNone/>
               <a:defRPr sz="1600" b="1"/>
             </a:lvl8pPr>
-            <a:lvl9pPr marL="3657600" indent="0">
+            <a:lvl9pPr marL="3657509" indent="0">
               <a:buNone/>
               <a:defRPr sz="1600" b="1"/>
             </a:lvl9pPr>
@@ -1653,7 +4472,7 @@
         </p:nvSpPr>
         <p:spPr>
           <a:xfrm>
-            <a:off x="1447191" y="2824269"/>
+            <a:off x="1447191" y="2824271"/>
             <a:ext cx="4645152" cy="2644457"/>
           </a:xfrm>
         </p:spPr>
@@ -1710,7 +4529,7 @@
         </p:nvSpPr>
         <p:spPr>
           <a:xfrm>
-            <a:off x="6412362" y="2023003"/>
+            <a:off x="6412363" y="2023005"/>
             <a:ext cx="4645152" cy="802237"/>
           </a:xfrm>
         </p:spPr>
@@ -1730,35 +4549,35 @@
                 </a:solidFill>
               </a:defRPr>
             </a:lvl1pPr>
-            <a:lvl2pPr marL="457200" indent="0">
+            <a:lvl2pPr marL="457189" indent="0">
               <a:buNone/>
               <a:defRPr sz="2000" b="1"/>
             </a:lvl2pPr>
-            <a:lvl3pPr marL="914400" indent="0">
+            <a:lvl3pPr marL="914377" indent="0">
               <a:buNone/>
               <a:defRPr sz="1800" b="1"/>
             </a:lvl3pPr>
-            <a:lvl4pPr marL="1371600" indent="0">
+            <a:lvl4pPr marL="1371566" indent="0">
               <a:buNone/>
               <a:defRPr sz="1600" b="1"/>
             </a:lvl4pPr>
-            <a:lvl5pPr marL="1828800" indent="0">
+            <a:lvl5pPr marL="1828754" indent="0">
               <a:buNone/>
               <a:defRPr sz="1600" b="1"/>
             </a:lvl5pPr>
-            <a:lvl6pPr marL="2286000" indent="0">
+            <a:lvl6pPr marL="2285943" indent="0">
               <a:buNone/>
               <a:defRPr sz="1600" b="1"/>
             </a:lvl6pPr>
-            <a:lvl7pPr marL="2743200" indent="0">
+            <a:lvl7pPr marL="2743131" indent="0">
               <a:buNone/>
               <a:defRPr sz="1600" b="1"/>
             </a:lvl7pPr>
-            <a:lvl8pPr marL="3200400" indent="0">
+            <a:lvl8pPr marL="3200320" indent="0">
               <a:buNone/>
               <a:defRPr sz="1600" b="1"/>
             </a:lvl8pPr>
-            <a:lvl9pPr marL="3657600" indent="0">
+            <a:lvl9pPr marL="3657509" indent="0">
               <a:buNone/>
               <a:defRPr sz="1600" b="1"/>
             </a:lvl9pPr>
@@ -1784,7 +4603,7 @@
         </p:nvSpPr>
         <p:spPr>
           <a:xfrm>
-            <a:off x="6412362" y="2821491"/>
+            <a:off x="6412363" y="2821491"/>
             <a:ext cx="4645152" cy="2637371"/>
           </a:xfrm>
         </p:spPr>
@@ -1846,7 +4665,7 @@
           <a:p>
             <a:fld id="{3A80339E-D670-444D-AA47-6A3B5615BE36}" type="datetimeFigureOut">
               <a:rPr lang="en-IN" smtClean="0"/>
-              <a:t>07-05-2025</a:t>
+              <a:t>15-07-2025</a:t>
             </a:fld>
             <a:endParaRPr lang="en-IN"/>
           </a:p>
@@ -1903,7 +4722,7 @@
         <p:spPr>
           <a:xfrm>
             <a:off x="1453896" y="1847088"/>
-            <a:ext cx="9607522" cy="0"/>
+            <a:ext cx="9607523" cy="0"/>
           </a:xfrm>
           <a:prstGeom prst="line">
             <a:avLst/>
@@ -1995,7 +4814,7 @@
           <a:p>
             <a:fld id="{3A80339E-D670-444D-AA47-6A3B5615BE36}" type="datetimeFigureOut">
               <a:rPr lang="en-IN" smtClean="0"/>
-              <a:t>07-05-2025</a:t>
+              <a:t>15-07-2025</a:t>
             </a:fld>
             <a:endParaRPr lang="en-IN"/>
           </a:p>
@@ -2052,7 +4871,7 @@
         <p:spPr>
           <a:xfrm>
             <a:off x="1453896" y="1847088"/>
-            <a:ext cx="9607522" cy="0"/>
+            <a:ext cx="9607523" cy="0"/>
           </a:xfrm>
           <a:prstGeom prst="line">
             <a:avLst/>
@@ -2121,7 +4940,7 @@
           <a:p>
             <a:fld id="{3A80339E-D670-444D-AA47-6A3B5615BE36}" type="datetimeFigureOut">
               <a:rPr lang="en-IN" smtClean="0"/>
-              <a:t>07-05-2025</a:t>
+              <a:t>15-07-2025</a:t>
             </a:fld>
             <a:endParaRPr lang="en-IN"/>
           </a:p>
@@ -2211,7 +5030,7 @@
         </p:nvSpPr>
         <p:spPr>
           <a:xfrm>
-            <a:off x="1444671" y="798973"/>
+            <a:off x="1444672" y="798973"/>
             <a:ext cx="3273099" cy="2247117"/>
           </a:xfrm>
         </p:spPr>
@@ -2246,7 +5065,7 @@
         <p:spPr>
           <a:xfrm>
             <a:off x="5043714" y="798974"/>
-            <a:ext cx="6012470" cy="4658826"/>
+            <a:ext cx="6012471" cy="4658826"/>
           </a:xfrm>
         </p:spPr>
         <p:txBody>
@@ -2302,7 +5121,7 @@
         </p:nvSpPr>
         <p:spPr>
           <a:xfrm>
-            <a:off x="1444671" y="3205491"/>
+            <a:off x="1444672" y="3205493"/>
             <a:ext cx="3275013" cy="2248181"/>
           </a:xfrm>
         </p:spPr>
@@ -2313,35 +5132,35 @@
               <a:buNone/>
               <a:defRPr sz="1600"/>
             </a:lvl1pPr>
-            <a:lvl2pPr marL="457200" indent="0">
+            <a:lvl2pPr marL="457189" indent="0">
               <a:buNone/>
               <a:defRPr sz="1400"/>
             </a:lvl2pPr>
-            <a:lvl3pPr marL="914400" indent="0">
+            <a:lvl3pPr marL="914377" indent="0">
               <a:buNone/>
               <a:defRPr sz="1200"/>
             </a:lvl3pPr>
-            <a:lvl4pPr marL="1371600" indent="0">
+            <a:lvl4pPr marL="1371566" indent="0">
               <a:buNone/>
               <a:defRPr sz="1000"/>
             </a:lvl4pPr>
-            <a:lvl5pPr marL="1828800" indent="0">
+            <a:lvl5pPr marL="1828754" indent="0">
               <a:buNone/>
               <a:defRPr sz="1000"/>
             </a:lvl5pPr>
-            <a:lvl6pPr marL="2286000" indent="0">
+            <a:lvl6pPr marL="2285943" indent="0">
               <a:buNone/>
               <a:defRPr sz="1000"/>
             </a:lvl6pPr>
-            <a:lvl7pPr marL="2743200" indent="0">
+            <a:lvl7pPr marL="2743131" indent="0">
               <a:buNone/>
               <a:defRPr sz="1000"/>
             </a:lvl7pPr>
-            <a:lvl8pPr marL="3200400" indent="0">
+            <a:lvl8pPr marL="3200320" indent="0">
               <a:buNone/>
               <a:defRPr sz="1000"/>
             </a:lvl8pPr>
-            <a:lvl9pPr marL="3657600" indent="0">
+            <a:lvl9pPr marL="3657509" indent="0">
               <a:buNone/>
               <a:defRPr sz="1000"/>
             </a:lvl9pPr>
@@ -2372,7 +5191,7 @@
           <a:p>
             <a:fld id="{3A80339E-D670-444D-AA47-6A3B5615BE36}" type="datetimeFigureOut">
               <a:rPr lang="en-IN" smtClean="0"/>
-              <a:t>07-05-2025</a:t>
+              <a:t>15-07-2025</a:t>
             </a:fld>
             <a:endParaRPr lang="en-IN"/>
           </a:p>
@@ -2429,7 +5248,7 @@
         <p:spPr>
           <a:xfrm>
             <a:off x="1448280" y="3205491"/>
-            <a:ext cx="3269490" cy="0"/>
+            <a:ext cx="3269491" cy="0"/>
           </a:xfrm>
           <a:prstGeom prst="line">
             <a:avLst/>
@@ -2489,7 +5308,7 @@
         </p:nvGrpSpPr>
         <p:grpSpPr>
           <a:xfrm>
-            <a:off x="7477387" y="482170"/>
+            <a:off x="7477388" y="482172"/>
             <a:ext cx="4074533" cy="5149101"/>
             <a:chOff x="7477387" y="482170"/>
             <a:chExt cx="4074533" cy="5149101"/>
@@ -2627,7 +5446,7 @@
         </p:nvSpPr>
         <p:spPr>
           <a:xfrm>
-            <a:off x="1451206" y="1129513"/>
+            <a:off x="1451207" y="1129513"/>
             <a:ext cx="5532328" cy="1830584"/>
           </a:xfrm>
         </p:spPr>
@@ -2661,7 +5480,7 @@
         </p:nvSpPr>
         <p:spPr>
           <a:xfrm>
-            <a:off x="8124389" y="1122542"/>
+            <a:off x="8124389" y="1122544"/>
             <a:ext cx="2791171" cy="3866327"/>
           </a:xfrm>
           <a:solidFill>
@@ -2682,35 +5501,35 @@
               <a:buNone/>
               <a:defRPr sz="3200"/>
             </a:lvl1pPr>
-            <a:lvl2pPr marL="457200" indent="0">
+            <a:lvl2pPr marL="457189" indent="0">
               <a:buNone/>
               <a:defRPr sz="2800"/>
             </a:lvl2pPr>
-            <a:lvl3pPr marL="914400" indent="0">
+            <a:lvl3pPr marL="914377" indent="0">
               <a:buNone/>
               <a:defRPr sz="2400"/>
             </a:lvl3pPr>
-            <a:lvl4pPr marL="1371600" indent="0">
+            <a:lvl4pPr marL="1371566" indent="0">
               <a:buNone/>
               <a:defRPr sz="2000"/>
             </a:lvl4pPr>
-            <a:lvl5pPr marL="1828800" indent="0">
+            <a:lvl5pPr marL="1828754" indent="0">
               <a:buNone/>
               <a:defRPr sz="2000"/>
             </a:lvl5pPr>
-            <a:lvl6pPr marL="2286000" indent="0">
+            <a:lvl6pPr marL="2285943" indent="0">
               <a:buNone/>
               <a:defRPr sz="2000"/>
             </a:lvl6pPr>
-            <a:lvl7pPr marL="2743200" indent="0">
+            <a:lvl7pPr marL="2743131" indent="0">
               <a:buNone/>
               <a:defRPr sz="2000"/>
             </a:lvl7pPr>
-            <a:lvl8pPr marL="3200400" indent="0">
+            <a:lvl8pPr marL="3200320" indent="0">
               <a:buNone/>
               <a:defRPr sz="2000"/>
             </a:lvl8pPr>
-            <a:lvl9pPr marL="3657600" indent="0">
+            <a:lvl9pPr marL="3657509" indent="0">
               <a:buNone/>
               <a:defRPr sz="2000"/>
             </a:lvl9pPr>
@@ -2736,7 +5555,7 @@
         </p:nvSpPr>
         <p:spPr>
           <a:xfrm>
-            <a:off x="1450329" y="3145992"/>
+            <a:off x="1450330" y="3145992"/>
             <a:ext cx="5524404" cy="2003742"/>
           </a:xfrm>
         </p:spPr>
@@ -2749,35 +5568,35 @@
               <a:buNone/>
               <a:defRPr sz="1800"/>
             </a:lvl1pPr>
-            <a:lvl2pPr marL="457200" indent="0">
+            <a:lvl2pPr marL="457189" indent="0">
               <a:buNone/>
               <a:defRPr sz="1400"/>
             </a:lvl2pPr>
-            <a:lvl3pPr marL="914400" indent="0">
+            <a:lvl3pPr marL="914377" indent="0">
               <a:buNone/>
               <a:defRPr sz="1200"/>
             </a:lvl3pPr>
-            <a:lvl4pPr marL="1371600" indent="0">
+            <a:lvl4pPr marL="1371566" indent="0">
               <a:buNone/>
               <a:defRPr sz="1000"/>
             </a:lvl4pPr>
-            <a:lvl5pPr marL="1828800" indent="0">
+            <a:lvl5pPr marL="1828754" indent="0">
               <a:buNone/>
               <a:defRPr sz="1000"/>
             </a:lvl5pPr>
-            <a:lvl6pPr marL="2286000" indent="0">
+            <a:lvl6pPr marL="2285943" indent="0">
               <a:buNone/>
               <a:defRPr sz="1000"/>
             </a:lvl6pPr>
-            <a:lvl7pPr marL="2743200" indent="0">
+            <a:lvl7pPr marL="2743131" indent="0">
               <a:buNone/>
               <a:defRPr sz="1000"/>
             </a:lvl7pPr>
-            <a:lvl8pPr marL="3200400" indent="0">
+            <a:lvl8pPr marL="3200320" indent="0">
               <a:buNone/>
               <a:defRPr sz="1000"/>
             </a:lvl8pPr>
-            <a:lvl9pPr marL="3657600" indent="0">
+            <a:lvl9pPr marL="3657509" indent="0">
               <a:buNone/>
               <a:defRPr sz="1000"/>
             </a:lvl9pPr>
@@ -2803,7 +5622,7 @@
         </p:nvSpPr>
         <p:spPr>
           <a:xfrm>
-            <a:off x="1447382" y="5469856"/>
+            <a:off x="1447383" y="5469858"/>
             <a:ext cx="5527351" cy="320123"/>
           </a:xfrm>
         </p:spPr>
@@ -2817,7 +5636,7 @@
           <a:p>
             <a:fld id="{3A80339E-D670-444D-AA47-6A3B5615BE36}" type="datetimeFigureOut">
               <a:rPr lang="en-IN" smtClean="0"/>
-              <a:t>07-05-2025</a:t>
+              <a:t>15-07-2025</a:t>
             </a:fld>
             <a:endParaRPr lang="en-IN"/>
           </a:p>
@@ -2835,7 +5654,7 @@
         </p:nvSpPr>
         <p:spPr>
           <a:xfrm>
-            <a:off x="1447382" y="318640"/>
+            <a:off x="1447383" y="318642"/>
             <a:ext cx="5541004" cy="320931"/>
           </a:xfrm>
         </p:spPr>
@@ -2878,7 +5697,7 @@
         </p:nvCxnSpPr>
         <p:spPr>
           <a:xfrm>
-            <a:off x="1447382" y="3143605"/>
+            <a:off x="1447383" y="3143605"/>
             <a:ext cx="5527351" cy="0"/>
           </a:xfrm>
           <a:prstGeom prst="line">
@@ -2944,7 +5763,7 @@
         </p:nvSpPr>
         <p:spPr>
           <a:xfrm>
-            <a:off x="0" y="2019476"/>
+            <a:off x="0" y="2019478"/>
             <a:ext cx="12192000" cy="4105941"/>
           </a:xfrm>
           <a:prstGeom prst="rect">
@@ -3026,7 +5845,7 @@
         </p:nvSpPr>
         <p:spPr>
           <a:xfrm>
-            <a:off x="1451579" y="804519"/>
+            <a:off x="1451580" y="804521"/>
             <a:ext cx="9603275" cy="1049235"/>
           </a:xfrm>
           <a:prstGeom prst="rect">
@@ -3059,7 +5878,7 @@
         </p:nvSpPr>
         <p:spPr>
           <a:xfrm>
-            <a:off x="1451579" y="2015732"/>
+            <a:off x="1451580" y="2015734"/>
             <a:ext cx="9603275" cy="3450613"/>
           </a:xfrm>
           <a:prstGeom prst="rect">
@@ -3121,7 +5940,7 @@
         </p:nvSpPr>
         <p:spPr>
           <a:xfrm>
-            <a:off x="7554138" y="330370"/>
+            <a:off x="7554139" y="330370"/>
             <a:ext cx="3500715" cy="309201"/>
           </a:xfrm>
           <a:prstGeom prst="rect">
@@ -3144,7 +5963,7 @@
           <a:p>
             <a:fld id="{3A80339E-D670-444D-AA47-6A3B5615BE36}" type="datetimeFigureOut">
               <a:rPr lang="en-IN" smtClean="0"/>
-              <a:t>07-05-2025</a:t>
+              <a:t>15-07-2025</a:t>
             </a:fld>
             <a:endParaRPr lang="en-IN"/>
           </a:p>
@@ -3162,7 +5981,7 @@
         </p:nvSpPr>
         <p:spPr>
           <a:xfrm>
-            <a:off x="1451579" y="329307"/>
+            <a:off x="1451579" y="329309"/>
             <a:ext cx="5938836" cy="309201"/>
           </a:xfrm>
           <a:prstGeom prst="rect">
@@ -3199,7 +6018,7 @@
         </p:nvSpPr>
         <p:spPr>
           <a:xfrm>
-            <a:off x="480060" y="798973"/>
+            <a:off x="480061" y="798973"/>
             <a:ext cx="811019" cy="503578"/>
           </a:xfrm>
           <a:prstGeom prst="rect">
@@ -3286,7 +6105,7 @@
   </p:sldLayoutIdLst>
   <p:txStyles>
     <p:titleStyle>
-      <a:lvl1pPr algn="l" defTabSz="914400" rtl="0" eaLnBrk="1" latinLnBrk="0" hangingPunct="1">
+      <a:lvl1pPr algn="l" defTabSz="914377" rtl="0" eaLnBrk="1" latinLnBrk="0" hangingPunct="1">
         <a:lnSpc>
           <a:spcPct val="90000"/>
         </a:lnSpc>
@@ -3306,7 +6125,7 @@
       </a:lvl1pPr>
     </p:titleStyle>
     <p:bodyStyle>
-      <a:lvl1pPr marL="228600" indent="-228600" algn="l" defTabSz="914400" rtl="0" eaLnBrk="1" latinLnBrk="0" hangingPunct="1">
+      <a:lvl1pPr marL="228594" indent="-228594" algn="l" defTabSz="914377" rtl="0" eaLnBrk="1" latinLnBrk="0" hangingPunct="1">
         <a:lnSpc>
           <a:spcPct val="120000"/>
         </a:lnSpc>
@@ -3329,7 +6148,7 @@
           <a:cs typeface="+mn-cs"/>
         </a:defRPr>
       </a:lvl1pPr>
-      <a:lvl2pPr marL="685800" indent="-228600" algn="l" defTabSz="914400" rtl="0" eaLnBrk="1" latinLnBrk="0" hangingPunct="1">
+      <a:lvl2pPr marL="685783" indent="-228594" algn="l" defTabSz="914377" rtl="0" eaLnBrk="1" latinLnBrk="0" hangingPunct="1">
         <a:lnSpc>
           <a:spcPct val="120000"/>
         </a:lnSpc>
@@ -3352,7 +6171,7 @@
           <a:cs typeface="+mn-cs"/>
         </a:defRPr>
       </a:lvl2pPr>
-      <a:lvl3pPr marL="1143000" indent="-228600" algn="l" defTabSz="914400" rtl="0" eaLnBrk="1" latinLnBrk="0" hangingPunct="1">
+      <a:lvl3pPr marL="1142971" indent="-228594" algn="l" defTabSz="914377" rtl="0" eaLnBrk="1" latinLnBrk="0" hangingPunct="1">
         <a:lnSpc>
           <a:spcPct val="120000"/>
         </a:lnSpc>
@@ -3375,7 +6194,7 @@
           <a:cs typeface="+mn-cs"/>
         </a:defRPr>
       </a:lvl3pPr>
-      <a:lvl4pPr marL="1600200" indent="-228600" algn="l" defTabSz="914400" rtl="0" eaLnBrk="1" latinLnBrk="0" hangingPunct="1">
+      <a:lvl4pPr marL="1600160" indent="-228594" algn="l" defTabSz="914377" rtl="0" eaLnBrk="1" latinLnBrk="0" hangingPunct="1">
         <a:lnSpc>
           <a:spcPct val="120000"/>
         </a:lnSpc>
@@ -3398,7 +6217,7 @@
           <a:cs typeface="+mn-cs"/>
         </a:defRPr>
       </a:lvl4pPr>
-      <a:lvl5pPr marL="2057400" indent="-228600" algn="l" defTabSz="914400" rtl="0" eaLnBrk="1" latinLnBrk="0" hangingPunct="1">
+      <a:lvl5pPr marL="2057349" indent="-228594" algn="l" defTabSz="914377" rtl="0" eaLnBrk="1" latinLnBrk="0" hangingPunct="1">
         <a:lnSpc>
           <a:spcPct val="120000"/>
         </a:lnSpc>
@@ -3421,7 +6240,7 @@
           <a:cs typeface="+mn-cs"/>
         </a:defRPr>
       </a:lvl5pPr>
-      <a:lvl6pPr marL="2514600" indent="-228600" algn="l" defTabSz="914400" rtl="0" eaLnBrk="1" latinLnBrk="0" hangingPunct="1">
+      <a:lvl6pPr marL="2514537" indent="-228594" algn="l" defTabSz="914377" rtl="0" eaLnBrk="1" latinLnBrk="0" hangingPunct="1">
         <a:lnSpc>
           <a:spcPct val="120000"/>
         </a:lnSpc>
@@ -3444,7 +6263,7 @@
           <a:cs typeface="+mn-cs"/>
         </a:defRPr>
       </a:lvl6pPr>
-      <a:lvl7pPr marL="2971800" indent="-228600" algn="l" defTabSz="914400" rtl="0" eaLnBrk="1" latinLnBrk="0" hangingPunct="1">
+      <a:lvl7pPr marL="2971726" indent="-228594" algn="l" defTabSz="914377" rtl="0" eaLnBrk="1" latinLnBrk="0" hangingPunct="1">
         <a:lnSpc>
           <a:spcPct val="120000"/>
         </a:lnSpc>
@@ -3467,7 +6286,7 @@
           <a:cs typeface="+mn-cs"/>
         </a:defRPr>
       </a:lvl7pPr>
-      <a:lvl8pPr marL="3429000" indent="-228600" algn="l" defTabSz="914400" rtl="0" eaLnBrk="1" latinLnBrk="0" hangingPunct="1">
+      <a:lvl8pPr marL="3428914" indent="-228594" algn="l" defTabSz="914377" rtl="0" eaLnBrk="1" latinLnBrk="0" hangingPunct="1">
         <a:lnSpc>
           <a:spcPct val="120000"/>
         </a:lnSpc>
@@ -3490,7 +6309,7 @@
           <a:cs typeface="+mn-cs"/>
         </a:defRPr>
       </a:lvl8pPr>
-      <a:lvl9pPr marL="3886200" indent="-228600" algn="l" defTabSz="914400" rtl="0" eaLnBrk="1" latinLnBrk="0" hangingPunct="1">
+      <a:lvl9pPr marL="3886103" indent="-228594" algn="l" defTabSz="914377" rtl="0" eaLnBrk="1" latinLnBrk="0" hangingPunct="1">
         <a:lnSpc>
           <a:spcPct val="120000"/>
         </a:lnSpc>
@@ -3518,7 +6337,7 @@
       <a:defPPr>
         <a:defRPr lang="en-US"/>
       </a:defPPr>
-      <a:lvl1pPr marL="0" algn="l" defTabSz="914400" rtl="0" eaLnBrk="1" latinLnBrk="0" hangingPunct="1">
+      <a:lvl1pPr marL="0" algn="l" defTabSz="914377" rtl="0" eaLnBrk="1" latinLnBrk="0" hangingPunct="1">
         <a:defRPr sz="1800" kern="1200">
           <a:solidFill>
             <a:schemeClr val="tx1"/>
@@ -3528,7 +6347,7 @@
           <a:cs typeface="+mn-cs"/>
         </a:defRPr>
       </a:lvl1pPr>
-      <a:lvl2pPr marL="457200" algn="l" defTabSz="914400" rtl="0" eaLnBrk="1" latinLnBrk="0" hangingPunct="1">
+      <a:lvl2pPr marL="457189" algn="l" defTabSz="914377" rtl="0" eaLnBrk="1" latinLnBrk="0" hangingPunct="1">
         <a:defRPr sz="1800" kern="1200">
           <a:solidFill>
             <a:schemeClr val="tx1"/>
@@ -3538,7 +6357,7 @@
           <a:cs typeface="+mn-cs"/>
         </a:defRPr>
       </a:lvl2pPr>
-      <a:lvl3pPr marL="914400" algn="l" defTabSz="914400" rtl="0" eaLnBrk="1" latinLnBrk="0" hangingPunct="1">
+      <a:lvl3pPr marL="914377" algn="l" defTabSz="914377" rtl="0" eaLnBrk="1" latinLnBrk="0" hangingPunct="1">
         <a:defRPr sz="1800" kern="1200">
           <a:solidFill>
             <a:schemeClr val="tx1"/>
@@ -3548,7 +6367,7 @@
           <a:cs typeface="+mn-cs"/>
         </a:defRPr>
       </a:lvl3pPr>
-      <a:lvl4pPr marL="1371600" algn="l" defTabSz="914400" rtl="0" eaLnBrk="1" latinLnBrk="0" hangingPunct="1">
+      <a:lvl4pPr marL="1371566" algn="l" defTabSz="914377" rtl="0" eaLnBrk="1" latinLnBrk="0" hangingPunct="1">
         <a:defRPr sz="1800" kern="1200">
           <a:solidFill>
             <a:schemeClr val="tx1"/>
@@ -3558,7 +6377,7 @@
           <a:cs typeface="+mn-cs"/>
         </a:defRPr>
       </a:lvl4pPr>
-      <a:lvl5pPr marL="1828800" algn="l" defTabSz="914400" rtl="0" eaLnBrk="1" latinLnBrk="0" hangingPunct="1">
+      <a:lvl5pPr marL="1828754" algn="l" defTabSz="914377" rtl="0" eaLnBrk="1" latinLnBrk="0" hangingPunct="1">
         <a:defRPr sz="1800" kern="1200">
           <a:solidFill>
             <a:schemeClr val="tx1"/>
@@ -3568,7 +6387,7 @@
           <a:cs typeface="+mn-cs"/>
         </a:defRPr>
       </a:lvl5pPr>
-      <a:lvl6pPr marL="2286000" algn="l" defTabSz="914400" rtl="0" eaLnBrk="1" latinLnBrk="0" hangingPunct="1">
+      <a:lvl6pPr marL="2285943" algn="l" defTabSz="914377" rtl="0" eaLnBrk="1" latinLnBrk="0" hangingPunct="1">
         <a:defRPr sz="1800" kern="1200">
           <a:solidFill>
             <a:schemeClr val="tx1"/>
@@ -3578,7 +6397,7 @@
           <a:cs typeface="+mn-cs"/>
         </a:defRPr>
       </a:lvl6pPr>
-      <a:lvl7pPr marL="2743200" algn="l" defTabSz="914400" rtl="0" eaLnBrk="1" latinLnBrk="0" hangingPunct="1">
+      <a:lvl7pPr marL="2743131" algn="l" defTabSz="914377" rtl="0" eaLnBrk="1" latinLnBrk="0" hangingPunct="1">
         <a:defRPr sz="1800" kern="1200">
           <a:solidFill>
             <a:schemeClr val="tx1"/>
@@ -3588,7 +6407,7 @@
           <a:cs typeface="+mn-cs"/>
         </a:defRPr>
       </a:lvl7pPr>
-      <a:lvl8pPr marL="3200400" algn="l" defTabSz="914400" rtl="0" eaLnBrk="1" latinLnBrk="0" hangingPunct="1">
+      <a:lvl8pPr marL="3200320" algn="l" defTabSz="914377" rtl="0" eaLnBrk="1" latinLnBrk="0" hangingPunct="1">
         <a:defRPr sz="1800" kern="1200">
           <a:solidFill>
             <a:schemeClr val="tx1"/>
@@ -3598,7 +6417,7 @@
           <a:cs typeface="+mn-cs"/>
         </a:defRPr>
       </a:lvl8pPr>
-      <a:lvl9pPr marL="3657600" algn="l" defTabSz="914400" rtl="0" eaLnBrk="1" latinLnBrk="0" hangingPunct="1">
+      <a:lvl9pPr marL="3657509" algn="l" defTabSz="914377" rtl="0" eaLnBrk="1" latinLnBrk="0" hangingPunct="1">
         <a:defRPr sz="1800" kern="1200">
           <a:solidFill>
             <a:schemeClr val="tx1"/>
@@ -3648,7 +6467,7 @@
         </p:nvSpPr>
         <p:spPr>
           <a:xfrm>
-            <a:off x="1278467" y="760569"/>
+            <a:off x="1278481" y="760582"/>
             <a:ext cx="9750985" cy="2541431"/>
           </a:xfrm>
         </p:spPr>
@@ -3684,8 +6503,8 @@
         </p:nvSpPr>
         <p:spPr>
           <a:xfrm>
-            <a:off x="7992533" y="4106332"/>
-            <a:ext cx="2836334" cy="1735667"/>
+            <a:off x="7992537" y="4106343"/>
+            <a:ext cx="2836335" cy="1735668"/>
           </a:xfrm>
         </p:spPr>
         <p:txBody>
@@ -3725,6 +6544,349 @@
 </file>
 
 <file path=ppt/slides/slide10.xml><?xml version="1.0" encoding="utf-8"?>
+<p:sld xmlns:a="http://schemas.openxmlformats.org/drawingml/2006/main" xmlns:r="http://schemas.openxmlformats.org/officeDocument/2006/relationships" xmlns:p="http://schemas.openxmlformats.org/presentationml/2006/main">
+  <p:cSld>
+    <p:spTree>
+      <p:nvGrpSpPr>
+        <p:cNvPr id="1" name=""/>
+        <p:cNvGrpSpPr/>
+        <p:nvPr/>
+      </p:nvGrpSpPr>
+      <p:grpSpPr>
+        <a:xfrm>
+          <a:off x="0" y="0"/>
+          <a:ext cx="0" cy="0"/>
+          <a:chOff x="0" y="0"/>
+          <a:chExt cx="0" cy="0"/>
+        </a:xfrm>
+      </p:grpSpPr>
+      <p:pic>
+        <p:nvPicPr>
+          <p:cNvPr id="5" name="Picture 4" descr="A screenshot of a computer">
+            <a:extLst>
+              <a:ext uri="{FF2B5EF4-FFF2-40B4-BE49-F238E27FC236}">
+                <a16:creationId xmlns:a16="http://schemas.microsoft.com/office/drawing/2014/main" id="{C079E508-778C-0144-72C1-C1B29555E9AE}"/>
+              </a:ext>
+            </a:extLst>
+          </p:cNvPr>
+          <p:cNvPicPr>
+            <a:picLocks noChangeAspect="1"/>
+          </p:cNvPicPr>
+          <p:nvPr/>
+        </p:nvPicPr>
+        <p:blipFill>
+          <a:blip r:embed="rId2">
+            <a:extLst>
+              <a:ext uri="{28A0092B-C50C-407E-A947-70E740481C1C}">
+                <a14:useLocalDpi xmlns:a14="http://schemas.microsoft.com/office/drawing/2010/main" val="0"/>
+              </a:ext>
+            </a:extLst>
+          </a:blip>
+          <a:stretch>
+            <a:fillRect/>
+          </a:stretch>
+        </p:blipFill>
+        <p:spPr>
+          <a:xfrm>
+            <a:off x="787409" y="304811"/>
+            <a:ext cx="10506075" cy="5088468"/>
+          </a:xfrm>
+          <a:prstGeom prst="rect">
+            <a:avLst/>
+          </a:prstGeom>
+        </p:spPr>
+      </p:pic>
+    </p:spTree>
+    <p:extLst>
+      <p:ext uri="{BB962C8B-B14F-4D97-AF65-F5344CB8AC3E}">
+        <p14:creationId xmlns:p14="http://schemas.microsoft.com/office/powerpoint/2010/main" val="1892613059"/>
+      </p:ext>
+    </p:extLst>
+  </p:cSld>
+  <p:clrMapOvr>
+    <a:masterClrMapping/>
+  </p:clrMapOvr>
+</p:sld>
+</file>
+
+<file path=ppt/slides/slide11.xml><?xml version="1.0" encoding="utf-8"?>
+<p:sld xmlns:a="http://schemas.openxmlformats.org/drawingml/2006/main" xmlns:r="http://schemas.openxmlformats.org/officeDocument/2006/relationships" xmlns:p="http://schemas.openxmlformats.org/presentationml/2006/main">
+  <p:cSld>
+    <p:spTree>
+      <p:nvGrpSpPr>
+        <p:cNvPr id="1" name=""/>
+        <p:cNvGrpSpPr/>
+        <p:nvPr/>
+      </p:nvGrpSpPr>
+      <p:grpSpPr>
+        <a:xfrm>
+          <a:off x="0" y="0"/>
+          <a:ext cx="0" cy="0"/>
+          <a:chOff x="0" y="0"/>
+          <a:chExt cx="0" cy="0"/>
+        </a:xfrm>
+      </p:grpSpPr>
+      <p:pic>
+        <p:nvPicPr>
+          <p:cNvPr id="3" name="Picture 2">
+            <a:extLst>
+              <a:ext uri="{FF2B5EF4-FFF2-40B4-BE49-F238E27FC236}">
+                <a16:creationId xmlns:a16="http://schemas.microsoft.com/office/drawing/2014/main" id="{21349F17-61F0-49C9-3DBC-7EE6E5F0FF9C}"/>
+              </a:ext>
+            </a:extLst>
+          </p:cNvPr>
+          <p:cNvPicPr>
+            <a:picLocks noChangeAspect="1"/>
+          </p:cNvPicPr>
+          <p:nvPr/>
+        </p:nvPicPr>
+        <p:blipFill>
+          <a:blip r:embed="rId2"/>
+          <a:stretch>
+            <a:fillRect/>
+          </a:stretch>
+        </p:blipFill>
+        <p:spPr>
+          <a:xfrm>
+            <a:off x="457211" y="372535"/>
+            <a:ext cx="11155892" cy="4842933"/>
+          </a:xfrm>
+          <a:prstGeom prst="rect">
+            <a:avLst/>
+          </a:prstGeom>
+        </p:spPr>
+      </p:pic>
+    </p:spTree>
+    <p:extLst>
+      <p:ext uri="{BB962C8B-B14F-4D97-AF65-F5344CB8AC3E}">
+        <p14:creationId xmlns:p14="http://schemas.microsoft.com/office/powerpoint/2010/main" val="20276657"/>
+      </p:ext>
+    </p:extLst>
+  </p:cSld>
+  <p:clrMapOvr>
+    <a:masterClrMapping/>
+  </p:clrMapOvr>
+</p:sld>
+</file>
+
+<file path=ppt/slides/slide12.xml><?xml version="1.0" encoding="utf-8"?>
+<p:sld xmlns:a="http://schemas.openxmlformats.org/drawingml/2006/main" xmlns:r="http://schemas.openxmlformats.org/officeDocument/2006/relationships" xmlns:p="http://schemas.openxmlformats.org/presentationml/2006/main">
+  <p:cSld>
+    <p:spTree>
+      <p:nvGrpSpPr>
+        <p:cNvPr id="1" name=""/>
+        <p:cNvGrpSpPr/>
+        <p:nvPr/>
+      </p:nvGrpSpPr>
+      <p:grpSpPr>
+        <a:xfrm>
+          <a:off x="0" y="0"/>
+          <a:ext cx="0" cy="0"/>
+          <a:chOff x="0" y="0"/>
+          <a:chExt cx="0" cy="0"/>
+        </a:xfrm>
+      </p:grpSpPr>
+      <p:pic>
+        <p:nvPicPr>
+          <p:cNvPr id="5" name="Picture 4">
+            <a:extLst>
+              <a:ext uri="{FF2B5EF4-FFF2-40B4-BE49-F238E27FC236}">
+                <a16:creationId xmlns:a16="http://schemas.microsoft.com/office/drawing/2014/main" id="{0EBA3270-06EF-E860-3B98-EBE98F54BD0A}"/>
+              </a:ext>
+            </a:extLst>
+          </p:cNvPr>
+          <p:cNvPicPr>
+            <a:picLocks noChangeAspect="1"/>
+          </p:cNvPicPr>
+          <p:nvPr/>
+        </p:nvPicPr>
+        <p:blipFill>
+          <a:blip r:embed="rId2"/>
+          <a:stretch>
+            <a:fillRect/>
+          </a:stretch>
+        </p:blipFill>
+        <p:spPr>
+          <a:xfrm>
+            <a:off x="406406" y="254009"/>
+            <a:ext cx="11377084" cy="4758267"/>
+          </a:xfrm>
+          <a:prstGeom prst="rect">
+            <a:avLst/>
+          </a:prstGeom>
+        </p:spPr>
+      </p:pic>
+    </p:spTree>
+    <p:extLst>
+      <p:ext uri="{BB962C8B-B14F-4D97-AF65-F5344CB8AC3E}">
+        <p14:creationId xmlns:p14="http://schemas.microsoft.com/office/powerpoint/2010/main" val="2445321860"/>
+      </p:ext>
+    </p:extLst>
+  </p:cSld>
+  <p:clrMapOvr>
+    <a:masterClrMapping/>
+  </p:clrMapOvr>
+</p:sld>
+</file>
+
+<file path=ppt/slides/slide13.xml><?xml version="1.0" encoding="utf-8"?>
+<p:sld xmlns:a="http://schemas.openxmlformats.org/drawingml/2006/main" xmlns:r="http://schemas.openxmlformats.org/officeDocument/2006/relationships" xmlns:p="http://schemas.openxmlformats.org/presentationml/2006/main">
+  <p:cSld>
+    <p:spTree>
+      <p:nvGrpSpPr>
+        <p:cNvPr id="1" name=""/>
+        <p:cNvGrpSpPr/>
+        <p:nvPr/>
+      </p:nvGrpSpPr>
+      <p:grpSpPr>
+        <a:xfrm>
+          <a:off x="0" y="0"/>
+          <a:ext cx="0" cy="0"/>
+          <a:chOff x="0" y="0"/>
+          <a:chExt cx="0" cy="0"/>
+        </a:xfrm>
+      </p:grpSpPr>
+      <p:pic>
+        <p:nvPicPr>
+          <p:cNvPr id="3" name="Picture 2">
+            <a:extLst>
+              <a:ext uri="{FF2B5EF4-FFF2-40B4-BE49-F238E27FC236}">
+                <a16:creationId xmlns:a16="http://schemas.microsoft.com/office/drawing/2014/main" id="{8F0E63FA-7FCB-62CB-186A-DA6AC7881034}"/>
+              </a:ext>
+            </a:extLst>
+          </p:cNvPr>
+          <p:cNvPicPr>
+            <a:picLocks noChangeAspect="1"/>
+          </p:cNvPicPr>
+          <p:nvPr/>
+        </p:nvPicPr>
+        <p:blipFill>
+          <a:blip r:embed="rId2"/>
+          <a:stretch>
+            <a:fillRect/>
+          </a:stretch>
+        </p:blipFill>
+        <p:spPr>
+          <a:xfrm>
+            <a:off x="695327" y="1556997"/>
+            <a:ext cx="10658475" cy="4073336"/>
+          </a:xfrm>
+          <a:prstGeom prst="rect">
+            <a:avLst/>
+          </a:prstGeom>
+        </p:spPr>
+      </p:pic>
+      <p:sp>
+        <p:nvSpPr>
+          <p:cNvPr id="7" name="TextBox 6">
+            <a:extLst>
+              <a:ext uri="{FF2B5EF4-FFF2-40B4-BE49-F238E27FC236}">
+                <a16:creationId xmlns:a16="http://schemas.microsoft.com/office/drawing/2014/main" id="{18230549-C5DA-DB29-9798-2B542CED5C4C}"/>
+              </a:ext>
+            </a:extLst>
+          </p:cNvPr>
+          <p:cNvSpPr txBox="1"/>
+          <p:nvPr/>
+        </p:nvSpPr>
+        <p:spPr>
+          <a:xfrm>
+            <a:off x="838209" y="863603"/>
+            <a:ext cx="1972735" cy="584775"/>
+          </a:xfrm>
+          <a:prstGeom prst="rect">
+            <a:avLst/>
+          </a:prstGeom>
+          <a:noFill/>
+        </p:spPr>
+        <p:txBody>
+          <a:bodyPr wrap="square" rtlCol="0">
+            <a:spAutoFit/>
+          </a:bodyPr>
+          <a:lstStyle/>
+          <a:p>
+            <a:r>
+              <a:rPr lang="en-IN" sz="3200" dirty="0">
+                <a:latin typeface="Arial Black" panose="020B0A04020102020204" pitchFamily="34" charset="0"/>
+              </a:rPr>
+              <a:t>JOINS</a:t>
+            </a:r>
+          </a:p>
+        </p:txBody>
+      </p:sp>
+    </p:spTree>
+    <p:extLst>
+      <p:ext uri="{BB962C8B-B14F-4D97-AF65-F5344CB8AC3E}">
+        <p14:creationId xmlns:p14="http://schemas.microsoft.com/office/powerpoint/2010/main" val="3029875799"/>
+      </p:ext>
+    </p:extLst>
+  </p:cSld>
+  <p:clrMapOvr>
+    <a:masterClrMapping/>
+  </p:clrMapOvr>
+</p:sld>
+</file>
+
+<file path=ppt/slides/slide14.xml><?xml version="1.0" encoding="utf-8"?>
+<p:sld xmlns:a="http://schemas.openxmlformats.org/drawingml/2006/main" xmlns:r="http://schemas.openxmlformats.org/officeDocument/2006/relationships" xmlns:p="http://schemas.openxmlformats.org/presentationml/2006/main">
+  <p:cSld>
+    <p:spTree>
+      <p:nvGrpSpPr>
+        <p:cNvPr id="1" name=""/>
+        <p:cNvGrpSpPr/>
+        <p:nvPr/>
+      </p:nvGrpSpPr>
+      <p:grpSpPr>
+        <a:xfrm>
+          <a:off x="0" y="0"/>
+          <a:ext cx="0" cy="0"/>
+          <a:chOff x="0" y="0"/>
+          <a:chExt cx="0" cy="0"/>
+        </a:xfrm>
+      </p:grpSpPr>
+      <p:pic>
+        <p:nvPicPr>
+          <p:cNvPr id="5" name="Picture 4">
+            <a:extLst>
+              <a:ext uri="{FF2B5EF4-FFF2-40B4-BE49-F238E27FC236}">
+                <a16:creationId xmlns:a16="http://schemas.microsoft.com/office/drawing/2014/main" id="{60489FF3-B2E1-36D2-596D-1F613FB496DD}"/>
+              </a:ext>
+            </a:extLst>
+          </p:cNvPr>
+          <p:cNvPicPr>
+            <a:picLocks noChangeAspect="1"/>
+          </p:cNvPicPr>
+          <p:nvPr/>
+        </p:nvPicPr>
+        <p:blipFill>
+          <a:blip r:embed="rId2"/>
+          <a:stretch>
+            <a:fillRect/>
+          </a:stretch>
+        </p:blipFill>
+        <p:spPr>
+          <a:xfrm>
+            <a:off x="621083" y="364076"/>
+            <a:ext cx="10692511" cy="4690533"/>
+          </a:xfrm>
+          <a:prstGeom prst="rect">
+            <a:avLst/>
+          </a:prstGeom>
+        </p:spPr>
+      </p:pic>
+    </p:spTree>
+    <p:extLst>
+      <p:ext uri="{BB962C8B-B14F-4D97-AF65-F5344CB8AC3E}">
+        <p14:creationId xmlns:p14="http://schemas.microsoft.com/office/powerpoint/2010/main" val="3626641366"/>
+      </p:ext>
+    </p:extLst>
+  </p:cSld>
+  <p:clrMapOvr>
+    <a:masterClrMapping/>
+  </p:clrMapOvr>
+</p:sld>
+</file>
+
+<file path=ppt/slides/slide15.xml><?xml version="1.0" encoding="utf-8"?>
 <p:sld xmlns:a="http://schemas.openxmlformats.org/drawingml/2006/main" xmlns:r="http://schemas.openxmlformats.org/officeDocument/2006/relationships" xmlns:p="http://schemas.openxmlformats.org/presentationml/2006/main">
   <p:cSld>
     <p:spTree>
@@ -3763,38 +6925,8 @@
         </p:blipFill>
         <p:spPr>
           <a:xfrm>
-            <a:off x="190500" y="200026"/>
-            <a:ext cx="10835118" cy="2571750"/>
-          </a:xfrm>
-          <a:prstGeom prst="rect">
-            <a:avLst/>
-          </a:prstGeom>
-        </p:spPr>
-      </p:pic>
-      <p:pic>
-        <p:nvPicPr>
-          <p:cNvPr id="5" name="Picture 4">
-            <a:extLst>
-              <a:ext uri="{FF2B5EF4-FFF2-40B4-BE49-F238E27FC236}">
-                <a16:creationId xmlns:a16="http://schemas.microsoft.com/office/drawing/2014/main" id="{E155C087-3F98-108F-7E47-56B1B99E954B}"/>
-              </a:ext>
-            </a:extLst>
-          </p:cNvPr>
-          <p:cNvPicPr>
-            <a:picLocks noChangeAspect="1"/>
-          </p:cNvPicPr>
-          <p:nvPr/>
-        </p:nvPicPr>
-        <p:blipFill>
-          <a:blip r:embed="rId3"/>
-          <a:stretch>
-            <a:fillRect/>
-          </a:stretch>
-        </p:blipFill>
-        <p:spPr>
-          <a:xfrm>
-            <a:off x="185081" y="3052474"/>
-            <a:ext cx="10892493" cy="2710151"/>
+            <a:off x="588438" y="157698"/>
+            <a:ext cx="10835119" cy="5387975"/>
           </a:xfrm>
           <a:prstGeom prst="rect">
             <a:avLst/>
@@ -3814,7 +6946,67 @@
 </p:sld>
 </file>
 
-<file path=ppt/slides/slide11.xml><?xml version="1.0" encoding="utf-8"?>
+<file path=ppt/slides/slide16.xml><?xml version="1.0" encoding="utf-8"?>
+<p:sld xmlns:a="http://schemas.openxmlformats.org/drawingml/2006/main" xmlns:r="http://schemas.openxmlformats.org/officeDocument/2006/relationships" xmlns:p="http://schemas.openxmlformats.org/presentationml/2006/main">
+  <p:cSld>
+    <p:spTree>
+      <p:nvGrpSpPr>
+        <p:cNvPr id="1" name=""/>
+        <p:cNvGrpSpPr/>
+        <p:nvPr/>
+      </p:nvGrpSpPr>
+      <p:grpSpPr>
+        <a:xfrm>
+          <a:off x="0" y="0"/>
+          <a:ext cx="0" cy="0"/>
+          <a:chOff x="0" y="0"/>
+          <a:chExt cx="0" cy="0"/>
+        </a:xfrm>
+      </p:grpSpPr>
+      <p:pic>
+        <p:nvPicPr>
+          <p:cNvPr id="5" name="Picture 4">
+            <a:extLst>
+              <a:ext uri="{FF2B5EF4-FFF2-40B4-BE49-F238E27FC236}">
+                <a16:creationId xmlns:a16="http://schemas.microsoft.com/office/drawing/2014/main" id="{E155C087-3F98-108F-7E47-56B1B99E954B}"/>
+              </a:ext>
+            </a:extLst>
+          </p:cNvPr>
+          <p:cNvPicPr>
+            <a:picLocks noChangeAspect="1"/>
+          </p:cNvPicPr>
+          <p:nvPr/>
+        </p:nvPicPr>
+        <p:blipFill>
+          <a:blip r:embed="rId2"/>
+          <a:stretch>
+            <a:fillRect/>
+          </a:stretch>
+        </p:blipFill>
+        <p:spPr>
+          <a:xfrm>
+            <a:off x="667683" y="211670"/>
+            <a:ext cx="10892495" cy="4936068"/>
+          </a:xfrm>
+          <a:prstGeom prst="rect">
+            <a:avLst/>
+          </a:prstGeom>
+        </p:spPr>
+      </p:pic>
+    </p:spTree>
+    <p:extLst>
+      <p:ext uri="{BB962C8B-B14F-4D97-AF65-F5344CB8AC3E}">
+        <p14:creationId xmlns:p14="http://schemas.microsoft.com/office/powerpoint/2010/main" val="2373287958"/>
+      </p:ext>
+    </p:extLst>
+  </p:cSld>
+  <p:clrMapOvr>
+    <a:masterClrMapping/>
+  </p:clrMapOvr>
+</p:sld>
+</file>
+
+<file path=ppt/slides/slide17.xml><?xml version="1.0" encoding="utf-8"?>
 <p:sld xmlns:a="http://schemas.openxmlformats.org/drawingml/2006/main" xmlns:r="http://schemas.openxmlformats.org/officeDocument/2006/relationships" xmlns:p="http://schemas.openxmlformats.org/presentationml/2006/main">
   <p:cSld>
     <p:spTree>
@@ -3853,8 +7045,8 @@
         </p:blipFill>
         <p:spPr>
           <a:xfrm>
-            <a:off x="295275" y="371178"/>
-            <a:ext cx="11125199" cy="4562772"/>
+            <a:off x="295281" y="371177"/>
+            <a:ext cx="11125199" cy="4979755"/>
           </a:xfrm>
           <a:prstGeom prst="rect">
             <a:avLst/>
@@ -3919,8 +7111,8 @@
         </p:blipFill>
         <p:spPr>
           <a:xfrm>
-            <a:off x="447675" y="1438275"/>
-            <a:ext cx="11109049" cy="4381500"/>
+            <a:off x="447681" y="1083735"/>
+            <a:ext cx="11109049" cy="4736043"/>
           </a:xfrm>
           <a:prstGeom prst="rect">
             <a:avLst/>
@@ -3941,7 +7133,7 @@
         </p:nvSpPr>
         <p:spPr>
           <a:xfrm>
-            <a:off x="504825" y="371475"/>
+            <a:off x="504837" y="371480"/>
             <a:ext cx="3924300" cy="584775"/>
           </a:xfrm>
           <a:prstGeom prst="rect">
@@ -4022,44 +7214,8 @@
         </p:blipFill>
         <p:spPr>
           <a:xfrm>
-            <a:off x="234171" y="117796"/>
-            <a:ext cx="10976754" cy="2596830"/>
-          </a:xfrm>
-          <a:prstGeom prst="rect">
-            <a:avLst/>
-          </a:prstGeom>
-        </p:spPr>
-      </p:pic>
-      <p:pic>
-        <p:nvPicPr>
-          <p:cNvPr id="5" name="Picture 4" descr="A screenshot of a computer">
-            <a:extLst>
-              <a:ext uri="{FF2B5EF4-FFF2-40B4-BE49-F238E27FC236}">
-                <a16:creationId xmlns:a16="http://schemas.microsoft.com/office/drawing/2014/main" id="{126CCD29-EBE6-DFE0-D2C8-D1312285CA24}"/>
-              </a:ext>
-            </a:extLst>
-          </p:cNvPr>
-          <p:cNvPicPr>
-            <a:picLocks noChangeAspect="1"/>
-          </p:cNvPicPr>
-          <p:nvPr/>
-        </p:nvPicPr>
-        <p:blipFill>
-          <a:blip r:embed="rId3">
-            <a:extLst>
-              <a:ext uri="{28A0092B-C50C-407E-A947-70E740481C1C}">
-                <a14:useLocalDpi xmlns:a14="http://schemas.microsoft.com/office/drawing/2010/main" val="0"/>
-              </a:ext>
-            </a:extLst>
-          </a:blip>
-          <a:stretch>
-            <a:fillRect/>
-          </a:stretch>
-        </p:blipFill>
-        <p:spPr>
-          <a:xfrm>
-            <a:off x="234170" y="3009900"/>
-            <a:ext cx="10976754" cy="2505075"/>
+            <a:off x="234170" y="330208"/>
+            <a:ext cx="11348229" cy="5063067"/>
           </a:xfrm>
           <a:prstGeom prst="rect">
             <a:avLst/>
@@ -4080,6 +7236,72 @@
 </file>
 
 <file path=ppt/slides/slide4.xml><?xml version="1.0" encoding="utf-8"?>
+<p:sld xmlns:a="http://schemas.openxmlformats.org/drawingml/2006/main" xmlns:r="http://schemas.openxmlformats.org/officeDocument/2006/relationships" xmlns:p="http://schemas.openxmlformats.org/presentationml/2006/main">
+  <p:cSld>
+    <p:spTree>
+      <p:nvGrpSpPr>
+        <p:cNvPr id="1" name=""/>
+        <p:cNvGrpSpPr/>
+        <p:nvPr/>
+      </p:nvGrpSpPr>
+      <p:grpSpPr>
+        <a:xfrm>
+          <a:off x="0" y="0"/>
+          <a:ext cx="0" cy="0"/>
+          <a:chOff x="0" y="0"/>
+          <a:chExt cx="0" cy="0"/>
+        </a:xfrm>
+      </p:grpSpPr>
+      <p:pic>
+        <p:nvPicPr>
+          <p:cNvPr id="5" name="Picture 4" descr="A screenshot of a computer">
+            <a:extLst>
+              <a:ext uri="{FF2B5EF4-FFF2-40B4-BE49-F238E27FC236}">
+                <a16:creationId xmlns:a16="http://schemas.microsoft.com/office/drawing/2014/main" id="{126CCD29-EBE6-DFE0-D2C8-D1312285CA24}"/>
+              </a:ext>
+            </a:extLst>
+          </p:cNvPr>
+          <p:cNvPicPr>
+            <a:picLocks noChangeAspect="1"/>
+          </p:cNvPicPr>
+          <p:nvPr/>
+        </p:nvPicPr>
+        <p:blipFill>
+          <a:blip r:embed="rId2">
+            <a:extLst>
+              <a:ext uri="{28A0092B-C50C-407E-A947-70E740481C1C}">
+                <a14:useLocalDpi xmlns:a14="http://schemas.microsoft.com/office/drawing/2010/main" val="0"/>
+              </a:ext>
+            </a:extLst>
+          </a:blip>
+          <a:stretch>
+            <a:fillRect/>
+          </a:stretch>
+        </p:blipFill>
+        <p:spPr>
+          <a:xfrm>
+            <a:off x="496646" y="211668"/>
+            <a:ext cx="10976756" cy="5249333"/>
+          </a:xfrm>
+          <a:prstGeom prst="rect">
+            <a:avLst/>
+          </a:prstGeom>
+        </p:spPr>
+      </p:pic>
+    </p:spTree>
+    <p:extLst>
+      <p:ext uri="{BB962C8B-B14F-4D97-AF65-F5344CB8AC3E}">
+        <p14:creationId xmlns:p14="http://schemas.microsoft.com/office/powerpoint/2010/main" val="4240641643"/>
+      </p:ext>
+    </p:extLst>
+  </p:cSld>
+  <p:clrMapOvr>
+    <a:masterClrMapping/>
+  </p:clrMapOvr>
+</p:sld>
+</file>
+
+<file path=ppt/slides/slide5.xml><?xml version="1.0" encoding="utf-8"?>
 <p:sld xmlns:a="http://schemas.openxmlformats.org/drawingml/2006/main" xmlns:r="http://schemas.openxmlformats.org/officeDocument/2006/relationships" xmlns:p="http://schemas.openxmlformats.org/presentationml/2006/main">
   <p:cSld>
     <p:spTree>
@@ -4124,44 +7346,8 @@
         </p:blipFill>
         <p:spPr>
           <a:xfrm>
-            <a:off x="218311" y="238125"/>
-            <a:ext cx="10764014" cy="2171700"/>
-          </a:xfrm>
-          <a:prstGeom prst="rect">
-            <a:avLst/>
-          </a:prstGeom>
-        </p:spPr>
-      </p:pic>
-      <p:pic>
-        <p:nvPicPr>
-          <p:cNvPr id="5" name="Picture 4" descr="A computer screen shot of a computer">
-            <a:extLst>
-              <a:ext uri="{FF2B5EF4-FFF2-40B4-BE49-F238E27FC236}">
-                <a16:creationId xmlns:a16="http://schemas.microsoft.com/office/drawing/2014/main" id="{DA793664-25C6-4A9C-45D4-FE4C4CF8AEC6}"/>
-              </a:ext>
-            </a:extLst>
-          </p:cNvPr>
-          <p:cNvPicPr>
-            <a:picLocks noChangeAspect="1"/>
-          </p:cNvPicPr>
-          <p:nvPr/>
-        </p:nvPicPr>
-        <p:blipFill>
-          <a:blip r:embed="rId3">
-            <a:extLst>
-              <a:ext uri="{28A0092B-C50C-407E-A947-70E740481C1C}">
-                <a14:useLocalDpi xmlns:a14="http://schemas.microsoft.com/office/drawing/2010/main" val="0"/>
-              </a:ext>
-            </a:extLst>
-          </a:blip>
-          <a:stretch>
-            <a:fillRect/>
-          </a:stretch>
-        </p:blipFill>
-        <p:spPr>
-          <a:xfrm>
-            <a:off x="218312" y="2876307"/>
-            <a:ext cx="10764013" cy="2667244"/>
+            <a:off x="734781" y="322797"/>
+            <a:ext cx="10881489" cy="4748743"/>
           </a:xfrm>
           <a:prstGeom prst="rect">
             <a:avLst/>
@@ -4181,7 +7367,73 @@
 </p:sld>
 </file>
 
-<file path=ppt/slides/slide5.xml><?xml version="1.0" encoding="utf-8"?>
+<file path=ppt/slides/slide6.xml><?xml version="1.0" encoding="utf-8"?>
+<p:sld xmlns:a="http://schemas.openxmlformats.org/drawingml/2006/main" xmlns:r="http://schemas.openxmlformats.org/officeDocument/2006/relationships" xmlns:p="http://schemas.openxmlformats.org/presentationml/2006/main">
+  <p:cSld>
+    <p:spTree>
+      <p:nvGrpSpPr>
+        <p:cNvPr id="1" name=""/>
+        <p:cNvGrpSpPr/>
+        <p:nvPr/>
+      </p:nvGrpSpPr>
+      <p:grpSpPr>
+        <a:xfrm>
+          <a:off x="0" y="0"/>
+          <a:ext cx="0" cy="0"/>
+          <a:chOff x="0" y="0"/>
+          <a:chExt cx="0" cy="0"/>
+        </a:xfrm>
+      </p:grpSpPr>
+      <p:pic>
+        <p:nvPicPr>
+          <p:cNvPr id="5" name="Picture 4" descr="A computer screen shot of a computer">
+            <a:extLst>
+              <a:ext uri="{FF2B5EF4-FFF2-40B4-BE49-F238E27FC236}">
+                <a16:creationId xmlns:a16="http://schemas.microsoft.com/office/drawing/2014/main" id="{DA793664-25C6-4A9C-45D4-FE4C4CF8AEC6}"/>
+              </a:ext>
+            </a:extLst>
+          </p:cNvPr>
+          <p:cNvPicPr>
+            <a:picLocks noChangeAspect="1"/>
+          </p:cNvPicPr>
+          <p:nvPr/>
+        </p:nvPicPr>
+        <p:blipFill>
+          <a:blip r:embed="rId2">
+            <a:extLst>
+              <a:ext uri="{28A0092B-C50C-407E-A947-70E740481C1C}">
+                <a14:useLocalDpi xmlns:a14="http://schemas.microsoft.com/office/drawing/2010/main" val="0"/>
+              </a:ext>
+            </a:extLst>
+          </a:blip>
+          <a:stretch>
+            <a:fillRect/>
+          </a:stretch>
+        </p:blipFill>
+        <p:spPr>
+          <a:xfrm>
+            <a:off x="531582" y="279406"/>
+            <a:ext cx="10764015" cy="5213351"/>
+          </a:xfrm>
+          <a:prstGeom prst="rect">
+            <a:avLst/>
+          </a:prstGeom>
+        </p:spPr>
+      </p:pic>
+    </p:spTree>
+    <p:extLst>
+      <p:ext uri="{BB962C8B-B14F-4D97-AF65-F5344CB8AC3E}">
+        <p14:creationId xmlns:p14="http://schemas.microsoft.com/office/powerpoint/2010/main" val="1286354407"/>
+      </p:ext>
+    </p:extLst>
+  </p:cSld>
+  <p:clrMapOvr>
+    <a:masterClrMapping/>
+  </p:clrMapOvr>
+</p:sld>
+</file>
+
+<file path=ppt/slides/slide7.xml><?xml version="1.0" encoding="utf-8"?>
 <p:sld xmlns:a="http://schemas.openxmlformats.org/drawingml/2006/main" xmlns:r="http://schemas.openxmlformats.org/officeDocument/2006/relationships" xmlns:p="http://schemas.openxmlformats.org/presentationml/2006/main">
   <p:cSld>
     <p:spTree>
@@ -4226,8 +7478,8 @@
         </p:blipFill>
         <p:spPr>
           <a:xfrm>
-            <a:off x="485774" y="419101"/>
-            <a:ext cx="10448925" cy="4219574"/>
+            <a:off x="485785" y="419106"/>
+            <a:ext cx="10448927" cy="4923367"/>
           </a:xfrm>
           <a:prstGeom prst="rect">
             <a:avLst/>
@@ -4247,7 +7499,7 @@
 </p:sld>
 </file>
 
-<file path=ppt/slides/slide6.xml><?xml version="1.0" encoding="utf-8"?>
+<file path=ppt/slides/slide8.xml><?xml version="1.0" encoding="utf-8"?>
 <p:sld xmlns:a="http://schemas.openxmlformats.org/drawingml/2006/main" xmlns:r="http://schemas.openxmlformats.org/officeDocument/2006/relationships" xmlns:p="http://schemas.openxmlformats.org/presentationml/2006/main">
   <p:cSld>
     <p:spTree>
@@ -4278,7 +7530,7 @@
         </p:nvSpPr>
         <p:spPr>
           <a:xfrm>
-            <a:off x="285750" y="219075"/>
+            <a:off x="370422" y="227547"/>
             <a:ext cx="3476625" cy="584775"/>
           </a:xfrm>
           <a:prstGeom prst="rect">
@@ -4329,7 +7581,7 @@
         </p:blipFill>
         <p:spPr>
           <a:xfrm>
-            <a:off x="476250" y="899667"/>
+            <a:off x="476262" y="899681"/>
             <a:ext cx="10391775" cy="4701033"/>
           </a:xfrm>
           <a:prstGeom prst="rect">
@@ -4350,7 +7602,7 @@
 </p:sld>
 </file>
 
-<file path=ppt/slides/slide7.xml><?xml version="1.0" encoding="utf-8"?>
+<file path=ppt/slides/slide9.xml><?xml version="1.0" encoding="utf-8"?>
 <p:sld xmlns:a="http://schemas.openxmlformats.org/drawingml/2006/main" xmlns:r="http://schemas.openxmlformats.org/officeDocument/2006/relationships" xmlns:p="http://schemas.openxmlformats.org/presentationml/2006/main">
   <p:cSld>
     <p:spTree>
@@ -4395,44 +7647,8 @@
         </p:blipFill>
         <p:spPr>
           <a:xfrm>
-            <a:off x="257174" y="183006"/>
-            <a:ext cx="10429875" cy="2624837"/>
-          </a:xfrm>
-          <a:prstGeom prst="rect">
-            <a:avLst/>
-          </a:prstGeom>
-        </p:spPr>
-      </p:pic>
-      <p:pic>
-        <p:nvPicPr>
-          <p:cNvPr id="5" name="Picture 4" descr="A screenshot of a computer">
-            <a:extLst>
-              <a:ext uri="{FF2B5EF4-FFF2-40B4-BE49-F238E27FC236}">
-                <a16:creationId xmlns:a16="http://schemas.microsoft.com/office/drawing/2014/main" id="{C079E508-778C-0144-72C1-C1B29555E9AE}"/>
-              </a:ext>
-            </a:extLst>
-          </p:cNvPr>
-          <p:cNvPicPr>
-            <a:picLocks noChangeAspect="1"/>
-          </p:cNvPicPr>
-          <p:nvPr/>
-        </p:nvPicPr>
-        <p:blipFill>
-          <a:blip r:embed="rId3">
-            <a:extLst>
-              <a:ext uri="{28A0092B-C50C-407E-A947-70E740481C1C}">
-                <a14:useLocalDpi xmlns:a14="http://schemas.microsoft.com/office/drawing/2010/main" val="0"/>
-              </a:ext>
-            </a:extLst>
-          </a:blip>
-          <a:stretch>
-            <a:fillRect/>
-          </a:stretch>
-        </p:blipFill>
-        <p:spPr>
-          <a:xfrm>
-            <a:off x="228600" y="2960612"/>
-            <a:ext cx="10506075" cy="2525788"/>
+            <a:off x="330214" y="580946"/>
+            <a:ext cx="11127316" cy="4507527"/>
           </a:xfrm>
           <a:prstGeom prst="rect">
             <a:avLst/>
@@ -4443,186 +7659,6 @@
     <p:extLst>
       <p:ext uri="{BB962C8B-B14F-4D97-AF65-F5344CB8AC3E}">
         <p14:creationId xmlns:p14="http://schemas.microsoft.com/office/powerpoint/2010/main" val="3144177769"/>
-      </p:ext>
-    </p:extLst>
-  </p:cSld>
-  <p:clrMapOvr>
-    <a:masterClrMapping/>
-  </p:clrMapOvr>
-</p:sld>
-</file>
-
-<file path=ppt/slides/slide8.xml><?xml version="1.0" encoding="utf-8"?>
-<p:sld xmlns:a="http://schemas.openxmlformats.org/drawingml/2006/main" xmlns:r="http://schemas.openxmlformats.org/officeDocument/2006/relationships" xmlns:p="http://schemas.openxmlformats.org/presentationml/2006/main">
-  <p:cSld>
-    <p:spTree>
-      <p:nvGrpSpPr>
-        <p:cNvPr id="1" name=""/>
-        <p:cNvGrpSpPr/>
-        <p:nvPr/>
-      </p:nvGrpSpPr>
-      <p:grpSpPr>
-        <a:xfrm>
-          <a:off x="0" y="0"/>
-          <a:ext cx="0" cy="0"/>
-          <a:chOff x="0" y="0"/>
-          <a:chExt cx="0" cy="0"/>
-        </a:xfrm>
-      </p:grpSpPr>
-      <p:pic>
-        <p:nvPicPr>
-          <p:cNvPr id="3" name="Picture 2">
-            <a:extLst>
-              <a:ext uri="{FF2B5EF4-FFF2-40B4-BE49-F238E27FC236}">
-                <a16:creationId xmlns:a16="http://schemas.microsoft.com/office/drawing/2014/main" id="{21349F17-61F0-49C9-3DBC-7EE6E5F0FF9C}"/>
-              </a:ext>
-            </a:extLst>
-          </p:cNvPr>
-          <p:cNvPicPr>
-            <a:picLocks noChangeAspect="1"/>
-          </p:cNvPicPr>
-          <p:nvPr/>
-        </p:nvPicPr>
-        <p:blipFill>
-          <a:blip r:embed="rId2"/>
-          <a:stretch>
-            <a:fillRect/>
-          </a:stretch>
-        </p:blipFill>
-        <p:spPr>
-          <a:xfrm>
-            <a:off x="142875" y="182176"/>
-            <a:ext cx="10953750" cy="2380050"/>
-          </a:xfrm>
-          <a:prstGeom prst="rect">
-            <a:avLst/>
-          </a:prstGeom>
-        </p:spPr>
-      </p:pic>
-      <p:pic>
-        <p:nvPicPr>
-          <p:cNvPr id="5" name="Picture 4">
-            <a:extLst>
-              <a:ext uri="{FF2B5EF4-FFF2-40B4-BE49-F238E27FC236}">
-                <a16:creationId xmlns:a16="http://schemas.microsoft.com/office/drawing/2014/main" id="{0EBA3270-06EF-E860-3B98-EBE98F54BD0A}"/>
-              </a:ext>
-            </a:extLst>
-          </p:cNvPr>
-          <p:cNvPicPr>
-            <a:picLocks noChangeAspect="1"/>
-          </p:cNvPicPr>
-          <p:nvPr/>
-        </p:nvPicPr>
-        <p:blipFill>
-          <a:blip r:embed="rId3"/>
-          <a:stretch>
-            <a:fillRect/>
-          </a:stretch>
-        </p:blipFill>
-        <p:spPr>
-          <a:xfrm>
-            <a:off x="142875" y="2733450"/>
-            <a:ext cx="10963275" cy="2705325"/>
-          </a:xfrm>
-          <a:prstGeom prst="rect">
-            <a:avLst/>
-          </a:prstGeom>
-        </p:spPr>
-      </p:pic>
-    </p:spTree>
-    <p:extLst>
-      <p:ext uri="{BB962C8B-B14F-4D97-AF65-F5344CB8AC3E}">
-        <p14:creationId xmlns:p14="http://schemas.microsoft.com/office/powerpoint/2010/main" val="20276657"/>
-      </p:ext>
-    </p:extLst>
-  </p:cSld>
-  <p:clrMapOvr>
-    <a:masterClrMapping/>
-  </p:clrMapOvr>
-</p:sld>
-</file>
-
-<file path=ppt/slides/slide9.xml><?xml version="1.0" encoding="utf-8"?>
-<p:sld xmlns:a="http://schemas.openxmlformats.org/drawingml/2006/main" xmlns:r="http://schemas.openxmlformats.org/officeDocument/2006/relationships" xmlns:p="http://schemas.openxmlformats.org/presentationml/2006/main">
-  <p:cSld>
-    <p:spTree>
-      <p:nvGrpSpPr>
-        <p:cNvPr id="1" name=""/>
-        <p:cNvGrpSpPr/>
-        <p:nvPr/>
-      </p:nvGrpSpPr>
-      <p:grpSpPr>
-        <a:xfrm>
-          <a:off x="0" y="0"/>
-          <a:ext cx="0" cy="0"/>
-          <a:chOff x="0" y="0"/>
-          <a:chExt cx="0" cy="0"/>
-        </a:xfrm>
-      </p:grpSpPr>
-      <p:pic>
-        <p:nvPicPr>
-          <p:cNvPr id="3" name="Picture 2">
-            <a:extLst>
-              <a:ext uri="{FF2B5EF4-FFF2-40B4-BE49-F238E27FC236}">
-                <a16:creationId xmlns:a16="http://schemas.microsoft.com/office/drawing/2014/main" id="{8F0E63FA-7FCB-62CB-186A-DA6AC7881034}"/>
-              </a:ext>
-            </a:extLst>
-          </p:cNvPr>
-          <p:cNvPicPr>
-            <a:picLocks noChangeAspect="1"/>
-          </p:cNvPicPr>
-          <p:nvPr/>
-        </p:nvPicPr>
-        <p:blipFill>
-          <a:blip r:embed="rId2"/>
-          <a:stretch>
-            <a:fillRect/>
-          </a:stretch>
-        </p:blipFill>
-        <p:spPr>
-          <a:xfrm>
-            <a:off x="238126" y="261595"/>
-            <a:ext cx="10658474" cy="2634006"/>
-          </a:xfrm>
-          <a:prstGeom prst="rect">
-            <a:avLst/>
-          </a:prstGeom>
-        </p:spPr>
-      </p:pic>
-      <p:pic>
-        <p:nvPicPr>
-          <p:cNvPr id="5" name="Picture 4">
-            <a:extLst>
-              <a:ext uri="{FF2B5EF4-FFF2-40B4-BE49-F238E27FC236}">
-                <a16:creationId xmlns:a16="http://schemas.microsoft.com/office/drawing/2014/main" id="{60489FF3-B2E1-36D2-596D-1F613FB496DD}"/>
-              </a:ext>
-            </a:extLst>
-          </p:cNvPr>
-          <p:cNvPicPr>
-            <a:picLocks noChangeAspect="1"/>
-          </p:cNvPicPr>
-          <p:nvPr/>
-        </p:nvPicPr>
-        <p:blipFill>
-          <a:blip r:embed="rId3"/>
-          <a:stretch>
-            <a:fillRect/>
-          </a:stretch>
-        </p:blipFill>
-        <p:spPr>
-          <a:xfrm>
-            <a:off x="223138" y="3095625"/>
-            <a:ext cx="10692511" cy="2600325"/>
-          </a:xfrm>
-          <a:prstGeom prst="rect">
-            <a:avLst/>
-          </a:prstGeom>
-        </p:spPr>
-      </p:pic>
-    </p:spTree>
-    <p:extLst>
-      <p:ext uri="{BB962C8B-B14F-4D97-AF65-F5344CB8AC3E}">
-        <p14:creationId xmlns:p14="http://schemas.microsoft.com/office/powerpoint/2010/main" val="3029875799"/>
       </p:ext>
     </p:extLst>
   </p:cSld>
